--- a/Presentation.pptx
+++ b/Presentation.pptx
@@ -689,7 +689,7 @@
                 <a:ea typeface="Calibri" panose="020F0502020204030204" pitchFamily="34" charset="0"/>
                 <a:cs typeface="Times New Roman" panose="02020603050405020304" pitchFamily="18" charset="0"/>
               </a:rPr>
-              <a:t>Nous avons à disposition un </a:t>
+              <a:t>Nous avions à disposition un </a:t>
             </a:r>
             <a:r>
               <a:rPr lang="fr-CH" sz="1800" i="1" dirty="0">
@@ -800,7 +800,7 @@
                 <a:ea typeface="Calibri" panose="020F0502020204030204" pitchFamily="34" charset="0"/>
                 <a:cs typeface="Calibri" panose="020F0502020204030204" pitchFamily="34" charset="0"/>
               </a:rPr>
-              <a:t>La combinaison entre les capteurs de température et d'humidité permet de déterminer les risques d'incendie.</a:t>
+              <a:t>La combinaison entre les capteurs de température, de pression et d'humidité permet de déterminer les risques d'incendie.</a:t>
             </a:r>
             <a:endParaRPr lang="fr-CH" sz="1800" dirty="0">
               <a:effectLst/>
@@ -941,16 +941,7 @@
                 <a:ea typeface="Calibri" panose="020F0502020204030204" pitchFamily="34" charset="0"/>
                 <a:cs typeface="Calibri" panose="020F0502020204030204" pitchFamily="34" charset="0"/>
               </a:rPr>
-              <a:t>Être capable de capturer des images à l'intérieur de la machine et de les traités pour détecter de la fumée ou flamme ce qui indique un </a:t>
-            </a:r>
-            <a:r>
-              <a:rPr lang="fr-CH" sz="1800">
-                <a:effectLst/>
-                <a:latin typeface="Calibri" panose="020F0502020204030204" pitchFamily="34" charset="0"/>
-                <a:ea typeface="Calibri" panose="020F0502020204030204" pitchFamily="34" charset="0"/>
-                <a:cs typeface="Calibri" panose="020F0502020204030204" pitchFamily="34" charset="0"/>
-              </a:rPr>
-              <a:t>incendie.</a:t>
+              <a:t>Être capable de capturer des images à l'intérieur de la machine et de les traités pour détecter de la fumée ou flamme ce qui indique un incendie.</a:t>
             </a:r>
           </a:p>
           <a:p>
@@ -1723,8 +1714,33 @@
                 <a:ea typeface="Calibri" panose="020F0502020204030204" pitchFamily="34" charset="0"/>
                 <a:cs typeface="Times New Roman" panose="02020603050405020304" pitchFamily="18" charset="0"/>
               </a:rPr>
-              <a:t>). Nous n’expliquerons pas les détails du fonctionnement, mais nous vous invitons à lire les documents réalisés par les chercheurs et programmeurs.</a:t>
+              <a:t>). Nous n’expliquerons pas les détails du fonctionnement, mais nous vous invitons à lire les documents réalisés par les chercheurs et </a:t>
             </a:r>
+            <a:r>
+              <a:rPr lang="fr-CH" sz="1800">
+                <a:effectLst/>
+                <a:latin typeface="Arial" panose="020B0604020202020204" pitchFamily="34" charset="0"/>
+                <a:ea typeface="Calibri" panose="020F0502020204030204" pitchFamily="34" charset="0"/>
+                <a:cs typeface="Times New Roman" panose="02020603050405020304" pitchFamily="18" charset="0"/>
+              </a:rPr>
+              <a:t>programmeurs.</a:t>
+            </a:r>
+          </a:p>
+          <a:p>
+            <a:pPr algn="just">
+              <a:lnSpc>
+                <a:spcPct val="115000"/>
+              </a:lnSpc>
+              <a:spcAft>
+                <a:spcPts val="800"/>
+              </a:spcAft>
+            </a:pPr>
+            <a:endParaRPr lang="fr-CH" sz="1800" dirty="0">
+              <a:effectLst/>
+              <a:latin typeface="Arial" panose="020B0604020202020204" pitchFamily="34" charset="0"/>
+              <a:ea typeface="Calibri" panose="020F0502020204030204" pitchFamily="34" charset="0"/>
+              <a:cs typeface="Times New Roman" panose="02020603050405020304" pitchFamily="18" charset="0"/>
+            </a:endParaRPr>
           </a:p>
           <a:p>
             <a:endParaRPr lang="fr-CH" dirty="0"/>
@@ -15753,27 +15769,7 @@
                 <a:ea typeface="Open Sans" panose="020B0606030504020204" pitchFamily="34" charset="0"/>
                 <a:cs typeface="Open Sans" panose="020B0606030504020204" pitchFamily="34" charset="0"/>
               </a:rPr>
-              <a:t>Groupe 06</a:t>
-            </a:r>
-          </a:p>
-          <a:p>
-            <a:pPr marL="342900" indent="-342900" algn="l">
-              <a:spcBef>
-                <a:spcPts val="1800"/>
-              </a:spcBef>
-              <a:buFont typeface="Arial" panose="020B0604020202020204" pitchFamily="34" charset="0"/>
-              <a:buChar char="•"/>
-            </a:pPr>
-            <a:r>
-              <a:rPr lang="fr-CH" dirty="0">
-                <a:solidFill>
-                  <a:schemeClr val="bg1"/>
-                </a:solidFill>
-                <a:latin typeface="Open Sans" panose="020B0606030504020204" pitchFamily="34" charset="0"/>
-                <a:ea typeface="Open Sans" panose="020B0606030504020204" pitchFamily="34" charset="0"/>
-                <a:cs typeface="Open Sans" panose="020B0606030504020204" pitchFamily="34" charset="0"/>
-              </a:rPr>
-              <a:t>Détecteur d’incendie</a:t>
+              <a:t>Récupérer les mesures</a:t>
             </a:r>
           </a:p>
           <a:p>
@@ -15865,6 +15861,46 @@
                 <a:cs typeface="Open Sans" panose="020B0606030504020204" pitchFamily="34" charset="0"/>
               </a:rPr>
               <a:t> Image</a:t>
+            </a:r>
+          </a:p>
+          <a:p>
+            <a:pPr marL="342900" indent="-342900" algn="l">
+              <a:spcBef>
+                <a:spcPts val="1800"/>
+              </a:spcBef>
+              <a:buFont typeface="Arial" panose="020B0604020202020204" pitchFamily="34" charset="0"/>
+              <a:buChar char="•"/>
+            </a:pPr>
+            <a:r>
+              <a:rPr lang="fr-CH" dirty="0">
+                <a:solidFill>
+                  <a:schemeClr val="bg1"/>
+                </a:solidFill>
+                <a:latin typeface="Open Sans" panose="020B0606030504020204" pitchFamily="34" charset="0"/>
+                <a:ea typeface="Open Sans" panose="020B0606030504020204" pitchFamily="34" charset="0"/>
+                <a:cs typeface="Open Sans" panose="020B0606030504020204" pitchFamily="34" charset="0"/>
+              </a:rPr>
+              <a:t>Détecter un incendie</a:t>
+            </a:r>
+          </a:p>
+          <a:p>
+            <a:pPr marL="342900" indent="-342900" algn="l">
+              <a:spcBef>
+                <a:spcPts val="1800"/>
+              </a:spcBef>
+              <a:buFont typeface="Arial" panose="020B0604020202020204" pitchFamily="34" charset="0"/>
+              <a:buChar char="•"/>
+            </a:pPr>
+            <a:r>
+              <a:rPr lang="fr-CH" dirty="0">
+                <a:solidFill>
+                  <a:schemeClr val="bg1"/>
+                </a:solidFill>
+                <a:latin typeface="Open Sans" panose="020B0606030504020204" pitchFamily="34" charset="0"/>
+                <a:ea typeface="Open Sans" panose="020B0606030504020204" pitchFamily="34" charset="0"/>
+                <a:cs typeface="Open Sans" panose="020B0606030504020204" pitchFamily="34" charset="0"/>
+              </a:rPr>
+              <a:t>Alerter le superviseur</a:t>
             </a:r>
           </a:p>
         </p:txBody>
@@ -16608,6 +16644,67 @@
                                           <p:spTgt spid="26">
                                             <p:txEl>
                                               <p:pRg st="5" end="5"/>
+                                            </p:txEl>
+                                          </p:spTgt>
+                                        </p:tgtEl>
+                                      </p:cBhvr>
+                                    </p:animEffect>
+                                  </p:childTnLst>
+                                </p:cTn>
+                              </p:par>
+                            </p:childTnLst>
+                          </p:cTn>
+                        </p:par>
+                      </p:childTnLst>
+                    </p:cTn>
+                  </p:par>
+                  <p:par>
+                    <p:cTn id="33" fill="hold">
+                      <p:stCondLst>
+                        <p:cond delay="indefinite"/>
+                      </p:stCondLst>
+                      <p:childTnLst>
+                        <p:par>
+                          <p:cTn id="34" fill="hold">
+                            <p:stCondLst>
+                              <p:cond delay="0"/>
+                            </p:stCondLst>
+                            <p:childTnLst>
+                              <p:par>
+                                <p:cTn id="35" presetID="10" presetClass="entr" presetSubtype="0" fill="hold" nodeType="clickEffect">
+                                  <p:stCondLst>
+                                    <p:cond delay="0"/>
+                                  </p:stCondLst>
+                                  <p:childTnLst>
+                                    <p:set>
+                                      <p:cBhvr>
+                                        <p:cTn id="36" dur="1" fill="hold">
+                                          <p:stCondLst>
+                                            <p:cond delay="0"/>
+                                          </p:stCondLst>
+                                        </p:cTn>
+                                        <p:tgtEl>
+                                          <p:spTgt spid="26">
+                                            <p:txEl>
+                                              <p:pRg st="6" end="6"/>
+                                            </p:txEl>
+                                          </p:spTgt>
+                                        </p:tgtEl>
+                                        <p:attrNameLst>
+                                          <p:attrName>style.visibility</p:attrName>
+                                        </p:attrNameLst>
+                                      </p:cBhvr>
+                                      <p:to>
+                                        <p:strVal val="visible"/>
+                                      </p:to>
+                                    </p:set>
+                                    <p:animEffect transition="in" filter="fade">
+                                      <p:cBhvr>
+                                        <p:cTn id="37" dur="500"/>
+                                        <p:tgtEl>
+                                          <p:spTgt spid="26">
+                                            <p:txEl>
+                                              <p:pRg st="6" end="6"/>
                                             </p:txEl>
                                           </p:spTgt>
                                         </p:tgtEl>

--- a/Presentation.pptx
+++ b/Presentation.pptx
@@ -207,7 +207,7 @@
           <a:p>
             <a:fld id="{0C13E8CC-381F-4F85-BDAB-732B26B1A0DD}" type="datetimeFigureOut">
               <a:rPr lang="fr-CH" smtClean="0"/>
-              <a:t>09.06.2022</a:t>
+              <a:t>15.06.2022</a:t>
             </a:fld>
             <a:endParaRPr lang="fr-CH"/>
           </a:p>
@@ -366,7 +366,7 @@
           <a:p>
             <a:fld id="{D70970E6-A9EF-4C77-8EA9-4E0C3CA50B9A}" type="slidenum">
               <a:rPr lang="fr-CH" smtClean="0"/>
-              <a:t>‹N°›</a:t>
+              <a:t>‹#›</a:t>
             </a:fld>
             <a:endParaRPr lang="fr-CH"/>
           </a:p>
@@ -1935,7 +1935,7 @@
           <a:p>
             <a:fld id="{1661375A-C223-44C8-917C-F7C3A1BCD50F}" type="datetimeFigureOut">
               <a:rPr lang="en-GB" smtClean="0"/>
-              <a:t>09/06/2022</a:t>
+              <a:t>15/06/2022</a:t>
             </a:fld>
             <a:endParaRPr lang="en-GB"/>
           </a:p>
@@ -1989,7 +1989,7 @@
           <a:p>
             <a:fld id="{6983841B-0DB4-4C99-B5E5-79625F01DBF7}" type="slidenum">
               <a:rPr lang="en-GB" smtClean="0"/>
-              <a:t>‹N°›</a:t>
+              <a:t>‹#›</a:t>
             </a:fld>
             <a:endParaRPr lang="en-GB"/>
           </a:p>
@@ -2135,7 +2135,7 @@
           <a:p>
             <a:fld id="{1661375A-C223-44C8-917C-F7C3A1BCD50F}" type="datetimeFigureOut">
               <a:rPr lang="en-GB" smtClean="0"/>
-              <a:t>09/06/2022</a:t>
+              <a:t>15/06/2022</a:t>
             </a:fld>
             <a:endParaRPr lang="en-GB"/>
           </a:p>
@@ -2189,7 +2189,7 @@
           <a:p>
             <a:fld id="{6983841B-0DB4-4C99-B5E5-79625F01DBF7}" type="slidenum">
               <a:rPr lang="en-GB" smtClean="0"/>
-              <a:t>‹N°›</a:t>
+              <a:t>‹#›</a:t>
             </a:fld>
             <a:endParaRPr lang="en-GB"/>
           </a:p>
@@ -2345,7 +2345,7 @@
           <a:p>
             <a:fld id="{1661375A-C223-44C8-917C-F7C3A1BCD50F}" type="datetimeFigureOut">
               <a:rPr lang="en-GB" smtClean="0"/>
-              <a:t>09/06/2022</a:t>
+              <a:t>15/06/2022</a:t>
             </a:fld>
             <a:endParaRPr lang="en-GB"/>
           </a:p>
@@ -2399,7 +2399,7 @@
           <a:p>
             <a:fld id="{6983841B-0DB4-4C99-B5E5-79625F01DBF7}" type="slidenum">
               <a:rPr lang="en-GB" smtClean="0"/>
-              <a:t>‹N°›</a:t>
+              <a:t>‹#›</a:t>
             </a:fld>
             <a:endParaRPr lang="en-GB"/>
           </a:p>
@@ -2545,7 +2545,7 @@
           <a:p>
             <a:fld id="{1661375A-C223-44C8-917C-F7C3A1BCD50F}" type="datetimeFigureOut">
               <a:rPr lang="en-GB" smtClean="0"/>
-              <a:t>09/06/2022</a:t>
+              <a:t>15/06/2022</a:t>
             </a:fld>
             <a:endParaRPr lang="en-GB"/>
           </a:p>
@@ -2599,7 +2599,7 @@
           <a:p>
             <a:fld id="{6983841B-0DB4-4C99-B5E5-79625F01DBF7}" type="slidenum">
               <a:rPr lang="en-GB" smtClean="0"/>
-              <a:t>‹N°›</a:t>
+              <a:t>‹#›</a:t>
             </a:fld>
             <a:endParaRPr lang="en-GB"/>
           </a:p>
@@ -2821,7 +2821,7 @@
           <a:p>
             <a:fld id="{1661375A-C223-44C8-917C-F7C3A1BCD50F}" type="datetimeFigureOut">
               <a:rPr lang="en-GB" smtClean="0"/>
-              <a:t>09/06/2022</a:t>
+              <a:t>15/06/2022</a:t>
             </a:fld>
             <a:endParaRPr lang="en-GB"/>
           </a:p>
@@ -2875,7 +2875,7 @@
           <a:p>
             <a:fld id="{6983841B-0DB4-4C99-B5E5-79625F01DBF7}" type="slidenum">
               <a:rPr lang="en-GB" smtClean="0"/>
-              <a:t>‹N°›</a:t>
+              <a:t>‹#›</a:t>
             </a:fld>
             <a:endParaRPr lang="en-GB"/>
           </a:p>
@@ -3089,7 +3089,7 @@
           <a:p>
             <a:fld id="{1661375A-C223-44C8-917C-F7C3A1BCD50F}" type="datetimeFigureOut">
               <a:rPr lang="en-GB" smtClean="0"/>
-              <a:t>09/06/2022</a:t>
+              <a:t>15/06/2022</a:t>
             </a:fld>
             <a:endParaRPr lang="en-GB"/>
           </a:p>
@@ -3143,7 +3143,7 @@
           <a:p>
             <a:fld id="{6983841B-0DB4-4C99-B5E5-79625F01DBF7}" type="slidenum">
               <a:rPr lang="en-GB" smtClean="0"/>
-              <a:t>‹N°›</a:t>
+              <a:t>‹#›</a:t>
             </a:fld>
             <a:endParaRPr lang="en-GB"/>
           </a:p>
@@ -3504,7 +3504,7 @@
           <a:p>
             <a:fld id="{1661375A-C223-44C8-917C-F7C3A1BCD50F}" type="datetimeFigureOut">
               <a:rPr lang="en-GB" smtClean="0"/>
-              <a:t>09/06/2022</a:t>
+              <a:t>15/06/2022</a:t>
             </a:fld>
             <a:endParaRPr lang="en-GB"/>
           </a:p>
@@ -3558,7 +3558,7 @@
           <a:p>
             <a:fld id="{6983841B-0DB4-4C99-B5E5-79625F01DBF7}" type="slidenum">
               <a:rPr lang="en-GB" smtClean="0"/>
-              <a:t>‹N°›</a:t>
+              <a:t>‹#›</a:t>
             </a:fld>
             <a:endParaRPr lang="en-GB"/>
           </a:p>
@@ -3646,7 +3646,7 @@
           <a:p>
             <a:fld id="{1661375A-C223-44C8-917C-F7C3A1BCD50F}" type="datetimeFigureOut">
               <a:rPr lang="en-GB" smtClean="0"/>
-              <a:t>09/06/2022</a:t>
+              <a:t>15/06/2022</a:t>
             </a:fld>
             <a:endParaRPr lang="en-GB"/>
           </a:p>
@@ -3700,7 +3700,7 @@
           <a:p>
             <a:fld id="{6983841B-0DB4-4C99-B5E5-79625F01DBF7}" type="slidenum">
               <a:rPr lang="en-GB" smtClean="0"/>
-              <a:t>‹N°›</a:t>
+              <a:t>‹#›</a:t>
             </a:fld>
             <a:endParaRPr lang="en-GB"/>
           </a:p>
@@ -3759,7 +3759,7 @@
           <a:p>
             <a:fld id="{1661375A-C223-44C8-917C-F7C3A1BCD50F}" type="datetimeFigureOut">
               <a:rPr lang="en-GB" smtClean="0"/>
-              <a:t>09/06/2022</a:t>
+              <a:t>15/06/2022</a:t>
             </a:fld>
             <a:endParaRPr lang="en-GB"/>
           </a:p>
@@ -3813,7 +3813,7 @@
           <a:p>
             <a:fld id="{6983841B-0DB4-4C99-B5E5-79625F01DBF7}" type="slidenum">
               <a:rPr lang="en-GB" smtClean="0"/>
-              <a:t>‹N°›</a:t>
+              <a:t>‹#›</a:t>
             </a:fld>
             <a:endParaRPr lang="en-GB"/>
           </a:p>
@@ -4072,7 +4072,7 @@
           <a:p>
             <a:fld id="{1661375A-C223-44C8-917C-F7C3A1BCD50F}" type="datetimeFigureOut">
               <a:rPr lang="en-GB" smtClean="0"/>
-              <a:t>09/06/2022</a:t>
+              <a:t>15/06/2022</a:t>
             </a:fld>
             <a:endParaRPr lang="en-GB"/>
           </a:p>
@@ -4126,7 +4126,7 @@
           <a:p>
             <a:fld id="{6983841B-0DB4-4C99-B5E5-79625F01DBF7}" type="slidenum">
               <a:rPr lang="en-GB" smtClean="0"/>
-              <a:t>‹N°›</a:t>
+              <a:t>‹#›</a:t>
             </a:fld>
             <a:endParaRPr lang="en-GB"/>
           </a:p>
@@ -4361,7 +4361,7 @@
           <a:p>
             <a:fld id="{1661375A-C223-44C8-917C-F7C3A1BCD50F}" type="datetimeFigureOut">
               <a:rPr lang="en-GB" smtClean="0"/>
-              <a:t>09/06/2022</a:t>
+              <a:t>15/06/2022</a:t>
             </a:fld>
             <a:endParaRPr lang="en-GB"/>
           </a:p>
@@ -4415,7 +4415,7 @@
           <a:p>
             <a:fld id="{6983841B-0DB4-4C99-B5E5-79625F01DBF7}" type="slidenum">
               <a:rPr lang="en-GB" smtClean="0"/>
-              <a:t>‹N°›</a:t>
+              <a:t>‹#›</a:t>
             </a:fld>
             <a:endParaRPr lang="en-GB"/>
           </a:p>
@@ -4604,7 +4604,7 @@
           <a:p>
             <a:fld id="{1661375A-C223-44C8-917C-F7C3A1BCD50F}" type="datetimeFigureOut">
               <a:rPr lang="en-GB" smtClean="0"/>
-              <a:t>09/06/2022</a:t>
+              <a:t>15/06/2022</a:t>
             </a:fld>
             <a:endParaRPr lang="en-GB"/>
           </a:p>
@@ -4694,7 +4694,7 @@
           <a:p>
             <a:fld id="{6983841B-0DB4-4C99-B5E5-79625F01DBF7}" type="slidenum">
               <a:rPr lang="en-GB" smtClean="0"/>
-              <a:t>‹N°›</a:t>
+              <a:t>‹#›</a:t>
             </a:fld>
             <a:endParaRPr lang="en-GB"/>
           </a:p>
@@ -17533,10 +17533,10 @@
       </p:sp>
       <p:pic>
         <p:nvPicPr>
-          <p:cNvPr id="6" name="Image 5">
+          <p:cNvPr id="16" name="Graphic 15">
             <a:extLst>
               <a:ext uri="{FF2B5EF4-FFF2-40B4-BE49-F238E27FC236}">
-                <a16:creationId xmlns:a16="http://schemas.microsoft.com/office/drawing/2014/main" id="{2B784ACB-95BA-3022-EA28-4AF3658A5AE1}"/>
+                <a16:creationId xmlns:a16="http://schemas.microsoft.com/office/drawing/2014/main" id="{1B5CE031-4D27-9A67-BCA0-F93A6A676557}"/>
               </a:ext>
             </a:extLst>
           </p:cNvPr>
@@ -17545,73 +17545,25 @@
           </p:cNvPicPr>
           <p:nvPr/>
         </p:nvPicPr>
-        <p:blipFill rotWithShape="1">
-          <a:blip r:embed="rId4"/>
-          <a:srcRect b="82302"/>
-          <a:stretch/>
+        <p:blipFill>
+          <a:blip r:embed="rId4">
+            <a:extLst>
+              <a:ext uri="{28A0092B-C50C-407E-A947-70E740481C1C}">
+                <a14:useLocalDpi xmlns:a14="http://schemas.microsoft.com/office/drawing/2010/main" val="0"/>
+              </a:ext>
+              <a:ext uri="{96DAC541-7B7A-43D3-8B79-37D633B846F1}">
+                <asvg:svgBlip xmlns:asvg="http://schemas.microsoft.com/office/drawing/2016/SVG/main" r:embed="rId5"/>
+              </a:ext>
+            </a:extLst>
+          </a:blip>
+          <a:stretch>
+            <a:fillRect/>
+          </a:stretch>
         </p:blipFill>
         <p:spPr>
           <a:xfrm>
-            <a:off x="5228032" y="911666"/>
-            <a:ext cx="5761219" cy="927913"/>
-          </a:xfrm>
-          <a:prstGeom prst="rect">
-            <a:avLst/>
-          </a:prstGeom>
-        </p:spPr>
-      </p:pic>
-      <p:pic>
-        <p:nvPicPr>
-          <p:cNvPr id="19" name="Image 18">
-            <a:extLst>
-              <a:ext uri="{FF2B5EF4-FFF2-40B4-BE49-F238E27FC236}">
-                <a16:creationId xmlns:a16="http://schemas.microsoft.com/office/drawing/2014/main" id="{F1AC7C84-45FA-84F3-729A-298C00D74D70}"/>
-              </a:ext>
-            </a:extLst>
-          </p:cNvPr>
-          <p:cNvPicPr>
-            <a:picLocks noChangeAspect="1"/>
-          </p:cNvPicPr>
-          <p:nvPr/>
-        </p:nvPicPr>
-        <p:blipFill rotWithShape="1">
-          <a:blip r:embed="rId4"/>
-          <a:srcRect t="52316" b="12003"/>
-          <a:stretch/>
-        </p:blipFill>
-        <p:spPr>
-          <a:xfrm>
-            <a:off x="5228032" y="3654603"/>
-            <a:ext cx="5761219" cy="1870772"/>
-          </a:xfrm>
-          <a:prstGeom prst="rect">
-            <a:avLst/>
-          </a:prstGeom>
-        </p:spPr>
-      </p:pic>
-      <p:pic>
-        <p:nvPicPr>
-          <p:cNvPr id="20" name="Image 19">
-            <a:extLst>
-              <a:ext uri="{FF2B5EF4-FFF2-40B4-BE49-F238E27FC236}">
-                <a16:creationId xmlns:a16="http://schemas.microsoft.com/office/drawing/2014/main" id="{5C053B44-E565-B60D-CE2E-80D91B6432C6}"/>
-              </a:ext>
-            </a:extLst>
-          </p:cNvPr>
-          <p:cNvPicPr>
-            <a:picLocks noChangeAspect="1"/>
-          </p:cNvPicPr>
-          <p:nvPr/>
-        </p:nvPicPr>
-        <p:blipFill rotWithShape="1">
-          <a:blip r:embed="rId4"/>
-          <a:srcRect t="17698" b="47684"/>
-          <a:stretch/>
-        </p:blipFill>
-        <p:spPr>
-          <a:xfrm>
-            <a:off x="5228032" y="1839579"/>
-            <a:ext cx="5761219" cy="1815024"/>
+            <a:off x="4694562" y="1138706"/>
+            <a:ext cx="6940225" cy="4735529"/>
           </a:xfrm>
           <a:prstGeom prst="rect">
             <a:avLst/>
@@ -17731,33 +17683,6 @@
                                   </p:childTnLst>
                                 </p:cTn>
                               </p:par>
-                              <p:par>
-                                <p:cTn id="11" presetID="1" presetClass="entr" presetSubtype="0" fill="hold" nodeType="withEffect">
-                                  <p:stCondLst>
-                                    <p:cond delay="0"/>
-                                  </p:stCondLst>
-                                  <p:childTnLst>
-                                    <p:set>
-                                      <p:cBhvr>
-                                        <p:cTn id="12" dur="1" fill="hold">
-                                          <p:stCondLst>
-                                            <p:cond delay="0"/>
-                                          </p:stCondLst>
-                                        </p:cTn>
-                                        <p:tgtEl>
-                                          <p:spTgt spid="6"/>
-                                        </p:tgtEl>
-                                        <p:attrNameLst>
-                                          <p:attrName>style.visibility</p:attrName>
-                                        </p:attrNameLst>
-                                      </p:cBhvr>
-                                      <p:to>
-                                        <p:strVal val="visible"/>
-                                      </p:to>
-                                    </p:set>
-                                  </p:childTnLst>
-                                </p:cTn>
-                              </p:par>
                             </p:childTnLst>
                           </p:cTn>
                         </p:par>
@@ -17765,26 +17690,26 @@
                     </p:cTn>
                   </p:par>
                   <p:par>
-                    <p:cTn id="13" fill="hold">
+                    <p:cTn id="11" fill="hold">
                       <p:stCondLst>
                         <p:cond delay="indefinite"/>
                       </p:stCondLst>
                       <p:childTnLst>
                         <p:par>
-                          <p:cTn id="14" fill="hold">
+                          <p:cTn id="12" fill="hold">
                             <p:stCondLst>
                               <p:cond delay="0"/>
                             </p:stCondLst>
                             <p:childTnLst>
                               <p:par>
-                                <p:cTn id="15" presetID="1" presetClass="entr" presetSubtype="0" fill="hold" nodeType="clickEffect">
+                                <p:cTn id="13" presetID="1" presetClass="entr" presetSubtype="0" fill="hold" nodeType="clickEffect">
                                   <p:stCondLst>
                                     <p:cond delay="0"/>
                                   </p:stCondLst>
                                   <p:childTnLst>
                                     <p:set>
                                       <p:cBhvr>
-                                        <p:cTn id="16" dur="1" fill="hold">
+                                        <p:cTn id="14" dur="1" fill="hold">
                                           <p:stCondLst>
                                             <p:cond delay="0"/>
                                           </p:stCondLst>
@@ -17807,8 +17732,26 @@
                                   </p:childTnLst>
                                 </p:cTn>
                               </p:par>
+                            </p:childTnLst>
+                          </p:cTn>
+                        </p:par>
+                      </p:childTnLst>
+                    </p:cTn>
+                  </p:par>
+                  <p:par>
+                    <p:cTn id="15" fill="hold">
+                      <p:stCondLst>
+                        <p:cond delay="indefinite"/>
+                      </p:stCondLst>
+                      <p:childTnLst>
+                        <p:par>
+                          <p:cTn id="16" fill="hold">
+                            <p:stCondLst>
+                              <p:cond delay="0"/>
+                            </p:stCondLst>
+                            <p:childTnLst>
                               <p:par>
-                                <p:cTn id="17" presetID="1" presetClass="entr" presetSubtype="0" fill="hold" nodeType="withEffect">
+                                <p:cTn id="17" presetID="1" presetClass="entr" presetSubtype="0" fill="hold" nodeType="clickEffect">
                                   <p:stCondLst>
                                     <p:cond delay="0"/>
                                   </p:stCondLst>
@@ -17816,51 +17759,6 @@
                                     <p:set>
                                       <p:cBhvr>
                                         <p:cTn id="18" dur="1" fill="hold">
-                                          <p:stCondLst>
-                                            <p:cond delay="0"/>
-                                          </p:stCondLst>
-                                        </p:cTn>
-                                        <p:tgtEl>
-                                          <p:spTgt spid="20"/>
-                                        </p:tgtEl>
-                                        <p:attrNameLst>
-                                          <p:attrName>style.visibility</p:attrName>
-                                        </p:attrNameLst>
-                                      </p:cBhvr>
-                                      <p:to>
-                                        <p:strVal val="visible"/>
-                                      </p:to>
-                                    </p:set>
-                                  </p:childTnLst>
-                                </p:cTn>
-                              </p:par>
-                            </p:childTnLst>
-                          </p:cTn>
-                        </p:par>
-                      </p:childTnLst>
-                    </p:cTn>
-                  </p:par>
-                  <p:par>
-                    <p:cTn id="19" fill="hold">
-                      <p:stCondLst>
-                        <p:cond delay="indefinite"/>
-                      </p:stCondLst>
-                      <p:childTnLst>
-                        <p:par>
-                          <p:cTn id="20" fill="hold">
-                            <p:stCondLst>
-                              <p:cond delay="0"/>
-                            </p:stCondLst>
-                            <p:childTnLst>
-                              <p:par>
-                                <p:cTn id="21" presetID="1" presetClass="entr" presetSubtype="0" fill="hold" nodeType="clickEffect">
-                                  <p:stCondLst>
-                                    <p:cond delay="0"/>
-                                  </p:stCondLst>
-                                  <p:childTnLst>
-                                    <p:set>
-                                      <p:cBhvr>
-                                        <p:cTn id="22" dur="1" fill="hold">
                                           <p:stCondLst>
                                             <p:cond delay="0"/>
                                           </p:stCondLst>
@@ -17884,14 +17782,14 @@
                                 </p:cTn>
                               </p:par>
                               <p:par>
-                                <p:cTn id="23" presetID="1" presetClass="entr" presetSubtype="0" fill="hold" nodeType="withEffect">
+                                <p:cTn id="19" presetID="1" presetClass="entr" presetSubtype="0" fill="hold" nodeType="withEffect">
                                   <p:stCondLst>
                                     <p:cond delay="0"/>
                                   </p:stCondLst>
                                   <p:childTnLst>
                                     <p:set>
                                       <p:cBhvr>
-                                        <p:cTn id="24" dur="1" fill="hold">
+                                        <p:cTn id="20" dur="1" fill="hold">
                                           <p:stCondLst>
                                             <p:cond delay="0"/>
                                           </p:stCondLst>
@@ -17902,33 +17800,6 @@
                                               <p:pRg st="4" end="4"/>
                                             </p:txEl>
                                           </p:spTgt>
-                                        </p:tgtEl>
-                                        <p:attrNameLst>
-                                          <p:attrName>style.visibility</p:attrName>
-                                        </p:attrNameLst>
-                                      </p:cBhvr>
-                                      <p:to>
-                                        <p:strVal val="visible"/>
-                                      </p:to>
-                                    </p:set>
-                                  </p:childTnLst>
-                                </p:cTn>
-                              </p:par>
-                              <p:par>
-                                <p:cTn id="25" presetID="1" presetClass="entr" presetSubtype="0" fill="hold" nodeType="withEffect">
-                                  <p:stCondLst>
-                                    <p:cond delay="0"/>
-                                  </p:stCondLst>
-                                  <p:childTnLst>
-                                    <p:set>
-                                      <p:cBhvr>
-                                        <p:cTn id="26" dur="1" fill="hold">
-                                          <p:stCondLst>
-                                            <p:cond delay="0"/>
-                                          </p:stCondLst>
-                                        </p:cTn>
-                                        <p:tgtEl>
-                                          <p:spTgt spid="19"/>
                                         </p:tgtEl>
                                         <p:attrNameLst>
                                           <p:attrName>style.visibility</p:attrName>

--- a/Presentation.pptx
+++ b/Presentation.pptx
@@ -12,8 +12,8 @@
     <p:sldId id="847" r:id="rId3"/>
     <p:sldId id="918" r:id="rId4"/>
     <p:sldId id="917" r:id="rId5"/>
-    <p:sldId id="925" r:id="rId6"/>
-    <p:sldId id="926" r:id="rId7"/>
+    <p:sldId id="926" r:id="rId6"/>
+    <p:sldId id="925" r:id="rId7"/>
     <p:sldId id="927" r:id="rId8"/>
     <p:sldId id="920" r:id="rId9"/>
     <p:sldId id="722" r:id="rId10"/>
@@ -366,7 +366,7 @@
           <a:p>
             <a:fld id="{D70970E6-A9EF-4C77-8EA9-4E0C3CA50B9A}" type="slidenum">
               <a:rPr lang="fr-CH" smtClean="0"/>
-              <a:t>‹#›</a:t>
+              <a:t>‹N°›</a:t>
             </a:fld>
             <a:endParaRPr lang="fr-CH"/>
           </a:p>
@@ -738,6 +738,188 @@
             </a:r>
           </a:p>
           <a:p>
+            <a:pPr algn="just">
+              <a:lnSpc>
+                <a:spcPct val="115000"/>
+              </a:lnSpc>
+              <a:spcAft>
+                <a:spcPts val="800"/>
+              </a:spcAft>
+            </a:pPr>
+            <a:endParaRPr lang="fr-CH" sz="1800" dirty="0">
+              <a:effectLst/>
+              <a:latin typeface="Arial" panose="020B0604020202020204" pitchFamily="34" charset="0"/>
+              <a:ea typeface="Calibri" panose="020F0502020204030204" pitchFamily="34" charset="0"/>
+              <a:cs typeface="Times New Roman" panose="02020603050405020304" pitchFamily="18" charset="0"/>
+            </a:endParaRPr>
+          </a:p>
+          <a:p>
+            <a:pPr algn="just">
+              <a:lnSpc>
+                <a:spcPct val="115000"/>
+              </a:lnSpc>
+              <a:spcAft>
+                <a:spcPts val="800"/>
+              </a:spcAft>
+            </a:pPr>
+            <a:r>
+              <a:rPr lang="fr-CH" sz="1800" dirty="0">
+                <a:effectLst/>
+                <a:latin typeface="Arial" panose="020B0604020202020204" pitchFamily="34" charset="0"/>
+                <a:ea typeface="Calibri" panose="020F0502020204030204" pitchFamily="34" charset="0"/>
+                <a:cs typeface="Times New Roman" panose="02020603050405020304" pitchFamily="18" charset="0"/>
+              </a:rPr>
+              <a:t>Nous avons également conservé l’architecture utilisée durant le cours, composée de :</a:t>
+            </a:r>
+          </a:p>
+          <a:p>
+            <a:pPr marL="285750" indent="-285750" algn="just">
+              <a:lnSpc>
+                <a:spcPct val="115000"/>
+              </a:lnSpc>
+              <a:spcAft>
+                <a:spcPts val="800"/>
+              </a:spcAft>
+              <a:buFont typeface="Arial" panose="020B0604020202020204" pitchFamily="34" charset="0"/>
+              <a:buChar char="•"/>
+            </a:pPr>
+            <a:r>
+              <a:rPr lang="fr-CH" sz="1800" dirty="0" err="1">
+                <a:effectLst/>
+                <a:latin typeface="Arial" panose="020B0604020202020204" pitchFamily="34" charset="0"/>
+                <a:ea typeface="Calibri" panose="020F0502020204030204" pitchFamily="34" charset="0"/>
+                <a:cs typeface="Times New Roman" panose="02020603050405020304" pitchFamily="18" charset="0"/>
+              </a:rPr>
+              <a:t>Brocker</a:t>
+            </a:r>
+            <a:endParaRPr lang="fr-CH" sz="1800" dirty="0">
+              <a:effectLst/>
+              <a:latin typeface="Arial" panose="020B0604020202020204" pitchFamily="34" charset="0"/>
+              <a:ea typeface="Calibri" panose="020F0502020204030204" pitchFamily="34" charset="0"/>
+              <a:cs typeface="Times New Roman" panose="02020603050405020304" pitchFamily="18" charset="0"/>
+            </a:endParaRPr>
+          </a:p>
+          <a:p>
+            <a:pPr marL="742950" lvl="1" indent="-285750" algn="just">
+              <a:lnSpc>
+                <a:spcPct val="115000"/>
+              </a:lnSpc>
+              <a:spcAft>
+                <a:spcPts val="800"/>
+              </a:spcAft>
+              <a:buFont typeface="Arial" panose="020B0604020202020204" pitchFamily="34" charset="0"/>
+              <a:buChar char="•"/>
+            </a:pPr>
+            <a:r>
+              <a:rPr lang="fr-CH" sz="1800" dirty="0">
+                <a:effectLst/>
+                <a:latin typeface="Arial" panose="020B0604020202020204" pitchFamily="34" charset="0"/>
+                <a:ea typeface="Calibri" panose="020F0502020204030204" pitchFamily="34" charset="0"/>
+                <a:cs typeface="Times New Roman" panose="02020603050405020304" pitchFamily="18" charset="0"/>
+              </a:rPr>
+              <a:t>Producer</a:t>
+            </a:r>
+          </a:p>
+          <a:p>
+            <a:pPr marL="742950" lvl="1" indent="-285750" algn="just">
+              <a:lnSpc>
+                <a:spcPct val="115000"/>
+              </a:lnSpc>
+              <a:spcAft>
+                <a:spcPts val="800"/>
+              </a:spcAft>
+              <a:buFont typeface="Arial" panose="020B0604020202020204" pitchFamily="34" charset="0"/>
+              <a:buChar char="•"/>
+            </a:pPr>
+            <a:r>
+              <a:rPr lang="fr-CH" sz="1800" dirty="0">
+                <a:effectLst/>
+                <a:latin typeface="Arial" panose="020B0604020202020204" pitchFamily="34" charset="0"/>
+                <a:ea typeface="Calibri" panose="020F0502020204030204" pitchFamily="34" charset="0"/>
+                <a:cs typeface="Times New Roman" panose="02020603050405020304" pitchFamily="18" charset="0"/>
+              </a:rPr>
+              <a:t>Consumer</a:t>
+            </a:r>
+          </a:p>
+          <a:p>
+            <a:pPr marL="285750" lvl="0" indent="-285750" algn="just">
+              <a:lnSpc>
+                <a:spcPct val="115000"/>
+              </a:lnSpc>
+              <a:spcAft>
+                <a:spcPts val="800"/>
+              </a:spcAft>
+              <a:buFont typeface="Arial" panose="020B0604020202020204" pitchFamily="34" charset="0"/>
+              <a:buChar char="•"/>
+            </a:pPr>
+            <a:r>
+              <a:rPr lang="fr-CH" sz="1800" dirty="0">
+                <a:effectLst/>
+                <a:latin typeface="Arial" panose="020B0604020202020204" pitchFamily="34" charset="0"/>
+                <a:ea typeface="Calibri" panose="020F0502020204030204" pitchFamily="34" charset="0"/>
+                <a:cs typeface="Times New Roman" panose="02020603050405020304" pitchFamily="18" charset="0"/>
+              </a:rPr>
+              <a:t>Base de données (</a:t>
+            </a:r>
+            <a:r>
+              <a:rPr lang="fr-CH" sz="1800" dirty="0" err="1">
+                <a:effectLst/>
+                <a:latin typeface="Arial" panose="020B0604020202020204" pitchFamily="34" charset="0"/>
+                <a:ea typeface="Calibri" panose="020F0502020204030204" pitchFamily="34" charset="0"/>
+                <a:cs typeface="Times New Roman" panose="02020603050405020304" pitchFamily="18" charset="0"/>
+              </a:rPr>
+              <a:t>InfluxDB</a:t>
+            </a:r>
+            <a:r>
+              <a:rPr lang="fr-CH" sz="1800" dirty="0">
+                <a:effectLst/>
+                <a:latin typeface="Arial" panose="020B0604020202020204" pitchFamily="34" charset="0"/>
+                <a:ea typeface="Calibri" panose="020F0502020204030204" pitchFamily="34" charset="0"/>
+                <a:cs typeface="Times New Roman" panose="02020603050405020304" pitchFamily="18" charset="0"/>
+              </a:rPr>
+              <a:t>)</a:t>
+            </a:r>
+          </a:p>
+          <a:p>
+            <a:pPr marL="285750" lvl="0" indent="-285750" algn="just">
+              <a:lnSpc>
+                <a:spcPct val="115000"/>
+              </a:lnSpc>
+              <a:spcAft>
+                <a:spcPts val="800"/>
+              </a:spcAft>
+              <a:buFont typeface="Arial" panose="020B0604020202020204" pitchFamily="34" charset="0"/>
+              <a:buChar char="•"/>
+            </a:pPr>
+            <a:r>
+              <a:rPr lang="fr-CH" sz="1800" dirty="0">
+                <a:effectLst/>
+                <a:latin typeface="Arial" panose="020B0604020202020204" pitchFamily="34" charset="0"/>
+                <a:ea typeface="Calibri" panose="020F0502020204030204" pitchFamily="34" charset="0"/>
+                <a:cs typeface="Times New Roman" panose="02020603050405020304" pitchFamily="18" charset="0"/>
+              </a:rPr>
+              <a:t>Dashboard (</a:t>
+            </a:r>
+            <a:r>
+              <a:rPr lang="fr-CH" sz="1800" dirty="0" err="1">
+                <a:effectLst/>
+                <a:latin typeface="Arial" panose="020B0604020202020204" pitchFamily="34" charset="0"/>
+                <a:ea typeface="Calibri" panose="020F0502020204030204" pitchFamily="34" charset="0"/>
+                <a:cs typeface="Times New Roman" panose="02020603050405020304" pitchFamily="18" charset="0"/>
+              </a:rPr>
+              <a:t>Grafana</a:t>
+            </a:r>
+            <a:r>
+              <a:rPr lang="fr-CH" sz="1800" dirty="0">
+                <a:effectLst/>
+                <a:latin typeface="Arial" panose="020B0604020202020204" pitchFamily="34" charset="0"/>
+                <a:ea typeface="Calibri" panose="020F0502020204030204" pitchFamily="34" charset="0"/>
+                <a:cs typeface="Times New Roman" panose="02020603050405020304" pitchFamily="18" charset="0"/>
+              </a:rPr>
+              <a:t>)</a:t>
+            </a:r>
+          </a:p>
+          <a:p>
             <a:endParaRPr lang="fr-CH" dirty="0"/>
           </a:p>
           <a:p>
@@ -1089,7 +1271,43 @@
                 <a:ea typeface="Calibri" panose="020F0502020204030204" pitchFamily="34" charset="0"/>
                 <a:cs typeface="Times New Roman" panose="02020603050405020304" pitchFamily="18" charset="0"/>
               </a:rPr>
-              <a:t>La classe abstraite </a:t>
+              <a:t>Notre structure ressemble passablement à celle étudiée en cours. Elle se compose d’un client, le </a:t>
+            </a:r>
+            <a:r>
+              <a:rPr lang="fr-CH" sz="1800" i="1" dirty="0">
+                <a:effectLst/>
+                <a:latin typeface="Arial" panose="020B0604020202020204" pitchFamily="34" charset="0"/>
+                <a:ea typeface="Calibri" panose="020F0502020204030204" pitchFamily="34" charset="0"/>
+                <a:cs typeface="Times New Roman" panose="02020603050405020304" pitchFamily="18" charset="0"/>
+              </a:rPr>
+              <a:t>Raspberry</a:t>
+            </a:r>
+            <a:r>
+              <a:rPr lang="fr-CH" sz="1800" dirty="0">
+                <a:effectLst/>
+                <a:latin typeface="Arial" panose="020B0604020202020204" pitchFamily="34" charset="0"/>
+                <a:ea typeface="Calibri" panose="020F0502020204030204" pitchFamily="34" charset="0"/>
+                <a:cs typeface="Times New Roman" panose="02020603050405020304" pitchFamily="18" charset="0"/>
+              </a:rPr>
+              <a:t> </a:t>
+            </a:r>
+            <a:r>
+              <a:rPr lang="fr-CH" sz="1800" i="1" dirty="0">
+                <a:effectLst/>
+                <a:latin typeface="Arial" panose="020B0604020202020204" pitchFamily="34" charset="0"/>
+                <a:ea typeface="Calibri" panose="020F0502020204030204" pitchFamily="34" charset="0"/>
+                <a:cs typeface="Times New Roman" panose="02020603050405020304" pitchFamily="18" charset="0"/>
+              </a:rPr>
+              <a:t>Pi</a:t>
+            </a:r>
+            <a:r>
+              <a:rPr lang="fr-CH" sz="1800" dirty="0">
+                <a:effectLst/>
+                <a:latin typeface="Arial" panose="020B0604020202020204" pitchFamily="34" charset="0"/>
+                <a:ea typeface="Calibri" panose="020F0502020204030204" pitchFamily="34" charset="0"/>
+                <a:cs typeface="Times New Roman" panose="02020603050405020304" pitchFamily="18" charset="0"/>
+              </a:rPr>
+              <a:t>, qui récupère les mesures, les traite et les envoie au </a:t>
             </a:r>
             <a:r>
               <a:rPr lang="fr-CH" sz="1800" i="1" dirty="0" err="1">
@@ -1098,7 +1316,7 @@
                 <a:ea typeface="Calibri" panose="020F0502020204030204" pitchFamily="34" charset="0"/>
                 <a:cs typeface="Times New Roman" panose="02020603050405020304" pitchFamily="18" charset="0"/>
               </a:rPr>
-              <a:t>Captor</a:t>
+              <a:t>Brocker</a:t>
             </a:r>
             <a:r>
               <a:rPr lang="fr-CH" sz="1800" dirty="0">
@@ -1107,16 +1325,16 @@
                 <a:ea typeface="Calibri" panose="020F0502020204030204" pitchFamily="34" charset="0"/>
                 <a:cs typeface="Times New Roman" panose="02020603050405020304" pitchFamily="18" charset="0"/>
               </a:rPr>
-              <a:t> possède la méthode abstraite </a:t>
-            </a:r>
-            <a:r>
-              <a:rPr lang="fr-CH" sz="1800" i="1" dirty="0" err="1">
+              <a:t> </a:t>
+            </a:r>
+            <a:r>
+              <a:rPr lang="fr-CH" sz="1800" i="1" dirty="0">
                 <a:effectLst/>
                 <a:latin typeface="Arial" panose="020B0604020202020204" pitchFamily="34" charset="0"/>
                 <a:ea typeface="Calibri" panose="020F0502020204030204" pitchFamily="34" charset="0"/>
                 <a:cs typeface="Times New Roman" panose="02020603050405020304" pitchFamily="18" charset="0"/>
               </a:rPr>
-              <a:t>RetrieveMeasure</a:t>
+              <a:t>MQTT</a:t>
             </a:r>
             <a:r>
               <a:rPr lang="fr-CH" sz="1800" dirty="0">
@@ -1125,25 +1343,7 @@
                 <a:ea typeface="Calibri" panose="020F0502020204030204" pitchFamily="34" charset="0"/>
                 <a:cs typeface="Times New Roman" panose="02020603050405020304" pitchFamily="18" charset="0"/>
               </a:rPr>
-              <a:t>. Chaque capteur possède sa propre classe, héritant de la classe </a:t>
-            </a:r>
-            <a:r>
-              <a:rPr lang="fr-CH" sz="1800" i="1" dirty="0" err="1">
-                <a:effectLst/>
-                <a:latin typeface="Arial" panose="020B0604020202020204" pitchFamily="34" charset="0"/>
-                <a:ea typeface="Calibri" panose="020F0502020204030204" pitchFamily="34" charset="0"/>
-                <a:cs typeface="Times New Roman" panose="02020603050405020304" pitchFamily="18" charset="0"/>
-              </a:rPr>
-              <a:t>Captor</a:t>
-            </a:r>
-            <a:r>
-              <a:rPr lang="fr-CH" sz="1800" dirty="0">
-                <a:effectLst/>
-                <a:latin typeface="Arial" panose="020B0604020202020204" pitchFamily="34" charset="0"/>
-                <a:ea typeface="Calibri" panose="020F0502020204030204" pitchFamily="34" charset="0"/>
-                <a:cs typeface="Times New Roman" panose="02020603050405020304" pitchFamily="18" charset="0"/>
-              </a:rPr>
-              <a:t>. Ces classes doivent alors obligatoirement implémenter la méthode.</a:t>
+              <a:t> sur un Topic spécifique.</a:t>
             </a:r>
           </a:p>
           <a:p>
@@ -1178,7 +1378,16 @@
                 <a:ea typeface="Calibri" panose="020F0502020204030204" pitchFamily="34" charset="0"/>
                 <a:cs typeface="Times New Roman" panose="02020603050405020304" pitchFamily="18" charset="0"/>
               </a:rPr>
-              <a:t>La classe </a:t>
+              <a:t>Ensuite, une instance </a:t>
+            </a:r>
+            <a:r>
+              <a:rPr lang="fr-CH" sz="1800" i="1" dirty="0">
+                <a:effectLst/>
+                <a:latin typeface="Arial" panose="020B0604020202020204" pitchFamily="34" charset="0"/>
+                <a:ea typeface="Calibri" panose="020F0502020204030204" pitchFamily="34" charset="0"/>
+                <a:cs typeface="Times New Roman" panose="02020603050405020304" pitchFamily="18" charset="0"/>
+              </a:rPr>
+              <a:t>d’</a:t>
             </a:r>
             <a:r>
               <a:rPr lang="fr-CH" sz="1800" i="1" dirty="0" err="1">
@@ -1187,7 +1396,7 @@
                 <a:ea typeface="Calibri" panose="020F0502020204030204" pitchFamily="34" charset="0"/>
                 <a:cs typeface="Times New Roman" panose="02020603050405020304" pitchFamily="18" charset="0"/>
               </a:rPr>
-              <a:t>Firefighter</a:t>
+              <a:t>InfluxDB</a:t>
             </a:r>
             <a:r>
               <a:rPr lang="fr-CH" sz="1800" dirty="0">
@@ -1196,17 +1405,34 @@
                 <a:ea typeface="Calibri" panose="020F0502020204030204" pitchFamily="34" charset="0"/>
                 <a:cs typeface="Times New Roman" panose="02020603050405020304" pitchFamily="18" charset="0"/>
               </a:rPr>
-              <a:t>, littéralement « Pompier » en anglais, est l’élément central de notre projet. Il utilise les classes des capteurs afin d’obtenir les différentes mesures, qu’il traite par la suite afin d’obtenir une évaluation des risques d’incendie. C’est également elle qui publie les données sur le </a:t>
-            </a:r>
-            <a:r>
-              <a:rPr lang="fr-CH" sz="1800" i="1" dirty="0">
-                <a:effectLst/>
-                <a:latin typeface="Arial" panose="020B0604020202020204" pitchFamily="34" charset="0"/>
-                <a:ea typeface="Calibri" panose="020F0502020204030204" pitchFamily="34" charset="0"/>
-                <a:cs typeface="Times New Roman" panose="02020603050405020304" pitchFamily="18" charset="0"/>
-              </a:rPr>
-              <a:t>Broker MQTT</a:t>
-            </a:r>
+              <a:t>, qui est abonnée au Topic correspondant, stocke les mesures.</a:t>
+            </a:r>
+          </a:p>
+          <a:p>
+            <a:pPr algn="just">
+              <a:lnSpc>
+                <a:spcPct val="115000"/>
+              </a:lnSpc>
+              <a:spcAft>
+                <a:spcPts val="800"/>
+              </a:spcAft>
+            </a:pPr>
+            <a:endParaRPr lang="fr-CH" sz="1800" dirty="0">
+              <a:effectLst/>
+              <a:latin typeface="Arial" panose="020B0604020202020204" pitchFamily="34" charset="0"/>
+              <a:ea typeface="Calibri" panose="020F0502020204030204" pitchFamily="34" charset="0"/>
+              <a:cs typeface="Times New Roman" panose="02020603050405020304" pitchFamily="18" charset="0"/>
+            </a:endParaRPr>
+          </a:p>
+          <a:p>
+            <a:pPr algn="just">
+              <a:lnSpc>
+                <a:spcPct val="115000"/>
+              </a:lnSpc>
+              <a:spcAft>
+                <a:spcPts val="800"/>
+              </a:spcAft>
+            </a:pPr>
             <a:r>
               <a:rPr lang="fr-CH" sz="1800" dirty="0">
                 <a:effectLst/>
@@ -1214,7 +1440,43 @@
                 <a:ea typeface="Calibri" panose="020F0502020204030204" pitchFamily="34" charset="0"/>
                 <a:cs typeface="Times New Roman" panose="02020603050405020304" pitchFamily="18" charset="0"/>
               </a:rPr>
-              <a:t>.</a:t>
+              <a:t>Finalement, Un Dashboard réalisé avec </a:t>
+            </a:r>
+            <a:r>
+              <a:rPr lang="fr-CH" sz="1800" i="1" dirty="0" err="1">
+                <a:effectLst/>
+                <a:latin typeface="Arial" panose="020B0604020202020204" pitchFamily="34" charset="0"/>
+                <a:ea typeface="Calibri" panose="020F0502020204030204" pitchFamily="34" charset="0"/>
+                <a:cs typeface="Times New Roman" panose="02020603050405020304" pitchFamily="18" charset="0"/>
+              </a:rPr>
+              <a:t>Grafana</a:t>
+            </a:r>
+            <a:r>
+              <a:rPr lang="fr-CH" sz="1800" dirty="0">
+                <a:effectLst/>
+                <a:latin typeface="Arial" panose="020B0604020202020204" pitchFamily="34" charset="0"/>
+                <a:ea typeface="Calibri" panose="020F0502020204030204" pitchFamily="34" charset="0"/>
+                <a:cs typeface="Times New Roman" panose="02020603050405020304" pitchFamily="18" charset="0"/>
+              </a:rPr>
+              <a:t> récupère les données sur l’instance </a:t>
+            </a:r>
+            <a:r>
+              <a:rPr lang="fr-CH" sz="1800" i="1" dirty="0" err="1">
+                <a:effectLst/>
+                <a:latin typeface="Arial" panose="020B0604020202020204" pitchFamily="34" charset="0"/>
+                <a:ea typeface="Calibri" panose="020F0502020204030204" pitchFamily="34" charset="0"/>
+                <a:cs typeface="Times New Roman" panose="02020603050405020304" pitchFamily="18" charset="0"/>
+              </a:rPr>
+              <a:t>InfluxDB</a:t>
+            </a:r>
+            <a:r>
+              <a:rPr lang="fr-CH" sz="1800" dirty="0">
+                <a:effectLst/>
+                <a:latin typeface="Arial" panose="020B0604020202020204" pitchFamily="34" charset="0"/>
+                <a:ea typeface="Calibri" panose="020F0502020204030204" pitchFamily="34" charset="0"/>
+                <a:cs typeface="Times New Roman" panose="02020603050405020304" pitchFamily="18" charset="0"/>
+              </a:rPr>
+              <a:t> et les affiche.</a:t>
             </a:r>
           </a:p>
           <a:p>
@@ -1248,7 +1510,7 @@
     </p:spTree>
     <p:extLst>
       <p:ext uri="{BB962C8B-B14F-4D97-AF65-F5344CB8AC3E}">
-        <p14:creationId xmlns:p14="http://schemas.microsoft.com/office/powerpoint/2010/main" val="923263578"/>
+        <p14:creationId xmlns:p14="http://schemas.microsoft.com/office/powerpoint/2010/main" val="725021077"/>
       </p:ext>
     </p:extLst>
   </p:cSld>
@@ -1317,16 +1579,16 @@
                 <a:ea typeface="Calibri" panose="020F0502020204030204" pitchFamily="34" charset="0"/>
                 <a:cs typeface="Times New Roman" panose="02020603050405020304" pitchFamily="18" charset="0"/>
               </a:rPr>
-              <a:t>Notre structure ressemble passablement à celle étudiée en cours. Elle se compose d’un client, le </a:t>
-            </a:r>
-            <a:r>
-              <a:rPr lang="fr-CH" sz="1800" i="1" dirty="0">
+              <a:t>La classe abstraite </a:t>
+            </a:r>
+            <a:r>
+              <a:rPr lang="fr-CH" sz="1800" i="1" dirty="0" err="1">
                 <a:effectLst/>
                 <a:latin typeface="Arial" panose="020B0604020202020204" pitchFamily="34" charset="0"/>
                 <a:ea typeface="Calibri" panose="020F0502020204030204" pitchFamily="34" charset="0"/>
                 <a:cs typeface="Times New Roman" panose="02020603050405020304" pitchFamily="18" charset="0"/>
               </a:rPr>
-              <a:t>Raspberry</a:t>
+              <a:t>Captor</a:t>
             </a:r>
             <a:r>
               <a:rPr lang="fr-CH" sz="1800" dirty="0">
@@ -1335,16 +1597,16 @@
                 <a:ea typeface="Calibri" panose="020F0502020204030204" pitchFamily="34" charset="0"/>
                 <a:cs typeface="Times New Roman" panose="02020603050405020304" pitchFamily="18" charset="0"/>
               </a:rPr>
-              <a:t> </a:t>
-            </a:r>
-            <a:r>
-              <a:rPr lang="fr-CH" sz="1800" i="1" dirty="0">
+              <a:t> possède la méthode abstraite </a:t>
+            </a:r>
+            <a:r>
+              <a:rPr lang="fr-CH" sz="1800" i="1" dirty="0" err="1">
                 <a:effectLst/>
                 <a:latin typeface="Arial" panose="020B0604020202020204" pitchFamily="34" charset="0"/>
                 <a:ea typeface="Calibri" panose="020F0502020204030204" pitchFamily="34" charset="0"/>
                 <a:cs typeface="Times New Roman" panose="02020603050405020304" pitchFamily="18" charset="0"/>
               </a:rPr>
-              <a:t>Pi</a:t>
+              <a:t>RetrieveMeasure</a:t>
             </a:r>
             <a:r>
               <a:rPr lang="fr-CH" sz="1800" dirty="0">
@@ -1353,7 +1615,7 @@
                 <a:ea typeface="Calibri" panose="020F0502020204030204" pitchFamily="34" charset="0"/>
                 <a:cs typeface="Times New Roman" panose="02020603050405020304" pitchFamily="18" charset="0"/>
               </a:rPr>
-              <a:t>, qui récupère les mesures, les traite et les envoie au </a:t>
+              <a:t>. Chaque capteur possède sa propre classe, héritant de la classe </a:t>
             </a:r>
             <a:r>
               <a:rPr lang="fr-CH" sz="1800" i="1" dirty="0" err="1">
@@ -1362,7 +1624,7 @@
                 <a:ea typeface="Calibri" panose="020F0502020204030204" pitchFamily="34" charset="0"/>
                 <a:cs typeface="Times New Roman" panose="02020603050405020304" pitchFamily="18" charset="0"/>
               </a:rPr>
-              <a:t>Brocker</a:t>
+              <a:t>Captor</a:t>
             </a:r>
             <a:r>
               <a:rPr lang="fr-CH" sz="1800" dirty="0">
@@ -1371,25 +1633,7 @@
                 <a:ea typeface="Calibri" panose="020F0502020204030204" pitchFamily="34" charset="0"/>
                 <a:cs typeface="Times New Roman" panose="02020603050405020304" pitchFamily="18" charset="0"/>
               </a:rPr>
-              <a:t> </a:t>
-            </a:r>
-            <a:r>
-              <a:rPr lang="fr-CH" sz="1800" i="1" dirty="0">
-                <a:effectLst/>
-                <a:latin typeface="Arial" panose="020B0604020202020204" pitchFamily="34" charset="0"/>
-                <a:ea typeface="Calibri" panose="020F0502020204030204" pitchFamily="34" charset="0"/>
-                <a:cs typeface="Times New Roman" panose="02020603050405020304" pitchFamily="18" charset="0"/>
-              </a:rPr>
-              <a:t>MQTT</a:t>
-            </a:r>
-            <a:r>
-              <a:rPr lang="fr-CH" sz="1800" dirty="0">
-                <a:effectLst/>
-                <a:latin typeface="Arial" panose="020B0604020202020204" pitchFamily="34" charset="0"/>
-                <a:ea typeface="Calibri" panose="020F0502020204030204" pitchFamily="34" charset="0"/>
-                <a:cs typeface="Times New Roman" panose="02020603050405020304" pitchFamily="18" charset="0"/>
-              </a:rPr>
-              <a:t> sur un Topic spécifique.</a:t>
+              <a:t>. Ces classes doivent alors obligatoirement implémenter la méthode.</a:t>
             </a:r>
           </a:p>
           <a:p>
@@ -1424,16 +1668,7 @@
                 <a:ea typeface="Calibri" panose="020F0502020204030204" pitchFamily="34" charset="0"/>
                 <a:cs typeface="Times New Roman" panose="02020603050405020304" pitchFamily="18" charset="0"/>
               </a:rPr>
-              <a:t>Ensuite, une instance </a:t>
-            </a:r>
-            <a:r>
-              <a:rPr lang="fr-CH" sz="1800" i="1" dirty="0">
-                <a:effectLst/>
-                <a:latin typeface="Arial" panose="020B0604020202020204" pitchFamily="34" charset="0"/>
-                <a:ea typeface="Calibri" panose="020F0502020204030204" pitchFamily="34" charset="0"/>
-                <a:cs typeface="Times New Roman" panose="02020603050405020304" pitchFamily="18" charset="0"/>
-              </a:rPr>
-              <a:t>d’</a:t>
+              <a:t>Afin de faciliter la manipulation des mesures, nous avons créé une classe </a:t>
             </a:r>
             <a:r>
               <a:rPr lang="fr-CH" sz="1800" i="1" dirty="0" err="1">
@@ -1442,16 +1677,248 @@
                 <a:ea typeface="Calibri" panose="020F0502020204030204" pitchFamily="34" charset="0"/>
                 <a:cs typeface="Times New Roman" panose="02020603050405020304" pitchFamily="18" charset="0"/>
               </a:rPr>
-              <a:t>InfluxDB</a:t>
-            </a:r>
-            <a:r>
-              <a:rPr lang="fr-CH" sz="1800" dirty="0">
+              <a:t>Measure</a:t>
+            </a:r>
+            <a:r>
+              <a:rPr lang="fr-CH" sz="1800" i="0" u="none" dirty="0">
                 <a:effectLst/>
                 <a:latin typeface="Arial" panose="020B0604020202020204" pitchFamily="34" charset="0"/>
                 <a:ea typeface="Calibri" panose="020F0502020204030204" pitchFamily="34" charset="0"/>
                 <a:cs typeface="Times New Roman" panose="02020603050405020304" pitchFamily="18" charset="0"/>
               </a:rPr>
-              <a:t>, qui est abonnée au Topic correspondant, stocke les mesures.</a:t>
+              <a:t>, qui possède comme attributs les différentes valeurs que nous récupérons.</a:t>
+            </a:r>
+          </a:p>
+          <a:p>
+            <a:pPr algn="just">
+              <a:lnSpc>
+                <a:spcPct val="115000"/>
+              </a:lnSpc>
+              <a:spcAft>
+                <a:spcPts val="800"/>
+              </a:spcAft>
+            </a:pPr>
+            <a:endParaRPr lang="fr-CH" sz="1800" i="0" u="none" dirty="0">
+              <a:effectLst/>
+              <a:latin typeface="Arial" panose="020B0604020202020204" pitchFamily="34" charset="0"/>
+              <a:ea typeface="Calibri" panose="020F0502020204030204" pitchFamily="34" charset="0"/>
+              <a:cs typeface="Times New Roman" panose="02020603050405020304" pitchFamily="18" charset="0"/>
+            </a:endParaRPr>
+          </a:p>
+          <a:p>
+            <a:pPr algn="just">
+              <a:lnSpc>
+                <a:spcPct val="115000"/>
+              </a:lnSpc>
+              <a:spcAft>
+                <a:spcPts val="800"/>
+              </a:spcAft>
+            </a:pPr>
+            <a:r>
+              <a:rPr lang="fr-CH" sz="1800" i="0" u="none" dirty="0">
+                <a:effectLst/>
+                <a:latin typeface="Arial" panose="020B0604020202020204" pitchFamily="34" charset="0"/>
+                <a:ea typeface="Calibri" panose="020F0502020204030204" pitchFamily="34" charset="0"/>
+                <a:cs typeface="Times New Roman" panose="02020603050405020304" pitchFamily="18" charset="0"/>
+              </a:rPr>
+              <a:t>Cette classe est alors utilisée dans le </a:t>
+            </a:r>
+            <a:r>
+              <a:rPr lang="fr-CH" sz="1800" i="1" u="none" dirty="0" err="1">
+                <a:effectLst/>
+                <a:latin typeface="Arial" panose="020B0604020202020204" pitchFamily="34" charset="0"/>
+                <a:ea typeface="Calibri" panose="020F0502020204030204" pitchFamily="34" charset="0"/>
+                <a:cs typeface="Times New Roman" panose="02020603050405020304" pitchFamily="18" charset="0"/>
+              </a:rPr>
+              <a:t>Firefighter</a:t>
+            </a:r>
+            <a:r>
+              <a:rPr lang="fr-CH" sz="1800" i="0" u="none" dirty="0">
+                <a:effectLst/>
+                <a:latin typeface="Arial" panose="020B0604020202020204" pitchFamily="34" charset="0"/>
+                <a:ea typeface="Calibri" panose="020F0502020204030204" pitchFamily="34" charset="0"/>
+                <a:cs typeface="Times New Roman" panose="02020603050405020304" pitchFamily="18" charset="0"/>
+              </a:rPr>
+              <a:t>, pour l’analyser des données, ainsi que dans la classe </a:t>
+            </a:r>
+            <a:r>
+              <a:rPr lang="fr-CH" sz="1800" i="1" u="none" dirty="0" err="1">
+                <a:effectLst/>
+                <a:latin typeface="Arial" panose="020B0604020202020204" pitchFamily="34" charset="0"/>
+                <a:ea typeface="Calibri" panose="020F0502020204030204" pitchFamily="34" charset="0"/>
+                <a:cs typeface="Times New Roman" panose="02020603050405020304" pitchFamily="18" charset="0"/>
+              </a:rPr>
+              <a:t>Concentrator</a:t>
+            </a:r>
+            <a:r>
+              <a:rPr lang="fr-CH" sz="1800" i="0" u="none" dirty="0">
+                <a:effectLst/>
+                <a:latin typeface="Arial" panose="020B0604020202020204" pitchFamily="34" charset="0"/>
+                <a:ea typeface="Calibri" panose="020F0502020204030204" pitchFamily="34" charset="0"/>
+                <a:cs typeface="Times New Roman" panose="02020603050405020304" pitchFamily="18" charset="0"/>
+              </a:rPr>
+              <a:t>.</a:t>
+            </a:r>
+          </a:p>
+          <a:p>
+            <a:pPr algn="just">
+              <a:lnSpc>
+                <a:spcPct val="115000"/>
+              </a:lnSpc>
+              <a:spcAft>
+                <a:spcPts val="800"/>
+              </a:spcAft>
+            </a:pPr>
+            <a:endParaRPr lang="fr-CH" sz="1800" i="0" u="none" dirty="0">
+              <a:effectLst/>
+              <a:latin typeface="Arial" panose="020B0604020202020204" pitchFamily="34" charset="0"/>
+              <a:ea typeface="Calibri" panose="020F0502020204030204" pitchFamily="34" charset="0"/>
+              <a:cs typeface="Times New Roman" panose="02020603050405020304" pitchFamily="18" charset="0"/>
+            </a:endParaRPr>
+          </a:p>
+          <a:p>
+            <a:pPr algn="just">
+              <a:lnSpc>
+                <a:spcPct val="115000"/>
+              </a:lnSpc>
+              <a:spcAft>
+                <a:spcPts val="800"/>
+              </a:spcAft>
+            </a:pPr>
+            <a:r>
+              <a:rPr lang="fr-CH" sz="1800" i="0" u="none" dirty="0">
+                <a:effectLst/>
+                <a:latin typeface="Arial" panose="020B0604020202020204" pitchFamily="34" charset="0"/>
+                <a:ea typeface="Calibri" panose="020F0502020204030204" pitchFamily="34" charset="0"/>
+                <a:cs typeface="Times New Roman" panose="02020603050405020304" pitchFamily="18" charset="0"/>
+              </a:rPr>
+              <a:t>La classe </a:t>
+            </a:r>
+            <a:r>
+              <a:rPr lang="fr-CH" sz="1800" i="1" u="none" dirty="0" err="1">
+                <a:effectLst/>
+                <a:latin typeface="Arial" panose="020B0604020202020204" pitchFamily="34" charset="0"/>
+                <a:ea typeface="Calibri" panose="020F0502020204030204" pitchFamily="34" charset="0"/>
+                <a:cs typeface="Times New Roman" panose="02020603050405020304" pitchFamily="18" charset="0"/>
+              </a:rPr>
+              <a:t>Concentrator</a:t>
+            </a:r>
+            <a:r>
+              <a:rPr lang="fr-CH" sz="1800" i="0" u="none" dirty="0">
+                <a:effectLst/>
+                <a:latin typeface="Arial" panose="020B0604020202020204" pitchFamily="34" charset="0"/>
+                <a:ea typeface="Calibri" panose="020F0502020204030204" pitchFamily="34" charset="0"/>
+                <a:cs typeface="Times New Roman" panose="02020603050405020304" pitchFamily="18" charset="0"/>
+              </a:rPr>
+              <a:t> représente notre </a:t>
+            </a:r>
+            <a:r>
+              <a:rPr lang="fr-CH" sz="1800" i="1" u="none" dirty="0" err="1">
+                <a:effectLst/>
+                <a:latin typeface="Arial" panose="020B0604020202020204" pitchFamily="34" charset="0"/>
+                <a:ea typeface="Calibri" panose="020F0502020204030204" pitchFamily="34" charset="0"/>
+                <a:cs typeface="Times New Roman" panose="02020603050405020304" pitchFamily="18" charset="0"/>
+              </a:rPr>
+              <a:t>brocker</a:t>
+            </a:r>
+            <a:r>
+              <a:rPr lang="fr-CH" sz="1800" i="0" u="none" dirty="0">
+                <a:effectLst/>
+                <a:latin typeface="Arial" panose="020B0604020202020204" pitchFamily="34" charset="0"/>
+                <a:ea typeface="Calibri" panose="020F0502020204030204" pitchFamily="34" charset="0"/>
+                <a:cs typeface="Times New Roman" panose="02020603050405020304" pitchFamily="18" charset="0"/>
+              </a:rPr>
+              <a:t>. Le </a:t>
+            </a:r>
+            <a:r>
+              <a:rPr lang="fr-CH" sz="1800" i="1" u="none" dirty="0" err="1">
+                <a:effectLst/>
+                <a:latin typeface="Arial" panose="020B0604020202020204" pitchFamily="34" charset="0"/>
+                <a:ea typeface="Calibri" panose="020F0502020204030204" pitchFamily="34" charset="0"/>
+                <a:cs typeface="Times New Roman" panose="02020603050405020304" pitchFamily="18" charset="0"/>
+              </a:rPr>
+              <a:t>firefighter</a:t>
+            </a:r>
+            <a:r>
+              <a:rPr lang="fr-CH" sz="1800" i="0" u="none" dirty="0">
+                <a:effectLst/>
+                <a:latin typeface="Arial" panose="020B0604020202020204" pitchFamily="34" charset="0"/>
+                <a:ea typeface="Calibri" panose="020F0502020204030204" pitchFamily="34" charset="0"/>
+                <a:cs typeface="Times New Roman" panose="02020603050405020304" pitchFamily="18" charset="0"/>
+              </a:rPr>
+              <a:t> est le </a:t>
+            </a:r>
+            <a:r>
+              <a:rPr lang="fr-CH" sz="1800" i="1" u="none" dirty="0" err="1">
+                <a:effectLst/>
+                <a:latin typeface="Arial" panose="020B0604020202020204" pitchFamily="34" charset="0"/>
+                <a:ea typeface="Calibri" panose="020F0502020204030204" pitchFamily="34" charset="0"/>
+                <a:cs typeface="Times New Roman" panose="02020603050405020304" pitchFamily="18" charset="0"/>
+              </a:rPr>
+              <a:t>producer</a:t>
+            </a:r>
+            <a:r>
+              <a:rPr lang="fr-CH" sz="1800" i="0" u="none" dirty="0">
+                <a:effectLst/>
+                <a:latin typeface="Arial" panose="020B0604020202020204" pitchFamily="34" charset="0"/>
+                <a:ea typeface="Calibri" panose="020F0502020204030204" pitchFamily="34" charset="0"/>
+                <a:cs typeface="Times New Roman" panose="02020603050405020304" pitchFamily="18" charset="0"/>
+              </a:rPr>
+              <a:t> et va déposer les différentes mesures auprès du </a:t>
+            </a:r>
+            <a:r>
+              <a:rPr lang="fr-CH" sz="1800" i="1" u="none" dirty="0" err="1">
+                <a:effectLst/>
+                <a:latin typeface="Arial" panose="020B0604020202020204" pitchFamily="34" charset="0"/>
+                <a:ea typeface="Calibri" panose="020F0502020204030204" pitchFamily="34" charset="0"/>
+                <a:cs typeface="Times New Roman" panose="02020603050405020304" pitchFamily="18" charset="0"/>
+              </a:rPr>
+              <a:t>Brocker</a:t>
+            </a:r>
+            <a:r>
+              <a:rPr lang="fr-CH" sz="1800" i="0" u="none" dirty="0">
+                <a:effectLst/>
+                <a:latin typeface="Arial" panose="020B0604020202020204" pitchFamily="34" charset="0"/>
+                <a:ea typeface="Calibri" panose="020F0502020204030204" pitchFamily="34" charset="0"/>
+                <a:cs typeface="Times New Roman" panose="02020603050405020304" pitchFamily="18" charset="0"/>
+              </a:rPr>
+              <a:t>. C’est ensuite la classe </a:t>
+            </a:r>
+            <a:r>
+              <a:rPr lang="fr-CH" sz="1800" i="1" u="none" dirty="0" err="1">
+                <a:effectLst/>
+                <a:latin typeface="Arial" panose="020B0604020202020204" pitchFamily="34" charset="0"/>
+                <a:ea typeface="Calibri" panose="020F0502020204030204" pitchFamily="34" charset="0"/>
+                <a:cs typeface="Times New Roman" panose="02020603050405020304" pitchFamily="18" charset="0"/>
+              </a:rPr>
+              <a:t>Concentrator</a:t>
+            </a:r>
+            <a:r>
+              <a:rPr lang="fr-CH" sz="1800" i="0" u="none" dirty="0">
+                <a:effectLst/>
+                <a:latin typeface="Arial" panose="020B0604020202020204" pitchFamily="34" charset="0"/>
+                <a:ea typeface="Calibri" panose="020F0502020204030204" pitchFamily="34" charset="0"/>
+                <a:cs typeface="Times New Roman" panose="02020603050405020304" pitchFamily="18" charset="0"/>
+              </a:rPr>
+              <a:t> qui s’occupe de faire remonter les données vers notre base de données </a:t>
+            </a:r>
+            <a:r>
+              <a:rPr lang="fr-CH" sz="1800" i="1" u="none" dirty="0" err="1">
+                <a:effectLst/>
+                <a:latin typeface="Arial" panose="020B0604020202020204" pitchFamily="34" charset="0"/>
+                <a:ea typeface="Calibri" panose="020F0502020204030204" pitchFamily="34" charset="0"/>
+                <a:cs typeface="Times New Roman" panose="02020603050405020304" pitchFamily="18" charset="0"/>
+              </a:rPr>
+              <a:t>InfluxDB</a:t>
+            </a:r>
+            <a:r>
+              <a:rPr lang="fr-CH" sz="1800" i="0" u="none" dirty="0">
+                <a:effectLst/>
+                <a:latin typeface="Arial" panose="020B0604020202020204" pitchFamily="34" charset="0"/>
+                <a:ea typeface="Calibri" panose="020F0502020204030204" pitchFamily="34" charset="0"/>
+                <a:cs typeface="Times New Roman" panose="02020603050405020304" pitchFamily="18" charset="0"/>
+              </a:rPr>
+              <a:t>.</a:t>
             </a:r>
           </a:p>
           <a:p>
@@ -1471,58 +1938,67 @@
             </a:endParaRPr>
           </a:p>
           <a:p>
-            <a:pPr algn="just">
+            <a:pPr marL="0" marR="0" lvl="0" indent="0" algn="l" defTabSz="914400" rtl="0" eaLnBrk="1" fontAlgn="auto" latinLnBrk="0" hangingPunct="1">
               <a:lnSpc>
-                <a:spcPct val="115000"/>
+                <a:spcPct val="100000"/>
               </a:lnSpc>
+              <a:spcBef>
+                <a:spcPts val="0"/>
+              </a:spcBef>
               <a:spcAft>
-                <a:spcPts val="800"/>
+                <a:spcPts val="0"/>
               </a:spcAft>
+              <a:buClrTx/>
+              <a:buSzTx/>
+              <a:buFontTx/>
+              <a:buNone/>
+              <a:tabLst/>
+              <a:defRPr/>
             </a:pPr>
             <a:r>
-              <a:rPr lang="fr-CH" sz="1800" dirty="0">
+              <a:rPr lang="fr-CH" sz="1200" dirty="0">
                 <a:effectLst/>
                 <a:latin typeface="Arial" panose="020B0604020202020204" pitchFamily="34" charset="0"/>
                 <a:ea typeface="Calibri" panose="020F0502020204030204" pitchFamily="34" charset="0"/>
                 <a:cs typeface="Times New Roman" panose="02020603050405020304" pitchFamily="18" charset="0"/>
               </a:rPr>
-              <a:t>Finalement, Un Dashboard réalisé avec </a:t>
-            </a:r>
-            <a:r>
-              <a:rPr lang="fr-CH" sz="1800" i="1" dirty="0" err="1">
+              <a:t>La classe </a:t>
+            </a:r>
+            <a:r>
+              <a:rPr lang="fr-CH" sz="1200" i="1" dirty="0" err="1">
                 <a:effectLst/>
                 <a:latin typeface="Arial" panose="020B0604020202020204" pitchFamily="34" charset="0"/>
                 <a:ea typeface="Calibri" panose="020F0502020204030204" pitchFamily="34" charset="0"/>
                 <a:cs typeface="Times New Roman" panose="02020603050405020304" pitchFamily="18" charset="0"/>
               </a:rPr>
-              <a:t>Grafana</a:t>
-            </a:r>
-            <a:r>
-              <a:rPr lang="fr-CH" sz="1800" dirty="0">
+              <a:t>Firefighter</a:t>
+            </a:r>
+            <a:r>
+              <a:rPr lang="fr-CH" sz="1200" dirty="0">
                 <a:effectLst/>
                 <a:latin typeface="Arial" panose="020B0604020202020204" pitchFamily="34" charset="0"/>
                 <a:ea typeface="Calibri" panose="020F0502020204030204" pitchFamily="34" charset="0"/>
                 <a:cs typeface="Times New Roman" panose="02020603050405020304" pitchFamily="18" charset="0"/>
               </a:rPr>
-              <a:t> récupère les données sur l’instance </a:t>
-            </a:r>
-            <a:r>
-              <a:rPr lang="fr-CH" sz="1800" i="1" dirty="0" err="1">
+              <a:t>, littéralement « Pompier » en anglais, est l’élément central de notre projet. Il utilise les classes des capteurs afin d’obtenir les différentes mesures, qu’il traite par la suite afin d’obtenir une évaluation des risques d’incendie. C’est également elle qui publie les données sur le </a:t>
+            </a:r>
+            <a:r>
+              <a:rPr lang="fr-CH" sz="1200" i="1" dirty="0">
                 <a:effectLst/>
                 <a:latin typeface="Arial" panose="020B0604020202020204" pitchFamily="34" charset="0"/>
                 <a:ea typeface="Calibri" panose="020F0502020204030204" pitchFamily="34" charset="0"/>
                 <a:cs typeface="Times New Roman" panose="02020603050405020304" pitchFamily="18" charset="0"/>
               </a:rPr>
-              <a:t>InfluxDB</a:t>
-            </a:r>
-            <a:r>
-              <a:rPr lang="fr-CH" sz="1800" dirty="0">
+              <a:t>Broker MQTT</a:t>
+            </a:r>
+            <a:r>
+              <a:rPr lang="fr-CH" sz="1200" dirty="0">
                 <a:effectLst/>
                 <a:latin typeface="Arial" panose="020B0604020202020204" pitchFamily="34" charset="0"/>
                 <a:ea typeface="Calibri" panose="020F0502020204030204" pitchFamily="34" charset="0"/>
                 <a:cs typeface="Times New Roman" panose="02020603050405020304" pitchFamily="18" charset="0"/>
               </a:rPr>
-              <a:t> et les affiche.</a:t>
+              <a:t>.</a:t>
             </a:r>
           </a:p>
           <a:p>
@@ -1556,7 +2032,7 @@
     </p:spTree>
     <p:extLst>
       <p:ext uri="{BB962C8B-B14F-4D97-AF65-F5344CB8AC3E}">
-        <p14:creationId xmlns:p14="http://schemas.microsoft.com/office/powerpoint/2010/main" val="725021077"/>
+        <p14:creationId xmlns:p14="http://schemas.microsoft.com/office/powerpoint/2010/main" val="923263578"/>
       </p:ext>
     </p:extLst>
   </p:cSld>
@@ -1714,16 +2190,246 @@
                 <a:ea typeface="Calibri" panose="020F0502020204030204" pitchFamily="34" charset="0"/>
                 <a:cs typeface="Times New Roman" panose="02020603050405020304" pitchFamily="18" charset="0"/>
               </a:rPr>
-              <a:t>). Nous n’expliquerons pas les détails du fonctionnement, mais nous vous invitons à lire les documents réalisés par les chercheurs et </a:t>
-            </a:r>
-            <a:r>
-              <a:rPr lang="fr-CH" sz="1800">
+              <a:t>). Nous n’expliquerons pas les détails du fonctionnement, mais nous vous invitons à lire les documents réalisés par les chercheurs et programmeurs.</a:t>
+            </a:r>
+          </a:p>
+          <a:p>
+            <a:pPr algn="just">
+              <a:lnSpc>
+                <a:spcPct val="115000"/>
+              </a:lnSpc>
+              <a:spcAft>
+                <a:spcPts val="800"/>
+              </a:spcAft>
+            </a:pPr>
+            <a:endParaRPr lang="fr-CH" sz="1800" dirty="0">
+              <a:effectLst/>
+              <a:latin typeface="Arial" panose="020B0604020202020204" pitchFamily="34" charset="0"/>
+              <a:ea typeface="Calibri" panose="020F0502020204030204" pitchFamily="34" charset="0"/>
+              <a:cs typeface="Times New Roman" panose="02020603050405020304" pitchFamily="18" charset="0"/>
+            </a:endParaRPr>
+          </a:p>
+          <a:p>
+            <a:pPr algn="just">
+              <a:lnSpc>
+                <a:spcPct val="115000"/>
+              </a:lnSpc>
+              <a:spcAft>
+                <a:spcPts val="800"/>
+              </a:spcAft>
+            </a:pPr>
+            <a:r>
+              <a:rPr lang="fr-CH" sz="1800" dirty="0">
                 <a:effectLst/>
                 <a:latin typeface="Arial" panose="020B0604020202020204" pitchFamily="34" charset="0"/>
                 <a:ea typeface="Calibri" panose="020F0502020204030204" pitchFamily="34" charset="0"/>
                 <a:cs typeface="Times New Roman" panose="02020603050405020304" pitchFamily="18" charset="0"/>
               </a:rPr>
-              <a:t>programmeurs.</a:t>
+              <a:t>Avec les autres mesures, le </a:t>
+            </a:r>
+            <a:r>
+              <a:rPr lang="fr-CH" sz="1800" i="1" dirty="0" err="1">
+                <a:effectLst/>
+                <a:latin typeface="Arial" panose="020B0604020202020204" pitchFamily="34" charset="0"/>
+                <a:ea typeface="Calibri" panose="020F0502020204030204" pitchFamily="34" charset="0"/>
+                <a:cs typeface="Times New Roman" panose="02020603050405020304" pitchFamily="18" charset="0"/>
+              </a:rPr>
+              <a:t>Firefighter</a:t>
+            </a:r>
+            <a:r>
+              <a:rPr lang="fr-CH" sz="1800" i="0" dirty="0">
+                <a:effectLst/>
+                <a:latin typeface="Arial" panose="020B0604020202020204" pitchFamily="34" charset="0"/>
+                <a:ea typeface="Calibri" panose="020F0502020204030204" pitchFamily="34" charset="0"/>
+                <a:cs typeface="Times New Roman" panose="02020603050405020304" pitchFamily="18" charset="0"/>
+              </a:rPr>
+              <a:t> détermine les risques d’incendie sous forme d’un </a:t>
+            </a:r>
+            <a:r>
+              <a:rPr lang="fr-CH" sz="1800" i="1" dirty="0">
+                <a:effectLst/>
+                <a:latin typeface="Arial" panose="020B0604020202020204" pitchFamily="34" charset="0"/>
+                <a:ea typeface="Calibri" panose="020F0502020204030204" pitchFamily="34" charset="0"/>
+                <a:cs typeface="Times New Roman" panose="02020603050405020304" pitchFamily="18" charset="0"/>
+              </a:rPr>
+              <a:t>rating</a:t>
+            </a:r>
+            <a:r>
+              <a:rPr lang="fr-CH" sz="1800" i="0" dirty="0">
+                <a:effectLst/>
+                <a:latin typeface="Arial" panose="020B0604020202020204" pitchFamily="34" charset="0"/>
+                <a:ea typeface="Calibri" panose="020F0502020204030204" pitchFamily="34" charset="0"/>
+                <a:cs typeface="Times New Roman" panose="02020603050405020304" pitchFamily="18" charset="0"/>
+              </a:rPr>
+              <a:t>, pouvant prendre comme valeurs :</a:t>
+            </a:r>
+          </a:p>
+          <a:p>
+            <a:pPr marL="285750" indent="-285750" algn="just">
+              <a:lnSpc>
+                <a:spcPct val="115000"/>
+              </a:lnSpc>
+              <a:spcAft>
+                <a:spcPts val="800"/>
+              </a:spcAft>
+              <a:buFont typeface="Arial" panose="020B0604020202020204" pitchFamily="34" charset="0"/>
+              <a:buChar char="•"/>
+            </a:pPr>
+            <a:r>
+              <a:rPr lang="fr-CH" sz="1800" dirty="0">
+                <a:effectLst/>
+                <a:latin typeface="Arial" panose="020B0604020202020204" pitchFamily="34" charset="0"/>
+                <a:ea typeface="Calibri" panose="020F0502020204030204" pitchFamily="34" charset="0"/>
+                <a:cs typeface="Times New Roman" panose="02020603050405020304" pitchFamily="18" charset="0"/>
+              </a:rPr>
+              <a:t>Vert</a:t>
+            </a:r>
+          </a:p>
+          <a:p>
+            <a:pPr marL="742950" lvl="1" indent="-285750" algn="just">
+              <a:lnSpc>
+                <a:spcPct val="115000"/>
+              </a:lnSpc>
+              <a:spcAft>
+                <a:spcPts val="800"/>
+              </a:spcAft>
+              <a:buFont typeface="Arial" panose="020B0604020202020204" pitchFamily="34" charset="0"/>
+              <a:buChar char="•"/>
+            </a:pPr>
+            <a:r>
+              <a:rPr lang="fr-CH" sz="1800" dirty="0">
+                <a:effectLst/>
+                <a:latin typeface="Arial" panose="020B0604020202020204" pitchFamily="34" charset="0"/>
+                <a:ea typeface="Calibri" panose="020F0502020204030204" pitchFamily="34" charset="0"/>
+                <a:cs typeface="Times New Roman" panose="02020603050405020304" pitchFamily="18" charset="0"/>
+              </a:rPr>
+              <a:t>Risques faibles</a:t>
+            </a:r>
+          </a:p>
+          <a:p>
+            <a:pPr marL="285750" indent="-285750" algn="just">
+              <a:lnSpc>
+                <a:spcPct val="115000"/>
+              </a:lnSpc>
+              <a:spcAft>
+                <a:spcPts val="800"/>
+              </a:spcAft>
+              <a:buFont typeface="Arial" panose="020B0604020202020204" pitchFamily="34" charset="0"/>
+              <a:buChar char="•"/>
+            </a:pPr>
+            <a:r>
+              <a:rPr lang="fr-CH" sz="1800" dirty="0">
+                <a:effectLst/>
+                <a:latin typeface="Arial" panose="020B0604020202020204" pitchFamily="34" charset="0"/>
+                <a:ea typeface="Calibri" panose="020F0502020204030204" pitchFamily="34" charset="0"/>
+                <a:cs typeface="Times New Roman" panose="02020603050405020304" pitchFamily="18" charset="0"/>
+              </a:rPr>
+              <a:t>Orange</a:t>
+            </a:r>
+          </a:p>
+          <a:p>
+            <a:pPr marL="742950" lvl="1" indent="-285750" algn="just">
+              <a:lnSpc>
+                <a:spcPct val="115000"/>
+              </a:lnSpc>
+              <a:spcAft>
+                <a:spcPts val="800"/>
+              </a:spcAft>
+              <a:buFont typeface="Arial" panose="020B0604020202020204" pitchFamily="34" charset="0"/>
+              <a:buChar char="•"/>
+            </a:pPr>
+            <a:r>
+              <a:rPr lang="fr-CH" sz="1800" dirty="0">
+                <a:effectLst/>
+                <a:latin typeface="Arial" panose="020B0604020202020204" pitchFamily="34" charset="0"/>
+                <a:ea typeface="Calibri" panose="020F0502020204030204" pitchFamily="34" charset="0"/>
+                <a:cs typeface="Times New Roman" panose="02020603050405020304" pitchFamily="18" charset="0"/>
+              </a:rPr>
+              <a:t>Risques modérés</a:t>
+            </a:r>
+          </a:p>
+          <a:p>
+            <a:pPr marL="285750" indent="-285750" algn="just">
+              <a:lnSpc>
+                <a:spcPct val="115000"/>
+              </a:lnSpc>
+              <a:spcAft>
+                <a:spcPts val="800"/>
+              </a:spcAft>
+              <a:buFont typeface="Arial" panose="020B0604020202020204" pitchFamily="34" charset="0"/>
+              <a:buChar char="•"/>
+            </a:pPr>
+            <a:r>
+              <a:rPr lang="fr-CH" sz="1800" dirty="0">
+                <a:effectLst/>
+                <a:latin typeface="Arial" panose="020B0604020202020204" pitchFamily="34" charset="0"/>
+                <a:ea typeface="Calibri" panose="020F0502020204030204" pitchFamily="34" charset="0"/>
+                <a:cs typeface="Times New Roman" panose="02020603050405020304" pitchFamily="18" charset="0"/>
+              </a:rPr>
+              <a:t>Rouge</a:t>
+            </a:r>
+          </a:p>
+          <a:p>
+            <a:pPr marL="742950" lvl="1" indent="-285750" algn="just">
+              <a:lnSpc>
+                <a:spcPct val="115000"/>
+              </a:lnSpc>
+              <a:spcAft>
+                <a:spcPts val="800"/>
+              </a:spcAft>
+              <a:buFont typeface="Arial" panose="020B0604020202020204" pitchFamily="34" charset="0"/>
+              <a:buChar char="•"/>
+            </a:pPr>
+            <a:r>
+              <a:rPr lang="fr-CH" sz="1800" dirty="0">
+                <a:effectLst/>
+                <a:latin typeface="Arial" panose="020B0604020202020204" pitchFamily="34" charset="0"/>
+                <a:ea typeface="Calibri" panose="020F0502020204030204" pitchFamily="34" charset="0"/>
+                <a:cs typeface="Times New Roman" panose="02020603050405020304" pitchFamily="18" charset="0"/>
+              </a:rPr>
+              <a:t>Risques élevés</a:t>
+            </a:r>
+          </a:p>
+          <a:p>
+            <a:pPr marL="285750" indent="-285750" algn="just">
+              <a:lnSpc>
+                <a:spcPct val="115000"/>
+              </a:lnSpc>
+              <a:spcAft>
+                <a:spcPts val="800"/>
+              </a:spcAft>
+              <a:buFont typeface="Arial" panose="020B0604020202020204" pitchFamily="34" charset="0"/>
+              <a:buChar char="•"/>
+            </a:pPr>
+            <a:r>
+              <a:rPr lang="fr-CH" sz="1800" dirty="0">
+                <a:effectLst/>
+                <a:latin typeface="Arial" panose="020B0604020202020204" pitchFamily="34" charset="0"/>
+                <a:ea typeface="Calibri" panose="020F0502020204030204" pitchFamily="34" charset="0"/>
+                <a:cs typeface="Times New Roman" panose="02020603050405020304" pitchFamily="18" charset="0"/>
+              </a:rPr>
+              <a:t>Et noir</a:t>
+            </a:r>
+          </a:p>
+          <a:p>
+            <a:pPr marL="742950" lvl="1" indent="-285750" algn="just">
+              <a:lnSpc>
+                <a:spcPct val="115000"/>
+              </a:lnSpc>
+              <a:spcAft>
+                <a:spcPts val="800"/>
+              </a:spcAft>
+              <a:buFont typeface="Arial" panose="020B0604020202020204" pitchFamily="34" charset="0"/>
+              <a:buChar char="•"/>
+            </a:pPr>
+            <a:r>
+              <a:rPr lang="fr-CH" sz="1800" dirty="0">
+                <a:effectLst/>
+                <a:latin typeface="Arial" panose="020B0604020202020204" pitchFamily="34" charset="0"/>
+                <a:ea typeface="Calibri" panose="020F0502020204030204" pitchFamily="34" charset="0"/>
+                <a:cs typeface="Times New Roman" panose="02020603050405020304" pitchFamily="18" charset="0"/>
+              </a:rPr>
+              <a:t>Incendie</a:t>
             </a:r>
           </a:p>
           <a:p>
@@ -1777,6 +2483,181 @@
     <p:extLst>
       <p:ext uri="{BB962C8B-B14F-4D97-AF65-F5344CB8AC3E}">
         <p14:creationId xmlns:p14="http://schemas.microsoft.com/office/powerpoint/2010/main" val="3075845323"/>
+      </p:ext>
+    </p:extLst>
+  </p:cSld>
+  <p:clrMapOvr>
+    <a:masterClrMapping/>
+  </p:clrMapOvr>
+</p:notes>
+</file>
+
+<file path=ppt/notesSlides/notesSlide7.xml><?xml version="1.0" encoding="utf-8"?>
+<p:notes xmlns:a="http://schemas.openxmlformats.org/drawingml/2006/main" xmlns:r="http://schemas.openxmlformats.org/officeDocument/2006/relationships" xmlns:p="http://schemas.openxmlformats.org/presentationml/2006/main">
+  <p:cSld>
+    <p:spTree>
+      <p:nvGrpSpPr>
+        <p:cNvPr id="1" name=""/>
+        <p:cNvGrpSpPr/>
+        <p:nvPr/>
+      </p:nvGrpSpPr>
+      <p:grpSpPr>
+        <a:xfrm>
+          <a:off x="0" y="0"/>
+          <a:ext cx="0" cy="0"/>
+          <a:chOff x="0" y="0"/>
+          <a:chExt cx="0" cy="0"/>
+        </a:xfrm>
+      </p:grpSpPr>
+      <p:sp>
+        <p:nvSpPr>
+          <p:cNvPr id="2" name="Espace réservé de l'image des diapositives 1"/>
+          <p:cNvSpPr>
+            <a:spLocks noGrp="1" noRot="1" noChangeAspect="1"/>
+          </p:cNvSpPr>
+          <p:nvPr>
+            <p:ph type="sldImg"/>
+          </p:nvPr>
+        </p:nvSpPr>
+        <p:spPr/>
+      </p:sp>
+      <p:sp>
+        <p:nvSpPr>
+          <p:cNvPr id="3" name="Espace réservé des notes 2"/>
+          <p:cNvSpPr>
+            <a:spLocks noGrp="1"/>
+          </p:cNvSpPr>
+          <p:nvPr>
+            <p:ph type="body" idx="1"/>
+          </p:nvPr>
+        </p:nvSpPr>
+        <p:spPr/>
+        <p:txBody>
+          <a:bodyPr/>
+          <a:lstStyle/>
+          <a:p>
+            <a:r>
+              <a:rPr lang="fr-CH" dirty="0"/>
+              <a:t>Avec du temps supplémentaire nous souhaiterions effectuer les ajouts / améliorations suivant(e)s :</a:t>
+            </a:r>
+          </a:p>
+          <a:p>
+            <a:pPr marL="171450" indent="-171450">
+              <a:buFont typeface="Arial" panose="020B0604020202020204" pitchFamily="34" charset="0"/>
+              <a:buChar char="•"/>
+            </a:pPr>
+            <a:r>
+              <a:rPr lang="fr-CH" dirty="0"/>
+              <a:t>Mettre en place système d’alarme en cas d’incendie</a:t>
+            </a:r>
+          </a:p>
+          <a:p>
+            <a:pPr marL="628650" lvl="1" indent="-171450">
+              <a:buFont typeface="Arial" panose="020B0604020202020204" pitchFamily="34" charset="0"/>
+              <a:buChar char="•"/>
+            </a:pPr>
+            <a:r>
+              <a:rPr lang="fr-CH" dirty="0"/>
+              <a:t>Sirène</a:t>
+            </a:r>
+          </a:p>
+          <a:p>
+            <a:pPr marL="628650" lvl="1" indent="-171450">
+              <a:buFont typeface="Arial" panose="020B0604020202020204" pitchFamily="34" charset="0"/>
+              <a:buChar char="•"/>
+            </a:pPr>
+            <a:r>
+              <a:rPr lang="fr-CH" dirty="0"/>
+              <a:t>Appel téléphonique / Message</a:t>
+            </a:r>
+          </a:p>
+          <a:p>
+            <a:pPr marL="171450" lvl="0" indent="-171450">
+              <a:buFont typeface="Arial" panose="020B0604020202020204" pitchFamily="34" charset="0"/>
+              <a:buChar char="•"/>
+            </a:pPr>
+            <a:r>
+              <a:rPr lang="fr-CH" dirty="0"/>
+              <a:t>Régler les problèmes de dépendances liés au programme de détection de feux</a:t>
+            </a:r>
+          </a:p>
+          <a:p>
+            <a:pPr marL="628650" lvl="1" indent="-171450">
+              <a:buFont typeface="Arial" panose="020B0604020202020204" pitchFamily="34" charset="0"/>
+              <a:buChar char="•"/>
+            </a:pPr>
+            <a:r>
+              <a:rPr lang="fr-CH" dirty="0"/>
+              <a:t>Au trouver un autre moyen de détecter des flammes sur une image, avec Python</a:t>
+            </a:r>
+          </a:p>
+          <a:p>
+            <a:pPr marL="171450" lvl="0" indent="-171450">
+              <a:buFont typeface="Arial" panose="020B0604020202020204" pitchFamily="34" charset="0"/>
+              <a:buChar char="•"/>
+            </a:pPr>
+            <a:r>
+              <a:rPr lang="fr-CH" dirty="0"/>
+              <a:t>Améliorer l’interface de notre </a:t>
+            </a:r>
+            <a:r>
+              <a:rPr lang="fr-CH" dirty="0" err="1"/>
+              <a:t>dashboard</a:t>
+            </a:r>
+            <a:r>
+              <a:rPr lang="fr-CH" dirty="0"/>
+              <a:t> sur </a:t>
+            </a:r>
+            <a:r>
+              <a:rPr lang="fr-CH" dirty="0" err="1"/>
+              <a:t>InfluxDB</a:t>
+            </a:r>
+            <a:r>
+              <a:rPr lang="fr-CH" dirty="0"/>
+              <a:t>/</a:t>
+            </a:r>
+            <a:r>
+              <a:rPr lang="fr-CH" dirty="0" err="1"/>
+              <a:t>Grafana</a:t>
+            </a:r>
+            <a:endParaRPr lang="fr-CH" dirty="0"/>
+          </a:p>
+          <a:p>
+            <a:pPr marL="628650" lvl="1" indent="-171450">
+              <a:buFont typeface="Arial" panose="020B0604020202020204" pitchFamily="34" charset="0"/>
+              <a:buChar char="•"/>
+            </a:pPr>
+            <a:endParaRPr lang="fr-CH" dirty="0"/>
+          </a:p>
+        </p:txBody>
+      </p:sp>
+      <p:sp>
+        <p:nvSpPr>
+          <p:cNvPr id="4" name="Espace réservé du numéro de diapositive 3"/>
+          <p:cNvSpPr>
+            <a:spLocks noGrp="1"/>
+          </p:cNvSpPr>
+          <p:nvPr>
+            <p:ph type="sldNum" sz="quarter" idx="5"/>
+          </p:nvPr>
+        </p:nvSpPr>
+        <p:spPr/>
+        <p:txBody>
+          <a:bodyPr/>
+          <a:lstStyle/>
+          <a:p>
+            <a:fld id="{D70970E6-A9EF-4C77-8EA9-4E0C3CA50B9A}" type="slidenum">
+              <a:rPr lang="fr-CH" smtClean="0"/>
+              <a:t>9</a:t>
+            </a:fld>
+            <a:endParaRPr lang="fr-CH"/>
+          </a:p>
+        </p:txBody>
+      </p:sp>
+    </p:spTree>
+    <p:extLst>
+      <p:ext uri="{BB962C8B-B14F-4D97-AF65-F5344CB8AC3E}">
+        <p14:creationId xmlns:p14="http://schemas.microsoft.com/office/powerpoint/2010/main" val="2717070308"/>
       </p:ext>
     </p:extLst>
   </p:cSld>
@@ -1989,7 +2870,7 @@
           <a:p>
             <a:fld id="{6983841B-0DB4-4C99-B5E5-79625F01DBF7}" type="slidenum">
               <a:rPr lang="en-GB" smtClean="0"/>
-              <a:t>‹#›</a:t>
+              <a:t>‹N°›</a:t>
             </a:fld>
             <a:endParaRPr lang="en-GB"/>
           </a:p>
@@ -2189,7 +3070,7 @@
           <a:p>
             <a:fld id="{6983841B-0DB4-4C99-B5E5-79625F01DBF7}" type="slidenum">
               <a:rPr lang="en-GB" smtClean="0"/>
-              <a:t>‹#›</a:t>
+              <a:t>‹N°›</a:t>
             </a:fld>
             <a:endParaRPr lang="en-GB"/>
           </a:p>
@@ -2399,7 +3280,7 @@
           <a:p>
             <a:fld id="{6983841B-0DB4-4C99-B5E5-79625F01DBF7}" type="slidenum">
               <a:rPr lang="en-GB" smtClean="0"/>
-              <a:t>‹#›</a:t>
+              <a:t>‹N°›</a:t>
             </a:fld>
             <a:endParaRPr lang="en-GB"/>
           </a:p>
@@ -2599,7 +3480,7 @@
           <a:p>
             <a:fld id="{6983841B-0DB4-4C99-B5E5-79625F01DBF7}" type="slidenum">
               <a:rPr lang="en-GB" smtClean="0"/>
-              <a:t>‹#›</a:t>
+              <a:t>‹N°›</a:t>
             </a:fld>
             <a:endParaRPr lang="en-GB"/>
           </a:p>
@@ -2875,7 +3756,7 @@
           <a:p>
             <a:fld id="{6983841B-0DB4-4C99-B5E5-79625F01DBF7}" type="slidenum">
               <a:rPr lang="en-GB" smtClean="0"/>
-              <a:t>‹#›</a:t>
+              <a:t>‹N°›</a:t>
             </a:fld>
             <a:endParaRPr lang="en-GB"/>
           </a:p>
@@ -3143,7 +4024,7 @@
           <a:p>
             <a:fld id="{6983841B-0DB4-4C99-B5E5-79625F01DBF7}" type="slidenum">
               <a:rPr lang="en-GB" smtClean="0"/>
-              <a:t>‹#›</a:t>
+              <a:t>‹N°›</a:t>
             </a:fld>
             <a:endParaRPr lang="en-GB"/>
           </a:p>
@@ -3558,7 +4439,7 @@
           <a:p>
             <a:fld id="{6983841B-0DB4-4C99-B5E5-79625F01DBF7}" type="slidenum">
               <a:rPr lang="en-GB" smtClean="0"/>
-              <a:t>‹#›</a:t>
+              <a:t>‹N°›</a:t>
             </a:fld>
             <a:endParaRPr lang="en-GB"/>
           </a:p>
@@ -3700,7 +4581,7 @@
           <a:p>
             <a:fld id="{6983841B-0DB4-4C99-B5E5-79625F01DBF7}" type="slidenum">
               <a:rPr lang="en-GB" smtClean="0"/>
-              <a:t>‹#›</a:t>
+              <a:t>‹N°›</a:t>
             </a:fld>
             <a:endParaRPr lang="en-GB"/>
           </a:p>
@@ -3813,7 +4694,7 @@
           <a:p>
             <a:fld id="{6983841B-0DB4-4C99-B5E5-79625F01DBF7}" type="slidenum">
               <a:rPr lang="en-GB" smtClean="0"/>
-              <a:t>‹#›</a:t>
+              <a:t>‹N°›</a:t>
             </a:fld>
             <a:endParaRPr lang="en-GB"/>
           </a:p>
@@ -4126,7 +5007,7 @@
           <a:p>
             <a:fld id="{6983841B-0DB4-4C99-B5E5-79625F01DBF7}" type="slidenum">
               <a:rPr lang="en-GB" smtClean="0"/>
-              <a:t>‹#›</a:t>
+              <a:t>‹N°›</a:t>
             </a:fld>
             <a:endParaRPr lang="en-GB"/>
           </a:p>
@@ -4415,7 +5296,7 @@
           <a:p>
             <a:fld id="{6983841B-0DB4-4C99-B5E5-79625F01DBF7}" type="slidenum">
               <a:rPr lang="en-GB" smtClean="0"/>
-              <a:t>‹#›</a:t>
+              <a:t>‹N°›</a:t>
             </a:fld>
             <a:endParaRPr lang="en-GB"/>
           </a:p>
@@ -4694,7 +5575,7 @@
           <a:p>
             <a:fld id="{6983841B-0DB4-4C99-B5E5-79625F01DBF7}" type="slidenum">
               <a:rPr lang="en-GB" smtClean="0"/>
-              <a:t>‹#›</a:t>
+              <a:t>‹N°›</a:t>
             </a:fld>
             <a:endParaRPr lang="en-GB"/>
           </a:p>
@@ -11860,6 +12741,97 @@
               <a:latin typeface="Noto Sans" panose="020B0502040504020204" pitchFamily="34"/>
             </a:endParaRPr>
           </a:p>
+          <a:p>
+            <a:pPr marL="457200" indent="-457200" algn="l">
+              <a:lnSpc>
+                <a:spcPct val="110000"/>
+              </a:lnSpc>
+              <a:spcBef>
+                <a:spcPts val="1800"/>
+              </a:spcBef>
+              <a:buFont typeface="Arial" panose="020B0604020202020204" pitchFamily="34" charset="0"/>
+              <a:buChar char="•"/>
+            </a:pPr>
+            <a:r>
+              <a:rPr lang="fr-CH" sz="2000" dirty="0">
+                <a:solidFill>
+                  <a:srgbClr val="FFFFFF"/>
+                </a:solidFill>
+                <a:latin typeface="Noto Sans" panose="020B0502040504020204" pitchFamily="34"/>
+              </a:rPr>
+              <a:t>Icône de rating, créée par </a:t>
+            </a:r>
+            <a:r>
+              <a:rPr lang="fr-CH" sz="2000" i="1" dirty="0" err="1">
+                <a:solidFill>
+                  <a:srgbClr val="FFFFFF"/>
+                </a:solidFill>
+                <a:latin typeface="Noto Sans" panose="020B0502040504020204" pitchFamily="34"/>
+              </a:rPr>
+              <a:t>fzyn</a:t>
+            </a:r>
+            <a:r>
+              <a:rPr lang="fr-CH" sz="2000" dirty="0">
+                <a:solidFill>
+                  <a:srgbClr val="FFFFFF"/>
+                </a:solidFill>
+                <a:latin typeface="Noto Sans" panose="020B0502040504020204" pitchFamily="34"/>
+              </a:rPr>
+              <a:t>, </a:t>
+            </a:r>
+            <a:r>
+              <a:rPr lang="fr-CH" sz="2000" dirty="0" err="1">
+                <a:solidFill>
+                  <a:srgbClr val="FFFFFF"/>
+                </a:solidFill>
+                <a:latin typeface="Noto Sans" panose="020B0502040504020204" pitchFamily="34"/>
+              </a:rPr>
+              <a:t>Flaticon</a:t>
+            </a:r>
+            <a:r>
+              <a:rPr lang="fr-CH" sz="2000" dirty="0">
+                <a:solidFill>
+                  <a:srgbClr val="FFFFFF"/>
+                </a:solidFill>
+                <a:latin typeface="Noto Sans" panose="020B0502040504020204" pitchFamily="34"/>
+              </a:rPr>
+              <a:t> : </a:t>
+            </a:r>
+            <a:r>
+              <a:rPr lang="fr-CH" sz="2000" dirty="0">
+                <a:solidFill>
+                  <a:srgbClr val="FFFFFF"/>
+                </a:solidFill>
+                <a:latin typeface="Noto Sans" panose="020B0502040504020204" pitchFamily="34"/>
+                <a:hlinkClick r:id="rId5"/>
+              </a:rPr>
+              <a:t>https://www.flaticon.com/premium-icon/interest-rate_3944938?related_id=3944938&amp;origin=search</a:t>
+            </a:r>
+            <a:endParaRPr lang="fr-CH" sz="2000" dirty="0">
+              <a:solidFill>
+                <a:srgbClr val="FFFFFF"/>
+              </a:solidFill>
+              <a:latin typeface="Noto Sans" panose="020B0502040504020204" pitchFamily="34"/>
+            </a:endParaRPr>
+          </a:p>
+          <a:p>
+            <a:pPr marL="457200" indent="-457200" algn="l">
+              <a:lnSpc>
+                <a:spcPct val="110000"/>
+              </a:lnSpc>
+              <a:spcBef>
+                <a:spcPts val="1800"/>
+              </a:spcBef>
+              <a:buFont typeface="Arial" panose="020B0604020202020204" pitchFamily="34" charset="0"/>
+              <a:buChar char="•"/>
+            </a:pPr>
+            <a:endParaRPr lang="fr-CH" sz="2000" dirty="0">
+              <a:solidFill>
+                <a:srgbClr val="FFFFFF"/>
+              </a:solidFill>
+              <a:latin typeface="Noto Sans" panose="020B0502040504020204" pitchFamily="34"/>
+            </a:endParaRPr>
+          </a:p>
         </p:txBody>
       </p:sp>
     </p:spTree>
@@ -11988,6 +12960,67 @@
                                           <p:spTgt spid="21">
                                             <p:txEl>
                                               <p:pRg st="1" end="1"/>
+                                            </p:txEl>
+                                          </p:spTgt>
+                                        </p:tgtEl>
+                                      </p:cBhvr>
+                                    </p:animEffect>
+                                  </p:childTnLst>
+                                </p:cTn>
+                              </p:par>
+                            </p:childTnLst>
+                          </p:cTn>
+                        </p:par>
+                      </p:childTnLst>
+                    </p:cTn>
+                  </p:par>
+                  <p:par>
+                    <p:cTn id="13" fill="hold">
+                      <p:stCondLst>
+                        <p:cond delay="indefinite"/>
+                      </p:stCondLst>
+                      <p:childTnLst>
+                        <p:par>
+                          <p:cTn id="14" fill="hold">
+                            <p:stCondLst>
+                              <p:cond delay="0"/>
+                            </p:stCondLst>
+                            <p:childTnLst>
+                              <p:par>
+                                <p:cTn id="15" presetID="10" presetClass="entr" presetSubtype="0" fill="hold" nodeType="clickEffect">
+                                  <p:stCondLst>
+                                    <p:cond delay="0"/>
+                                  </p:stCondLst>
+                                  <p:childTnLst>
+                                    <p:set>
+                                      <p:cBhvr>
+                                        <p:cTn id="16" dur="1" fill="hold">
+                                          <p:stCondLst>
+                                            <p:cond delay="0"/>
+                                          </p:stCondLst>
+                                        </p:cTn>
+                                        <p:tgtEl>
+                                          <p:spTgt spid="21">
+                                            <p:txEl>
+                                              <p:pRg st="2" end="2"/>
+                                            </p:txEl>
+                                          </p:spTgt>
+                                        </p:tgtEl>
+                                        <p:attrNameLst>
+                                          <p:attrName>style.visibility</p:attrName>
+                                        </p:attrNameLst>
+                                      </p:cBhvr>
+                                      <p:to>
+                                        <p:strVal val="visible"/>
+                                      </p:to>
+                                    </p:set>
+                                    <p:animEffect transition="in" filter="fade">
+                                      <p:cBhvr>
+                                        <p:cTn id="17" dur="500"/>
+                                        <p:tgtEl>
+                                          <p:spTgt spid="21">
+                                            <p:txEl>
+                                              <p:pRg st="2" end="2"/>
                                             </p:txEl>
                                           </p:spTgt>
                                         </p:tgtEl>
@@ -15041,13 +16074,13 @@
         </p:nvSpPr>
         <p:spPr>
           <a:xfrm>
-            <a:off x="399282" y="1393088"/>
-            <a:ext cx="11235506" cy="4817151"/>
+            <a:off x="2975674" y="1764784"/>
+            <a:ext cx="6005593" cy="3491174"/>
           </a:xfrm>
         </p:spPr>
         <p:txBody>
           <a:bodyPr>
-            <a:normAutofit/>
+            <a:normAutofit fontScale="92500" lnSpcReduction="10000"/>
           </a:bodyPr>
           <a:lstStyle/>
           <a:p>
@@ -15087,8 +16120,17 @@
                 <a:ea typeface="Open Sans" panose="020B0606030504020204" pitchFamily="34" charset="0"/>
                 <a:cs typeface="Open Sans" panose="020B0606030504020204" pitchFamily="34" charset="0"/>
               </a:rPr>
-              <a:t>Raspberry Pi et </a:t>
-            </a:r>
+              <a:t>Raspberry Pi</a:t>
+            </a:r>
+          </a:p>
+          <a:p>
+            <a:pPr marL="342900" indent="-342900" algn="l">
+              <a:spcBef>
+                <a:spcPts val="1800"/>
+              </a:spcBef>
+              <a:buFont typeface="Arial" panose="020B0604020202020204" pitchFamily="34" charset="0"/>
+              <a:buChar char="•"/>
+            </a:pPr>
             <a:r>
               <a:rPr lang="fr-CH" dirty="0" err="1">
                 <a:solidFill>
@@ -15121,6 +16163,82 @@
               <a:buChar char="•"/>
             </a:pPr>
             <a:r>
+              <a:rPr lang="fr-CH" dirty="0" err="1">
+                <a:solidFill>
+                  <a:schemeClr val="bg1"/>
+                </a:solidFill>
+                <a:latin typeface="Open Sans" panose="020B0606030504020204" pitchFamily="34" charset="0"/>
+                <a:ea typeface="Open Sans" panose="020B0606030504020204" pitchFamily="34" charset="0"/>
+                <a:cs typeface="Open Sans" panose="020B0606030504020204" pitchFamily="34" charset="0"/>
+              </a:rPr>
+              <a:t>Brocker</a:t>
+            </a:r>
+            <a:endParaRPr lang="fr-CH" dirty="0">
+              <a:solidFill>
+                <a:schemeClr val="bg1"/>
+              </a:solidFill>
+              <a:latin typeface="Open Sans" panose="020B0606030504020204" pitchFamily="34" charset="0"/>
+              <a:ea typeface="Open Sans" panose="020B0606030504020204" pitchFamily="34" charset="0"/>
+              <a:cs typeface="Open Sans" panose="020B0606030504020204" pitchFamily="34" charset="0"/>
+            </a:endParaRPr>
+          </a:p>
+          <a:p>
+            <a:pPr marL="342900" indent="-342900" algn="l">
+              <a:spcBef>
+                <a:spcPts val="1800"/>
+              </a:spcBef>
+              <a:buFont typeface="Arial" panose="020B0604020202020204" pitchFamily="34" charset="0"/>
+              <a:buChar char="•"/>
+            </a:pPr>
+            <a:r>
+              <a:rPr lang="fr-CH" dirty="0">
+                <a:solidFill>
+                  <a:schemeClr val="bg1"/>
+                </a:solidFill>
+                <a:latin typeface="Open Sans" panose="020B0606030504020204" pitchFamily="34" charset="0"/>
+                <a:ea typeface="Open Sans" panose="020B0606030504020204" pitchFamily="34" charset="0"/>
+                <a:cs typeface="Open Sans" panose="020B0606030504020204" pitchFamily="34" charset="0"/>
+              </a:rPr>
+              <a:t>Producer / Consumer</a:t>
+            </a:r>
+          </a:p>
+          <a:p>
+            <a:pPr marL="342900" indent="-342900" algn="l">
+              <a:spcBef>
+                <a:spcPts val="1800"/>
+              </a:spcBef>
+              <a:buFont typeface="Arial" panose="020B0604020202020204" pitchFamily="34" charset="0"/>
+              <a:buChar char="•"/>
+            </a:pPr>
+            <a:r>
+              <a:rPr lang="fr-CH" dirty="0" err="1">
+                <a:solidFill>
+                  <a:schemeClr val="bg1"/>
+                </a:solidFill>
+                <a:latin typeface="Open Sans" panose="020B0606030504020204" pitchFamily="34" charset="0"/>
+                <a:ea typeface="Open Sans" panose="020B0606030504020204" pitchFamily="34" charset="0"/>
+                <a:cs typeface="Open Sans" panose="020B0606030504020204" pitchFamily="34" charset="0"/>
+              </a:rPr>
+              <a:t>InfluxDB</a:t>
+            </a:r>
+            <a:endParaRPr lang="fr-CH" dirty="0">
+              <a:solidFill>
+                <a:schemeClr val="bg1"/>
+              </a:solidFill>
+              <a:latin typeface="Open Sans" panose="020B0606030504020204" pitchFamily="34" charset="0"/>
+              <a:ea typeface="Open Sans" panose="020B0606030504020204" pitchFamily="34" charset="0"/>
+              <a:cs typeface="Open Sans" panose="020B0606030504020204" pitchFamily="34" charset="0"/>
+            </a:endParaRPr>
+          </a:p>
+          <a:p>
+            <a:pPr marL="342900" indent="-342900" algn="l">
+              <a:spcBef>
+                <a:spcPts val="1800"/>
+              </a:spcBef>
+              <a:buFont typeface="Arial" panose="020B0604020202020204" pitchFamily="34" charset="0"/>
+              <a:buChar char="•"/>
+            </a:pPr>
+            <a:r>
               <a:rPr lang="fr-CH" dirty="0">
                 <a:solidFill>
                   <a:schemeClr val="bg1"/>
@@ -15130,26 +16248,6 @@
                 <a:cs typeface="Open Sans" panose="020B0606030504020204" pitchFamily="34" charset="0"/>
               </a:rPr>
               <a:t>Mini projet, adapté au MILL</a:t>
-            </a:r>
-          </a:p>
-          <a:p>
-            <a:pPr marL="342900" indent="-342900" algn="l">
-              <a:spcBef>
-                <a:spcPts val="1800"/>
-              </a:spcBef>
-              <a:buFont typeface="Arial" panose="020B0604020202020204" pitchFamily="34" charset="0"/>
-              <a:buChar char="•"/>
-            </a:pPr>
-            <a:r>
-              <a:rPr lang="fr-CH" dirty="0">
-                <a:solidFill>
-                  <a:schemeClr val="bg1"/>
-                </a:solidFill>
-                <a:latin typeface="Open Sans" panose="020B0606030504020204" pitchFamily="34" charset="0"/>
-                <a:ea typeface="Open Sans" panose="020B0606030504020204" pitchFamily="34" charset="0"/>
-                <a:cs typeface="Open Sans" panose="020B0606030504020204" pitchFamily="34" charset="0"/>
-              </a:rPr>
-              <a:t>??</a:t>
             </a:r>
           </a:p>
         </p:txBody>
@@ -15402,6 +16500,189 @@
                                           <p:spTgt spid="8">
                                             <p:txEl>
                                               <p:pRg st="3" end="3"/>
+                                            </p:txEl>
+                                          </p:spTgt>
+                                        </p:tgtEl>
+                                      </p:cBhvr>
+                                    </p:animEffect>
+                                  </p:childTnLst>
+                                </p:cTn>
+                              </p:par>
+                            </p:childTnLst>
+                          </p:cTn>
+                        </p:par>
+                      </p:childTnLst>
+                    </p:cTn>
+                  </p:par>
+                  <p:par>
+                    <p:cTn id="23" fill="hold">
+                      <p:stCondLst>
+                        <p:cond delay="indefinite"/>
+                      </p:stCondLst>
+                      <p:childTnLst>
+                        <p:par>
+                          <p:cTn id="24" fill="hold">
+                            <p:stCondLst>
+                              <p:cond delay="0"/>
+                            </p:stCondLst>
+                            <p:childTnLst>
+                              <p:par>
+                                <p:cTn id="25" presetID="10" presetClass="entr" presetSubtype="0" fill="hold" nodeType="clickEffect">
+                                  <p:stCondLst>
+                                    <p:cond delay="0"/>
+                                  </p:stCondLst>
+                                  <p:childTnLst>
+                                    <p:set>
+                                      <p:cBhvr>
+                                        <p:cTn id="26" dur="1" fill="hold">
+                                          <p:stCondLst>
+                                            <p:cond delay="0"/>
+                                          </p:stCondLst>
+                                        </p:cTn>
+                                        <p:tgtEl>
+                                          <p:spTgt spid="8">
+                                            <p:txEl>
+                                              <p:pRg st="4" end="4"/>
+                                            </p:txEl>
+                                          </p:spTgt>
+                                        </p:tgtEl>
+                                        <p:attrNameLst>
+                                          <p:attrName>style.visibility</p:attrName>
+                                        </p:attrNameLst>
+                                      </p:cBhvr>
+                                      <p:to>
+                                        <p:strVal val="visible"/>
+                                      </p:to>
+                                    </p:set>
+                                    <p:animEffect transition="in" filter="fade">
+                                      <p:cBhvr>
+                                        <p:cTn id="27" dur="500"/>
+                                        <p:tgtEl>
+                                          <p:spTgt spid="8">
+                                            <p:txEl>
+                                              <p:pRg st="4" end="4"/>
+                                            </p:txEl>
+                                          </p:spTgt>
+                                        </p:tgtEl>
+                                      </p:cBhvr>
+                                    </p:animEffect>
+                                  </p:childTnLst>
+                                </p:cTn>
+                              </p:par>
+                            </p:childTnLst>
+                          </p:cTn>
+                        </p:par>
+                      </p:childTnLst>
+                    </p:cTn>
+                  </p:par>
+                  <p:par>
+                    <p:cTn id="28" fill="hold">
+                      <p:stCondLst>
+                        <p:cond delay="indefinite"/>
+                      </p:stCondLst>
+                      <p:childTnLst>
+                        <p:par>
+                          <p:cTn id="29" fill="hold">
+                            <p:stCondLst>
+                              <p:cond delay="0"/>
+                            </p:stCondLst>
+                            <p:childTnLst>
+                              <p:par>
+                                <p:cTn id="30" presetID="10" presetClass="entr" presetSubtype="0" fill="hold" nodeType="clickEffect">
+                                  <p:stCondLst>
+                                    <p:cond delay="0"/>
+                                  </p:stCondLst>
+                                  <p:childTnLst>
+                                    <p:set>
+                                      <p:cBhvr>
+                                        <p:cTn id="31" dur="1" fill="hold">
+                                          <p:stCondLst>
+                                            <p:cond delay="0"/>
+                                          </p:stCondLst>
+                                        </p:cTn>
+                                        <p:tgtEl>
+                                          <p:spTgt spid="8">
+                                            <p:txEl>
+                                              <p:pRg st="5" end="5"/>
+                                            </p:txEl>
+                                          </p:spTgt>
+                                        </p:tgtEl>
+                                        <p:attrNameLst>
+                                          <p:attrName>style.visibility</p:attrName>
+                                        </p:attrNameLst>
+                                      </p:cBhvr>
+                                      <p:to>
+                                        <p:strVal val="visible"/>
+                                      </p:to>
+                                    </p:set>
+                                    <p:animEffect transition="in" filter="fade">
+                                      <p:cBhvr>
+                                        <p:cTn id="32" dur="500"/>
+                                        <p:tgtEl>
+                                          <p:spTgt spid="8">
+                                            <p:txEl>
+                                              <p:pRg st="5" end="5"/>
+                                            </p:txEl>
+                                          </p:spTgt>
+                                        </p:tgtEl>
+                                      </p:cBhvr>
+                                    </p:animEffect>
+                                  </p:childTnLst>
+                                </p:cTn>
+                              </p:par>
+                            </p:childTnLst>
+                          </p:cTn>
+                        </p:par>
+                      </p:childTnLst>
+                    </p:cTn>
+                  </p:par>
+                  <p:par>
+                    <p:cTn id="33" fill="hold">
+                      <p:stCondLst>
+                        <p:cond delay="indefinite"/>
+                      </p:stCondLst>
+                      <p:childTnLst>
+                        <p:par>
+                          <p:cTn id="34" fill="hold">
+                            <p:stCondLst>
+                              <p:cond delay="0"/>
+                            </p:stCondLst>
+                            <p:childTnLst>
+                              <p:par>
+                                <p:cTn id="35" presetID="10" presetClass="entr" presetSubtype="0" fill="hold" nodeType="clickEffect">
+                                  <p:stCondLst>
+                                    <p:cond delay="0"/>
+                                  </p:stCondLst>
+                                  <p:childTnLst>
+                                    <p:set>
+                                      <p:cBhvr>
+                                        <p:cTn id="36" dur="1" fill="hold">
+                                          <p:stCondLst>
+                                            <p:cond delay="0"/>
+                                          </p:stCondLst>
+                                        </p:cTn>
+                                        <p:tgtEl>
+                                          <p:spTgt spid="8">
+                                            <p:txEl>
+                                              <p:pRg st="6" end="6"/>
+                                            </p:txEl>
+                                          </p:spTgt>
+                                        </p:tgtEl>
+                                        <p:attrNameLst>
+                                          <p:attrName>style.visibility</p:attrName>
+                                        </p:attrNameLst>
+                                      </p:cBhvr>
+                                      <p:to>
+                                        <p:strVal val="visible"/>
+                                      </p:to>
+                                    </p:set>
+                                    <p:animEffect transition="in" filter="fade">
+                                      <p:cBhvr>
+                                        <p:cTn id="37" dur="500"/>
+                                        <p:tgtEl>
+                                          <p:spTgt spid="8">
+                                            <p:txEl>
+                                              <p:pRg st="6" end="6"/>
                                             </p:txEl>
                                           </p:spTgt>
                                         </p:tgtEl>
@@ -16652,6 +17933,33 @@
                                   </p:childTnLst>
                                 </p:cTn>
                               </p:par>
+                              <p:par>
+                                <p:cTn id="33" presetID="1" presetClass="entr" presetSubtype="0" fill="hold" nodeType="withEffect">
+                                  <p:stCondLst>
+                                    <p:cond delay="0"/>
+                                  </p:stCondLst>
+                                  <p:childTnLst>
+                                    <p:set>
+                                      <p:cBhvr>
+                                        <p:cTn id="34" dur="1" fill="hold">
+                                          <p:stCondLst>
+                                            <p:cond delay="0"/>
+                                          </p:stCondLst>
+                                        </p:cTn>
+                                        <p:tgtEl>
+                                          <p:spTgt spid="3"/>
+                                        </p:tgtEl>
+                                        <p:attrNameLst>
+                                          <p:attrName>style.visibility</p:attrName>
+                                        </p:attrNameLst>
+                                      </p:cBhvr>
+                                      <p:to>
+                                        <p:strVal val="visible"/>
+                                      </p:to>
+                                    </p:set>
+                                  </p:childTnLst>
+                                </p:cTn>
+                              </p:par>
                             </p:childTnLst>
                           </p:cTn>
                         </p:par>
@@ -16659,26 +17967,26 @@
                     </p:cTn>
                   </p:par>
                   <p:par>
-                    <p:cTn id="33" fill="hold">
+                    <p:cTn id="35" fill="hold">
                       <p:stCondLst>
                         <p:cond delay="indefinite"/>
                       </p:stCondLst>
                       <p:childTnLst>
                         <p:par>
-                          <p:cTn id="34" fill="hold">
+                          <p:cTn id="36" fill="hold">
                             <p:stCondLst>
                               <p:cond delay="0"/>
                             </p:stCondLst>
                             <p:childTnLst>
                               <p:par>
-                                <p:cTn id="35" presetID="10" presetClass="entr" presetSubtype="0" fill="hold" nodeType="clickEffect">
+                                <p:cTn id="37" presetID="10" presetClass="entr" presetSubtype="0" fill="hold" nodeType="clickEffect">
                                   <p:stCondLst>
                                     <p:cond delay="0"/>
                                   </p:stCondLst>
                                   <p:childTnLst>
                                     <p:set>
                                       <p:cBhvr>
-                                        <p:cTn id="36" dur="1" fill="hold">
+                                        <p:cTn id="38" dur="1" fill="hold">
                                           <p:stCondLst>
                                             <p:cond delay="0"/>
                                           </p:stCondLst>
@@ -16700,7 +18008,7 @@
                                     </p:set>
                                     <p:animEffect transition="in" filter="fade">
                                       <p:cBhvr>
-                                        <p:cTn id="37" dur="500"/>
+                                        <p:cTn id="39" dur="500"/>
                                         <p:tgtEl>
                                           <p:spTgt spid="26">
                                             <p:txEl>
@@ -16745,1105 +18053,6 @@
 </file>
 
 <file path=ppt/slides/slide5.xml><?xml version="1.0" encoding="utf-8"?>
-<p:sld xmlns:a="http://schemas.openxmlformats.org/drawingml/2006/main" xmlns:r="http://schemas.openxmlformats.org/officeDocument/2006/relationships" xmlns:p="http://schemas.openxmlformats.org/presentationml/2006/main">
-  <p:cSld>
-    <p:bg>
-      <p:bgPr>
-        <a:solidFill>
-          <a:schemeClr val="tx1"/>
-        </a:solidFill>
-        <a:effectLst/>
-      </p:bgPr>
-    </p:bg>
-    <p:spTree>
-      <p:nvGrpSpPr>
-        <p:cNvPr id="1" name=""/>
-        <p:cNvGrpSpPr/>
-        <p:nvPr/>
-      </p:nvGrpSpPr>
-      <p:grpSpPr>
-        <a:xfrm>
-          <a:off x="0" y="0"/>
-          <a:ext cx="0" cy="0"/>
-          <a:chOff x="0" y="0"/>
-          <a:chExt cx="0" cy="0"/>
-        </a:xfrm>
-      </p:grpSpPr>
-      <p:sp useBgFill="1">
-        <p:nvSpPr>
-          <p:cNvPr id="34" name="Rectangle 33">
-            <a:extLst>
-              <a:ext uri="{FF2B5EF4-FFF2-40B4-BE49-F238E27FC236}">
-                <a16:creationId xmlns:a16="http://schemas.microsoft.com/office/drawing/2014/main" id="{A24BDD9D-20B6-40E3-9E28-6CE30794BDB6}"/>
-              </a:ext>
-              <a:ext uri="{C183D7F6-B498-43B3-948B-1728B52AA6E4}">
-                <adec:decorative xmlns:adec="http://schemas.microsoft.com/office/drawing/2017/decorative" val="1"/>
-              </a:ext>
-            </a:extLst>
-          </p:cNvPr>
-          <p:cNvSpPr>
-            <a:spLocks noGrp="1" noRot="1" noChangeAspect="1" noMove="1" noResize="1" noEditPoints="1" noAdjustHandles="1" noChangeArrowheads="1" noChangeShapeType="1" noTextEdit="1"/>
-          </p:cNvSpPr>
-          <p:nvPr>
-            <p:extLst>
-              <p:ext uri="{386F3935-93C4-4BCD-93E2-E3B085C9AB24}">
-                <p16:designElem xmlns:p16="http://schemas.microsoft.com/office/powerpoint/2015/main" val="1"/>
-              </p:ext>
-            </p:extLst>
-          </p:nvPr>
-        </p:nvSpPr>
-        <p:spPr>
-          <a:xfrm>
-            <a:off x="0" y="0"/>
-            <a:ext cx="12191999" cy="6858000"/>
-          </a:xfrm>
-          <a:prstGeom prst="rect">
-            <a:avLst/>
-          </a:prstGeom>
-          <a:ln>
-            <a:noFill/>
-          </a:ln>
-        </p:spPr>
-        <p:style>
-          <a:lnRef idx="2">
-            <a:schemeClr val="accent1">
-              <a:shade val="50000"/>
-            </a:schemeClr>
-          </a:lnRef>
-          <a:fillRef idx="1">
-            <a:schemeClr val="accent1"/>
-          </a:fillRef>
-          <a:effectRef idx="0">
-            <a:schemeClr val="accent1"/>
-          </a:effectRef>
-          <a:fontRef idx="minor">
-            <a:schemeClr val="lt1"/>
-          </a:fontRef>
-        </p:style>
-        <p:txBody>
-          <a:bodyPr rtlCol="0" anchor="ctr"/>
-          <a:lstStyle/>
-          <a:p>
-            <a:pPr marL="0" marR="0" lvl="0" indent="0" algn="ctr" defTabSz="457200" rtl="0" eaLnBrk="1" fontAlgn="auto" latinLnBrk="0" hangingPunct="1">
-              <a:lnSpc>
-                <a:spcPct val="100000"/>
-              </a:lnSpc>
-              <a:spcBef>
-                <a:spcPts val="0"/>
-              </a:spcBef>
-              <a:spcAft>
-                <a:spcPts val="0"/>
-              </a:spcAft>
-              <a:buClrTx/>
-              <a:buSzTx/>
-              <a:buFontTx/>
-              <a:buNone/>
-              <a:tabLst/>
-              <a:defRPr/>
-            </a:pPr>
-            <a:endParaRPr kumimoji="0" lang="en-US" sz="1800" b="0" i="0" u="none" strike="noStrike" kern="1200" cap="none" spc="0" normalizeH="0" baseline="0" noProof="0">
-              <a:ln>
-                <a:noFill/>
-              </a:ln>
-              <a:solidFill>
-                <a:srgbClr val="FFFFFF"/>
-              </a:solidFill>
-              <a:effectLst/>
-              <a:uLnTx/>
-              <a:uFillTx/>
-              <a:latin typeface="Corbel" panose="020B0503020204020204"/>
-              <a:ea typeface="+mn-ea"/>
-              <a:cs typeface="+mn-cs"/>
-            </a:endParaRPr>
-          </a:p>
-        </p:txBody>
-      </p:sp>
-      <p:sp>
-        <p:nvSpPr>
-          <p:cNvPr id="36" name="Rectangle 35">
-            <a:extLst>
-              <a:ext uri="{FF2B5EF4-FFF2-40B4-BE49-F238E27FC236}">
-                <a16:creationId xmlns:a16="http://schemas.microsoft.com/office/drawing/2014/main" id="{22C07570-D389-43F2-853C-1F7B8790F1CD}"/>
-              </a:ext>
-              <a:ext uri="{C183D7F6-B498-43B3-948B-1728B52AA6E4}">
-                <adec:decorative xmlns:adec="http://schemas.microsoft.com/office/drawing/2017/decorative" val="1"/>
-              </a:ext>
-            </a:extLst>
-          </p:cNvPr>
-          <p:cNvSpPr>
-            <a:spLocks noGrp="1" noRot="1" noChangeAspect="1" noMove="1" noResize="1" noEditPoints="1" noAdjustHandles="1" noChangeArrowheads="1" noChangeShapeType="1" noTextEdit="1"/>
-          </p:cNvSpPr>
-          <p:nvPr>
-            <p:extLst>
-              <p:ext uri="{386F3935-93C4-4BCD-93E2-E3B085C9AB24}">
-                <p16:designElem xmlns:p16="http://schemas.microsoft.com/office/powerpoint/2015/main" val="1"/>
-              </p:ext>
-            </p:extLst>
-          </p:nvPr>
-        </p:nvSpPr>
-        <p:spPr>
-          <a:xfrm>
-            <a:off x="1" y="1300114"/>
-            <a:ext cx="4053525" cy="4257773"/>
-          </a:xfrm>
-          <a:prstGeom prst="rect">
-            <a:avLst/>
-          </a:prstGeom>
-          <a:solidFill>
-            <a:schemeClr val="tx1">
-              <a:alpha val="85000"/>
-            </a:schemeClr>
-          </a:solidFill>
-          <a:ln>
-            <a:noFill/>
-          </a:ln>
-        </p:spPr>
-        <p:style>
-          <a:lnRef idx="2">
-            <a:schemeClr val="accent1">
-              <a:shade val="50000"/>
-            </a:schemeClr>
-          </a:lnRef>
-          <a:fillRef idx="1">
-            <a:schemeClr val="accent1"/>
-          </a:fillRef>
-          <a:effectRef idx="0">
-            <a:schemeClr val="accent1"/>
-          </a:effectRef>
-          <a:fontRef idx="minor">
-            <a:schemeClr val="lt1"/>
-          </a:fontRef>
-        </p:style>
-      </p:sp>
-      <p:sp>
-        <p:nvSpPr>
-          <p:cNvPr id="46" name="TextBox 4">
-            <a:extLst>
-              <a:ext uri="{FF2B5EF4-FFF2-40B4-BE49-F238E27FC236}">
-                <a16:creationId xmlns:a16="http://schemas.microsoft.com/office/drawing/2014/main" id="{BFBAD10B-613D-41FB-B077-779898450D5E}"/>
-              </a:ext>
-            </a:extLst>
-          </p:cNvPr>
-          <p:cNvSpPr txBox="1"/>
-          <p:nvPr/>
-        </p:nvSpPr>
-        <p:spPr>
-          <a:xfrm>
-            <a:off x="1202749" y="168473"/>
-            <a:ext cx="9673702" cy="861774"/>
-          </a:xfrm>
-          <a:prstGeom prst="rect">
-            <a:avLst/>
-          </a:prstGeom>
-          <a:noFill/>
-        </p:spPr>
-        <p:txBody>
-          <a:bodyPr wrap="square" rtlCol="0">
-            <a:spAutoFit/>
-          </a:bodyPr>
-          <a:lstStyle/>
-          <a:p>
-            <a:pPr marL="0" marR="0" lvl="0" indent="0" algn="ctr" defTabSz="914400" rtl="0" eaLnBrk="1" fontAlgn="auto" latinLnBrk="0" hangingPunct="1">
-              <a:lnSpc>
-                <a:spcPct val="100000"/>
-              </a:lnSpc>
-              <a:spcBef>
-                <a:spcPts val="0"/>
-              </a:spcBef>
-              <a:spcAft>
-                <a:spcPts val="0"/>
-              </a:spcAft>
-              <a:buClrTx/>
-              <a:buSzTx/>
-              <a:buFontTx/>
-              <a:buNone/>
-              <a:tabLst/>
-              <a:defRPr/>
-            </a:pPr>
-            <a:r>
-              <a:rPr kumimoji="0" lang="en-US" sz="5000" b="0" i="0" u="none" strike="noStrike" kern="1200" cap="none" spc="0" normalizeH="0" baseline="0" noProof="0" dirty="0">
-                <a:ln>
-                  <a:noFill/>
-                </a:ln>
-                <a:solidFill>
-                  <a:srgbClr val="FFFFFF"/>
-                </a:solidFill>
-                <a:effectLst/>
-                <a:uLnTx/>
-                <a:uFillTx/>
-                <a:latin typeface="Noto Sans" panose="020B0502040504020204" pitchFamily="34"/>
-                <a:ea typeface="Noto Sans" panose="020B0502040504020204" pitchFamily="34"/>
-                <a:cs typeface="Noto Sans" panose="020B0502040504020204" pitchFamily="34"/>
-              </a:rPr>
-              <a:t>Explications techniques</a:t>
-            </a:r>
-          </a:p>
-        </p:txBody>
-      </p:sp>
-      <p:sp>
-        <p:nvSpPr>
-          <p:cNvPr id="26" name="Sous-titre 25">
-            <a:extLst>
-              <a:ext uri="{FF2B5EF4-FFF2-40B4-BE49-F238E27FC236}">
-                <a16:creationId xmlns:a16="http://schemas.microsoft.com/office/drawing/2014/main" id="{691C461F-8270-4792-A900-B7135E2047F9}"/>
-              </a:ext>
-            </a:extLst>
-          </p:cNvPr>
-          <p:cNvSpPr>
-            <a:spLocks noGrp="1"/>
-          </p:cNvSpPr>
-          <p:nvPr>
-            <p:ph type="subTitle" idx="1"/>
-          </p:nvPr>
-        </p:nvSpPr>
-        <p:spPr>
-          <a:xfrm>
-            <a:off x="399282" y="1393088"/>
-            <a:ext cx="11235506" cy="4817151"/>
-          </a:xfrm>
-        </p:spPr>
-        <p:txBody>
-          <a:bodyPr>
-            <a:normAutofit/>
-          </a:bodyPr>
-          <a:lstStyle/>
-          <a:p>
-            <a:pPr marL="342900" indent="-342900" algn="l">
-              <a:lnSpc>
-                <a:spcPct val="150000"/>
-              </a:lnSpc>
-              <a:spcBef>
-                <a:spcPts val="1800"/>
-              </a:spcBef>
-              <a:buFont typeface="Arial" panose="020B0604020202020204" pitchFamily="34" charset="0"/>
-              <a:buChar char="•"/>
-            </a:pPr>
-            <a:r>
-              <a:rPr lang="fr-CH" dirty="0">
-                <a:solidFill>
-                  <a:schemeClr val="bg1"/>
-                </a:solidFill>
-                <a:latin typeface="Open Sans" panose="020B0606030504020204" pitchFamily="34" charset="0"/>
-                <a:ea typeface="Open Sans" panose="020B0606030504020204" pitchFamily="34" charset="0"/>
-                <a:cs typeface="Open Sans" panose="020B0606030504020204" pitchFamily="34" charset="0"/>
-              </a:rPr>
-              <a:t>Structure du projet</a:t>
-            </a:r>
-          </a:p>
-          <a:p>
-            <a:pPr marL="800100" lvl="1" indent="-342900" algn="l">
-              <a:lnSpc>
-                <a:spcPct val="150000"/>
-              </a:lnSpc>
-              <a:spcBef>
-                <a:spcPts val="1800"/>
-              </a:spcBef>
-              <a:buFont typeface="Arial" panose="020B0604020202020204" pitchFamily="34" charset="0"/>
-              <a:buChar char="•"/>
-            </a:pPr>
-            <a:r>
-              <a:rPr lang="fr-CH" dirty="0">
-                <a:solidFill>
-                  <a:schemeClr val="bg1"/>
-                </a:solidFill>
-                <a:latin typeface="Open Sans" panose="020B0606030504020204" pitchFamily="34" charset="0"/>
-                <a:ea typeface="Open Sans" panose="020B0606030504020204" pitchFamily="34" charset="0"/>
-                <a:cs typeface="Open Sans" panose="020B0606030504020204" pitchFamily="34" charset="0"/>
-              </a:rPr>
-              <a:t>Classe abstraite </a:t>
-            </a:r>
-            <a:r>
-              <a:rPr lang="fr-CH" i="1" dirty="0" err="1">
-                <a:solidFill>
-                  <a:schemeClr val="bg1"/>
-                </a:solidFill>
-                <a:latin typeface="Open Sans" panose="020B0606030504020204" pitchFamily="34" charset="0"/>
-                <a:ea typeface="Open Sans" panose="020B0606030504020204" pitchFamily="34" charset="0"/>
-                <a:cs typeface="Open Sans" panose="020B0606030504020204" pitchFamily="34" charset="0"/>
-              </a:rPr>
-              <a:t>Captor</a:t>
-            </a:r>
-            <a:endParaRPr lang="fr-CH" i="1" dirty="0">
-              <a:solidFill>
-                <a:schemeClr val="bg1"/>
-              </a:solidFill>
-              <a:latin typeface="Open Sans" panose="020B0606030504020204" pitchFamily="34" charset="0"/>
-              <a:ea typeface="Open Sans" panose="020B0606030504020204" pitchFamily="34" charset="0"/>
-              <a:cs typeface="Open Sans" panose="020B0606030504020204" pitchFamily="34" charset="0"/>
-            </a:endParaRPr>
-          </a:p>
-          <a:p>
-            <a:pPr marL="1257300" lvl="2" indent="-342900" algn="l">
-              <a:lnSpc>
-                <a:spcPct val="150000"/>
-              </a:lnSpc>
-              <a:spcBef>
-                <a:spcPts val="1800"/>
-              </a:spcBef>
-              <a:buFont typeface="Arial" panose="020B0604020202020204" pitchFamily="34" charset="0"/>
-              <a:buChar char="•"/>
-            </a:pPr>
-            <a:r>
-              <a:rPr lang="fr-CH" dirty="0">
-                <a:solidFill>
-                  <a:schemeClr val="bg1"/>
-                </a:solidFill>
-                <a:latin typeface="Open Sans" panose="020B0606030504020204" pitchFamily="34" charset="0"/>
-                <a:ea typeface="Open Sans" panose="020B0606030504020204" pitchFamily="34" charset="0"/>
-                <a:cs typeface="Open Sans" panose="020B0606030504020204" pitchFamily="34" charset="0"/>
-              </a:rPr>
-              <a:t>Classes filles concrètes</a:t>
-            </a:r>
-          </a:p>
-          <a:p>
-            <a:pPr marL="800100" lvl="1" indent="-342900" algn="l">
-              <a:lnSpc>
-                <a:spcPct val="150000"/>
-              </a:lnSpc>
-              <a:spcBef>
-                <a:spcPts val="1800"/>
-              </a:spcBef>
-              <a:buFont typeface="Arial" panose="020B0604020202020204" pitchFamily="34" charset="0"/>
-              <a:buChar char="•"/>
-            </a:pPr>
-            <a:r>
-              <a:rPr lang="fr-CH" dirty="0">
-                <a:solidFill>
-                  <a:schemeClr val="bg1"/>
-                </a:solidFill>
-                <a:latin typeface="Open Sans" panose="020B0606030504020204" pitchFamily="34" charset="0"/>
-                <a:ea typeface="Open Sans" panose="020B0606030504020204" pitchFamily="34" charset="0"/>
-                <a:cs typeface="Open Sans" panose="020B0606030504020204" pitchFamily="34" charset="0"/>
-              </a:rPr>
-              <a:t>Classe </a:t>
-            </a:r>
-            <a:r>
-              <a:rPr lang="fr-CH" i="1" dirty="0" err="1">
-                <a:solidFill>
-                  <a:schemeClr val="bg1"/>
-                </a:solidFill>
-                <a:latin typeface="Open Sans" panose="020B0606030504020204" pitchFamily="34" charset="0"/>
-                <a:ea typeface="Open Sans" panose="020B0606030504020204" pitchFamily="34" charset="0"/>
-                <a:cs typeface="Open Sans" panose="020B0606030504020204" pitchFamily="34" charset="0"/>
-              </a:rPr>
-              <a:t>Firefighter</a:t>
-            </a:r>
-            <a:endParaRPr lang="fr-CH" i="1" dirty="0">
-              <a:solidFill>
-                <a:schemeClr val="bg1"/>
-              </a:solidFill>
-              <a:latin typeface="Open Sans" panose="020B0606030504020204" pitchFamily="34" charset="0"/>
-              <a:ea typeface="Open Sans" panose="020B0606030504020204" pitchFamily="34" charset="0"/>
-              <a:cs typeface="Open Sans" panose="020B0606030504020204" pitchFamily="34" charset="0"/>
-            </a:endParaRPr>
-          </a:p>
-          <a:p>
-            <a:pPr marL="1257300" lvl="2" indent="-342900" algn="l">
-              <a:lnSpc>
-                <a:spcPct val="150000"/>
-              </a:lnSpc>
-              <a:spcBef>
-                <a:spcPts val="1800"/>
-              </a:spcBef>
-              <a:buFont typeface="Arial" panose="020B0604020202020204" pitchFamily="34" charset="0"/>
-              <a:buChar char="•"/>
-            </a:pPr>
-            <a:r>
-              <a:rPr lang="fr-CH" dirty="0">
-                <a:solidFill>
-                  <a:schemeClr val="bg1"/>
-                </a:solidFill>
-                <a:latin typeface="Open Sans" panose="020B0606030504020204" pitchFamily="34" charset="0"/>
-                <a:ea typeface="Open Sans" panose="020B0606030504020204" pitchFamily="34" charset="0"/>
-                <a:cs typeface="Open Sans" panose="020B0606030504020204" pitchFamily="34" charset="0"/>
-              </a:rPr>
-              <a:t>Cerveau</a:t>
-            </a:r>
-          </a:p>
-        </p:txBody>
-      </p:sp>
-      <p:grpSp>
-        <p:nvGrpSpPr>
-          <p:cNvPr id="8" name="Groupe 7">
-            <a:extLst>
-              <a:ext uri="{FF2B5EF4-FFF2-40B4-BE49-F238E27FC236}">
-                <a16:creationId xmlns:a16="http://schemas.microsoft.com/office/drawing/2014/main" id="{5C16C7DD-D24A-4262-B2D0-426E83C04E5F}"/>
-              </a:ext>
-            </a:extLst>
-          </p:cNvPr>
-          <p:cNvGrpSpPr/>
-          <p:nvPr/>
-        </p:nvGrpSpPr>
-        <p:grpSpPr>
-          <a:xfrm>
-            <a:off x="-484642" y="6229350"/>
-            <a:ext cx="12676642" cy="628650"/>
-            <a:chOff x="-484642" y="6229350"/>
-            <a:chExt cx="12676642" cy="628650"/>
-          </a:xfrm>
-        </p:grpSpPr>
-        <p:grpSp>
-          <p:nvGrpSpPr>
-            <p:cNvPr id="9" name="Group 3">
-              <a:extLst>
-                <a:ext uri="{FF2B5EF4-FFF2-40B4-BE49-F238E27FC236}">
-                  <a16:creationId xmlns:a16="http://schemas.microsoft.com/office/drawing/2014/main" id="{5D651D4F-B8F6-4B90-B9C4-8D4685058C28}"/>
-                </a:ext>
-              </a:extLst>
-            </p:cNvPr>
-            <p:cNvGrpSpPr/>
-            <p:nvPr/>
-          </p:nvGrpSpPr>
-          <p:grpSpPr>
-            <a:xfrm>
-              <a:off x="-484642" y="6229350"/>
-              <a:ext cx="12676642" cy="628650"/>
-              <a:chOff x="2189480" y="2153920"/>
-              <a:chExt cx="7213599" cy="1137920"/>
-            </a:xfrm>
-            <a:solidFill>
-              <a:schemeClr val="bg1"/>
-            </a:solidFill>
-          </p:grpSpPr>
-          <p:sp>
-            <p:nvSpPr>
-              <p:cNvPr id="12" name="Arrow: Chevron 2">
-                <a:extLst>
-                  <a:ext uri="{FF2B5EF4-FFF2-40B4-BE49-F238E27FC236}">
-                    <a16:creationId xmlns:a16="http://schemas.microsoft.com/office/drawing/2014/main" id="{282C419D-BDA6-48EB-BA6B-75002DD5729F}"/>
-                  </a:ext>
-                </a:extLst>
-              </p:cNvPr>
-              <p:cNvSpPr/>
-              <p:nvPr/>
-            </p:nvSpPr>
-            <p:spPr>
-              <a:xfrm>
-                <a:off x="2189480" y="2153920"/>
-                <a:ext cx="7172960" cy="1137920"/>
-              </a:xfrm>
-              <a:prstGeom prst="chevron">
-                <a:avLst/>
-              </a:prstGeom>
-              <a:grpFill/>
-              <a:ln>
-                <a:noFill/>
-              </a:ln>
-            </p:spPr>
-            <p:style>
-              <a:lnRef idx="2">
-                <a:schemeClr val="accent1">
-                  <a:shade val="50000"/>
-                </a:schemeClr>
-              </a:lnRef>
-              <a:fillRef idx="1">
-                <a:schemeClr val="accent1"/>
-              </a:fillRef>
-              <a:effectRef idx="0">
-                <a:schemeClr val="accent1"/>
-              </a:effectRef>
-              <a:fontRef idx="minor">
-                <a:schemeClr val="lt1"/>
-              </a:fontRef>
-            </p:style>
-            <p:txBody>
-              <a:bodyPr rtlCol="0" anchor="ctr"/>
-              <a:lstStyle/>
-              <a:p>
-                <a:pPr marL="0" marR="0" lvl="0" indent="0" algn="ctr" defTabSz="914400" rtl="0" eaLnBrk="1" fontAlgn="auto" latinLnBrk="0" hangingPunct="1">
-                  <a:lnSpc>
-                    <a:spcPct val="100000"/>
-                  </a:lnSpc>
-                  <a:spcBef>
-                    <a:spcPts val="0"/>
-                  </a:spcBef>
-                  <a:spcAft>
-                    <a:spcPts val="0"/>
-                  </a:spcAft>
-                  <a:buClrTx/>
-                  <a:buSzTx/>
-                  <a:buFontTx/>
-                  <a:buNone/>
-                  <a:tabLst/>
-                  <a:defRPr/>
-                </a:pPr>
-                <a:endParaRPr kumimoji="0" lang="en-US" sz="1800" b="0" i="0" u="none" strike="noStrike" kern="1200" cap="none" spc="0" normalizeH="0" baseline="0" noProof="0">
-                  <a:ln>
-                    <a:noFill/>
-                  </a:ln>
-                  <a:solidFill>
-                    <a:srgbClr val="282F39"/>
-                  </a:solidFill>
-                  <a:effectLst/>
-                  <a:uLnTx/>
-                  <a:uFillTx/>
-                  <a:latin typeface="Calibri" panose="020F0502020204030204"/>
-                  <a:ea typeface="+mn-ea"/>
-                  <a:cs typeface="+mn-cs"/>
-                </a:endParaRPr>
-              </a:p>
-            </p:txBody>
-          </p:sp>
-          <p:sp>
-            <p:nvSpPr>
-              <p:cNvPr id="13" name="Rectangle 12">
-                <a:extLst>
-                  <a:ext uri="{FF2B5EF4-FFF2-40B4-BE49-F238E27FC236}">
-                    <a16:creationId xmlns:a16="http://schemas.microsoft.com/office/drawing/2014/main" id="{2AA8092F-DB39-4146-B62D-28C4AD14C771}"/>
-                  </a:ext>
-                </a:extLst>
-              </p:cNvPr>
-              <p:cNvSpPr/>
-              <p:nvPr/>
-            </p:nvSpPr>
-            <p:spPr>
-              <a:xfrm>
-                <a:off x="7779408" y="2153920"/>
-                <a:ext cx="1623671" cy="1137920"/>
-              </a:xfrm>
-              <a:prstGeom prst="rect">
-                <a:avLst/>
-              </a:prstGeom>
-              <a:grpFill/>
-              <a:ln>
-                <a:noFill/>
-              </a:ln>
-            </p:spPr>
-            <p:style>
-              <a:lnRef idx="2">
-                <a:schemeClr val="accent1">
-                  <a:shade val="50000"/>
-                </a:schemeClr>
-              </a:lnRef>
-              <a:fillRef idx="1">
-                <a:schemeClr val="accent1"/>
-              </a:fillRef>
-              <a:effectRef idx="0">
-                <a:schemeClr val="accent1"/>
-              </a:effectRef>
-              <a:fontRef idx="minor">
-                <a:schemeClr val="lt1"/>
-              </a:fontRef>
-            </p:style>
-            <p:txBody>
-              <a:bodyPr rtlCol="0" anchor="ctr"/>
-              <a:lstStyle/>
-              <a:p>
-                <a:pPr marL="0" marR="0" lvl="0" indent="0" algn="ctr" defTabSz="914400" rtl="0" eaLnBrk="1" fontAlgn="auto" latinLnBrk="0" hangingPunct="1">
-                  <a:lnSpc>
-                    <a:spcPct val="100000"/>
-                  </a:lnSpc>
-                  <a:spcBef>
-                    <a:spcPts val="0"/>
-                  </a:spcBef>
-                  <a:spcAft>
-                    <a:spcPts val="0"/>
-                  </a:spcAft>
-                  <a:buClrTx/>
-                  <a:buSzTx/>
-                  <a:buFontTx/>
-                  <a:buNone/>
-                  <a:tabLst/>
-                  <a:defRPr/>
-                </a:pPr>
-                <a:endParaRPr kumimoji="0" lang="en-US" sz="1800" b="0" i="0" u="none" strike="noStrike" kern="1200" cap="none" spc="0" normalizeH="0" baseline="0" noProof="0">
-                  <a:ln>
-                    <a:noFill/>
-                  </a:ln>
-                  <a:solidFill>
-                    <a:srgbClr val="FFFFFF"/>
-                  </a:solidFill>
-                  <a:effectLst/>
-                  <a:uLnTx/>
-                  <a:uFillTx/>
-                  <a:latin typeface="Calibri" panose="020F0502020204030204"/>
-                  <a:ea typeface="+mn-ea"/>
-                  <a:cs typeface="+mn-cs"/>
-                </a:endParaRPr>
-              </a:p>
-            </p:txBody>
-          </p:sp>
-        </p:grpSp>
-        <p:pic>
-          <p:nvPicPr>
-            <p:cNvPr id="10" name="Image 9">
-              <a:extLst>
-                <a:ext uri="{FF2B5EF4-FFF2-40B4-BE49-F238E27FC236}">
-                  <a16:creationId xmlns:a16="http://schemas.microsoft.com/office/drawing/2014/main" id="{E96777B5-F0C6-4D16-AFD9-64C60E37D65C}"/>
-                </a:ext>
-              </a:extLst>
-            </p:cNvPr>
-            <p:cNvPicPr>
-              <a:picLocks noChangeAspect="1"/>
-            </p:cNvPicPr>
-            <p:nvPr/>
-          </p:nvPicPr>
-          <p:blipFill>
-            <a:blip r:embed="rId3">
-              <a:extLst>
-                <a:ext uri="{28A0092B-C50C-407E-A947-70E740481C1C}">
-                  <a14:useLocalDpi xmlns:a14="http://schemas.microsoft.com/office/drawing/2010/main" val="0"/>
-                </a:ext>
-              </a:extLst>
-            </a:blip>
-            <a:stretch>
-              <a:fillRect/>
-            </a:stretch>
-          </p:blipFill>
-          <p:spPr>
-            <a:xfrm>
-              <a:off x="179409" y="6291414"/>
-              <a:ext cx="2792392" cy="523574"/>
-            </a:xfrm>
-            <a:prstGeom prst="rect">
-              <a:avLst/>
-            </a:prstGeom>
-          </p:spPr>
-        </p:pic>
-        <p:sp>
-          <p:nvSpPr>
-            <p:cNvPr id="11" name="Oval 36">
-              <a:extLst>
-                <a:ext uri="{FF2B5EF4-FFF2-40B4-BE49-F238E27FC236}">
-                  <a16:creationId xmlns:a16="http://schemas.microsoft.com/office/drawing/2014/main" id="{5FE24C0F-F03D-4439-A7C9-ED4D9D61ACEE}"/>
-                </a:ext>
-              </a:extLst>
-            </p:cNvPr>
-            <p:cNvSpPr/>
-            <p:nvPr/>
-          </p:nvSpPr>
-          <p:spPr>
-            <a:xfrm>
-              <a:off x="11375737" y="6318116"/>
-              <a:ext cx="451117" cy="451117"/>
-            </a:xfrm>
-            <a:prstGeom prst="ellipse">
-              <a:avLst/>
-            </a:prstGeom>
-            <a:solidFill>
-              <a:schemeClr val="accent3"/>
-            </a:solidFill>
-            <a:ln>
-              <a:noFill/>
-            </a:ln>
-          </p:spPr>
-          <p:style>
-            <a:lnRef idx="2">
-              <a:schemeClr val="accent1">
-                <a:shade val="50000"/>
-              </a:schemeClr>
-            </a:lnRef>
-            <a:fillRef idx="1">
-              <a:schemeClr val="accent1"/>
-            </a:fillRef>
-            <a:effectRef idx="0">
-              <a:schemeClr val="accent1"/>
-            </a:effectRef>
-            <a:fontRef idx="minor">
-              <a:schemeClr val="lt1"/>
-            </a:fontRef>
-          </p:style>
-          <p:txBody>
-            <a:bodyPr wrap="none" rtlCol="0" anchor="ctr">
-              <a:noAutofit/>
-            </a:bodyPr>
-            <a:lstStyle/>
-            <a:p>
-              <a:pPr marL="0" marR="0" lvl="0" indent="0" algn="ctr" defTabSz="914400" rtl="0" eaLnBrk="1" fontAlgn="auto" latinLnBrk="0" hangingPunct="1">
-                <a:lnSpc>
-                  <a:spcPct val="100000"/>
-                </a:lnSpc>
-                <a:spcBef>
-                  <a:spcPts val="0"/>
-                </a:spcBef>
-                <a:spcAft>
-                  <a:spcPts val="0"/>
-                </a:spcAft>
-                <a:buClrTx/>
-                <a:buSzTx/>
-                <a:buFontTx/>
-                <a:buNone/>
-                <a:tabLst/>
-                <a:defRPr/>
-              </a:pPr>
-              <a:fld id="{7E0242AA-0BC4-40C4-BB34-22B5E61FB40A}" type="slidenum">
-                <a:rPr lang="en-GB" dirty="0">
-                  <a:solidFill>
-                    <a:srgbClr val="FFFFFF"/>
-                  </a:solidFill>
-                  <a:latin typeface="Noto Sans" panose="020B0502040504020204" pitchFamily="34"/>
-                  <a:ea typeface="Noto Sans" panose="020B0502040504020204" pitchFamily="34"/>
-                  <a:cs typeface="Noto Sans" panose="020B0502040504020204" pitchFamily="34"/>
-                </a:rPr>
-                <a:t>5</a:t>
-              </a:fld>
-              <a:endParaRPr kumimoji="0" lang="en-GB" sz="1800" b="0" i="0" u="none" strike="noStrike" kern="1200" cap="none" spc="0" normalizeH="0" baseline="0" noProof="0" dirty="0">
-                <a:ln>
-                  <a:noFill/>
-                </a:ln>
-                <a:solidFill>
-                  <a:srgbClr val="FFFFFF"/>
-                </a:solidFill>
-                <a:effectLst/>
-                <a:uLnTx/>
-                <a:uFillTx/>
-                <a:latin typeface="Noto Sans" panose="020B0502040504020204" pitchFamily="34"/>
-                <a:ea typeface="Noto Sans" panose="020B0502040504020204" pitchFamily="34"/>
-                <a:cs typeface="Noto Sans" panose="020B0502040504020204" pitchFamily="34"/>
-              </a:endParaRPr>
-            </a:p>
-          </p:txBody>
-        </p:sp>
-      </p:grpSp>
-      <p:sp>
-        <p:nvSpPr>
-          <p:cNvPr id="18" name="ZoneTexte 17">
-            <a:extLst>
-              <a:ext uri="{FF2B5EF4-FFF2-40B4-BE49-F238E27FC236}">
-                <a16:creationId xmlns:a16="http://schemas.microsoft.com/office/drawing/2014/main" id="{CA85F80D-4F98-441E-9A87-14C24B1D779D}"/>
-              </a:ext>
-            </a:extLst>
-          </p:cNvPr>
-          <p:cNvSpPr txBox="1"/>
-          <p:nvPr/>
-        </p:nvSpPr>
-        <p:spPr>
-          <a:xfrm>
-            <a:off x="4137731" y="4822088"/>
-            <a:ext cx="1958267" cy="369332"/>
-          </a:xfrm>
-          <a:prstGeom prst="rect">
-            <a:avLst/>
-          </a:prstGeom>
-          <a:noFill/>
-        </p:spPr>
-        <p:txBody>
-          <a:bodyPr wrap="square" rtlCol="0">
-            <a:spAutoFit/>
-          </a:bodyPr>
-          <a:lstStyle/>
-          <a:p>
-            <a:endParaRPr lang="fr-CH" dirty="0">
-              <a:solidFill>
-                <a:schemeClr val="bg1"/>
-              </a:solidFill>
-            </a:endParaRPr>
-          </a:p>
-        </p:txBody>
-      </p:sp>
-      <p:pic>
-        <p:nvPicPr>
-          <p:cNvPr id="16" name="Graphic 15">
-            <a:extLst>
-              <a:ext uri="{FF2B5EF4-FFF2-40B4-BE49-F238E27FC236}">
-                <a16:creationId xmlns:a16="http://schemas.microsoft.com/office/drawing/2014/main" id="{1B5CE031-4D27-9A67-BCA0-F93A6A676557}"/>
-              </a:ext>
-            </a:extLst>
-          </p:cNvPr>
-          <p:cNvPicPr>
-            <a:picLocks noChangeAspect="1"/>
-          </p:cNvPicPr>
-          <p:nvPr/>
-        </p:nvPicPr>
-        <p:blipFill>
-          <a:blip r:embed="rId4">
-            <a:extLst>
-              <a:ext uri="{28A0092B-C50C-407E-A947-70E740481C1C}">
-                <a14:useLocalDpi xmlns:a14="http://schemas.microsoft.com/office/drawing/2010/main" val="0"/>
-              </a:ext>
-              <a:ext uri="{96DAC541-7B7A-43D3-8B79-37D633B846F1}">
-                <asvg:svgBlip xmlns:asvg="http://schemas.microsoft.com/office/drawing/2016/SVG/main" r:embed="rId5"/>
-              </a:ext>
-            </a:extLst>
-          </a:blip>
-          <a:stretch>
-            <a:fillRect/>
-          </a:stretch>
-        </p:blipFill>
-        <p:spPr>
-          <a:xfrm>
-            <a:off x="4694562" y="1138706"/>
-            <a:ext cx="6940225" cy="4735529"/>
-          </a:xfrm>
-          <a:prstGeom prst="rect">
-            <a:avLst/>
-          </a:prstGeom>
-        </p:spPr>
-      </p:pic>
-    </p:spTree>
-    <p:extLst>
-      <p:ext uri="{BB962C8B-B14F-4D97-AF65-F5344CB8AC3E}">
-        <p14:creationId xmlns:p14="http://schemas.microsoft.com/office/powerpoint/2010/main" val="1799826325"/>
-      </p:ext>
-    </p:extLst>
-  </p:cSld>
-  <p:clrMapOvr>
-    <a:masterClrMapping/>
-  </p:clrMapOvr>
-  <p:timing>
-    <p:tnLst>
-      <p:par>
-        <p:cTn id="1" dur="indefinite" restart="never" nodeType="tmRoot">
-          <p:childTnLst>
-            <p:seq concurrent="1" nextAc="seek">
-              <p:cTn id="2" dur="indefinite" nodeType="mainSeq">
-                <p:childTnLst>
-                  <p:par>
-                    <p:cTn id="3" fill="hold">
-                      <p:stCondLst>
-                        <p:cond delay="indefinite"/>
-                        <p:cond evt="onBegin" delay="0">
-                          <p:tn val="2"/>
-                        </p:cond>
-                      </p:stCondLst>
-                      <p:childTnLst>
-                        <p:par>
-                          <p:cTn id="4" fill="hold">
-                            <p:stCondLst>
-                              <p:cond delay="0"/>
-                            </p:stCondLst>
-                            <p:childTnLst>
-                              <p:par>
-                                <p:cTn id="5" presetID="1" presetClass="entr" presetSubtype="0" fill="hold" nodeType="withEffect">
-                                  <p:stCondLst>
-                                    <p:cond delay="0"/>
-                                  </p:stCondLst>
-                                  <p:childTnLst>
-                                    <p:set>
-                                      <p:cBhvr>
-                                        <p:cTn id="6" dur="1" fill="hold">
-                                          <p:stCondLst>
-                                            <p:cond delay="0"/>
-                                          </p:stCondLst>
-                                        </p:cTn>
-                                        <p:tgtEl>
-                                          <p:spTgt spid="26">
-                                            <p:txEl>
-                                              <p:pRg st="0" end="0"/>
-                                            </p:txEl>
-                                          </p:spTgt>
-                                        </p:tgtEl>
-                                        <p:attrNameLst>
-                                          <p:attrName>style.visibility</p:attrName>
-                                        </p:attrNameLst>
-                                      </p:cBhvr>
-                                      <p:to>
-                                        <p:strVal val="visible"/>
-                                      </p:to>
-                                    </p:set>
-                                  </p:childTnLst>
-                                </p:cTn>
-                              </p:par>
-                            </p:childTnLst>
-                          </p:cTn>
-                        </p:par>
-                      </p:childTnLst>
-                    </p:cTn>
-                  </p:par>
-                  <p:par>
-                    <p:cTn id="7" fill="hold">
-                      <p:stCondLst>
-                        <p:cond delay="indefinite"/>
-                      </p:stCondLst>
-                      <p:childTnLst>
-                        <p:par>
-                          <p:cTn id="8" fill="hold">
-                            <p:stCondLst>
-                              <p:cond delay="0"/>
-                            </p:stCondLst>
-                            <p:childTnLst>
-                              <p:par>
-                                <p:cTn id="9" presetID="1" presetClass="entr" presetSubtype="0" fill="hold" nodeType="clickEffect">
-                                  <p:stCondLst>
-                                    <p:cond delay="0"/>
-                                  </p:stCondLst>
-                                  <p:childTnLst>
-                                    <p:set>
-                                      <p:cBhvr>
-                                        <p:cTn id="10" dur="1" fill="hold">
-                                          <p:stCondLst>
-                                            <p:cond delay="0"/>
-                                          </p:stCondLst>
-                                        </p:cTn>
-                                        <p:tgtEl>
-                                          <p:spTgt spid="26">
-                                            <p:txEl>
-                                              <p:pRg st="1" end="1"/>
-                                            </p:txEl>
-                                          </p:spTgt>
-                                        </p:tgtEl>
-                                        <p:attrNameLst>
-                                          <p:attrName>style.visibility</p:attrName>
-                                        </p:attrNameLst>
-                                      </p:cBhvr>
-                                      <p:to>
-                                        <p:strVal val="visible"/>
-                                      </p:to>
-                                    </p:set>
-                                  </p:childTnLst>
-                                </p:cTn>
-                              </p:par>
-                            </p:childTnLst>
-                          </p:cTn>
-                        </p:par>
-                      </p:childTnLst>
-                    </p:cTn>
-                  </p:par>
-                  <p:par>
-                    <p:cTn id="11" fill="hold">
-                      <p:stCondLst>
-                        <p:cond delay="indefinite"/>
-                      </p:stCondLst>
-                      <p:childTnLst>
-                        <p:par>
-                          <p:cTn id="12" fill="hold">
-                            <p:stCondLst>
-                              <p:cond delay="0"/>
-                            </p:stCondLst>
-                            <p:childTnLst>
-                              <p:par>
-                                <p:cTn id="13" presetID="1" presetClass="entr" presetSubtype="0" fill="hold" nodeType="clickEffect">
-                                  <p:stCondLst>
-                                    <p:cond delay="0"/>
-                                  </p:stCondLst>
-                                  <p:childTnLst>
-                                    <p:set>
-                                      <p:cBhvr>
-                                        <p:cTn id="14" dur="1" fill="hold">
-                                          <p:stCondLst>
-                                            <p:cond delay="0"/>
-                                          </p:stCondLst>
-                                        </p:cTn>
-                                        <p:tgtEl>
-                                          <p:spTgt spid="26">
-                                            <p:txEl>
-                                              <p:pRg st="2" end="2"/>
-                                            </p:txEl>
-                                          </p:spTgt>
-                                        </p:tgtEl>
-                                        <p:attrNameLst>
-                                          <p:attrName>style.visibility</p:attrName>
-                                        </p:attrNameLst>
-                                      </p:cBhvr>
-                                      <p:to>
-                                        <p:strVal val="visible"/>
-                                      </p:to>
-                                    </p:set>
-                                  </p:childTnLst>
-                                </p:cTn>
-                              </p:par>
-                            </p:childTnLst>
-                          </p:cTn>
-                        </p:par>
-                      </p:childTnLst>
-                    </p:cTn>
-                  </p:par>
-                  <p:par>
-                    <p:cTn id="15" fill="hold">
-                      <p:stCondLst>
-                        <p:cond delay="indefinite"/>
-                      </p:stCondLst>
-                      <p:childTnLst>
-                        <p:par>
-                          <p:cTn id="16" fill="hold">
-                            <p:stCondLst>
-                              <p:cond delay="0"/>
-                            </p:stCondLst>
-                            <p:childTnLst>
-                              <p:par>
-                                <p:cTn id="17" presetID="1" presetClass="entr" presetSubtype="0" fill="hold" nodeType="clickEffect">
-                                  <p:stCondLst>
-                                    <p:cond delay="0"/>
-                                  </p:stCondLst>
-                                  <p:childTnLst>
-                                    <p:set>
-                                      <p:cBhvr>
-                                        <p:cTn id="18" dur="1" fill="hold">
-                                          <p:stCondLst>
-                                            <p:cond delay="0"/>
-                                          </p:stCondLst>
-                                        </p:cTn>
-                                        <p:tgtEl>
-                                          <p:spTgt spid="26">
-                                            <p:txEl>
-                                              <p:pRg st="3" end="3"/>
-                                            </p:txEl>
-                                          </p:spTgt>
-                                        </p:tgtEl>
-                                        <p:attrNameLst>
-                                          <p:attrName>style.visibility</p:attrName>
-                                        </p:attrNameLst>
-                                      </p:cBhvr>
-                                      <p:to>
-                                        <p:strVal val="visible"/>
-                                      </p:to>
-                                    </p:set>
-                                  </p:childTnLst>
-                                </p:cTn>
-                              </p:par>
-                              <p:par>
-                                <p:cTn id="19" presetID="1" presetClass="entr" presetSubtype="0" fill="hold" nodeType="withEffect">
-                                  <p:stCondLst>
-                                    <p:cond delay="0"/>
-                                  </p:stCondLst>
-                                  <p:childTnLst>
-                                    <p:set>
-                                      <p:cBhvr>
-                                        <p:cTn id="20" dur="1" fill="hold">
-                                          <p:stCondLst>
-                                            <p:cond delay="0"/>
-                                          </p:stCondLst>
-                                        </p:cTn>
-                                        <p:tgtEl>
-                                          <p:spTgt spid="26">
-                                            <p:txEl>
-                                              <p:pRg st="4" end="4"/>
-                                            </p:txEl>
-                                          </p:spTgt>
-                                        </p:tgtEl>
-                                        <p:attrNameLst>
-                                          <p:attrName>style.visibility</p:attrName>
-                                        </p:attrNameLst>
-                                      </p:cBhvr>
-                                      <p:to>
-                                        <p:strVal val="visible"/>
-                                      </p:to>
-                                    </p:set>
-                                  </p:childTnLst>
-                                </p:cTn>
-                              </p:par>
-                            </p:childTnLst>
-                          </p:cTn>
-                        </p:par>
-                      </p:childTnLst>
-                    </p:cTn>
-                  </p:par>
-                </p:childTnLst>
-              </p:cTn>
-              <p:prevCondLst>
-                <p:cond evt="onPrev" delay="0">
-                  <p:tgtEl>
-                    <p:sldTgt/>
-                  </p:tgtEl>
-                </p:cond>
-              </p:prevCondLst>
-              <p:nextCondLst>
-                <p:cond evt="onNext" delay="0">
-                  <p:tgtEl>
-                    <p:sldTgt/>
-                  </p:tgtEl>
-                </p:cond>
-              </p:nextCondLst>
-            </p:seq>
-          </p:childTnLst>
-        </p:cTn>
-      </p:par>
-    </p:tnLst>
-  </p:timing>
-</p:sld>
-</file>
-
-<file path=ppt/slides/slide6.xml><?xml version="1.0" encoding="utf-8"?>
 <p:sld xmlns:a="http://schemas.openxmlformats.org/drawingml/2006/main" xmlns:r="http://schemas.openxmlformats.org/officeDocument/2006/relationships" xmlns:p="http://schemas.openxmlformats.org/presentationml/2006/main">
   <p:cSld>
     <p:bg>
@@ -18571,7 +18780,7 @@
                   <a:ea typeface="Noto Sans" panose="020B0502040504020204" pitchFamily="34"/>
                   <a:cs typeface="Noto Sans" panose="020B0502040504020204" pitchFamily="34"/>
                 </a:rPr>
-                <a:t>6</a:t>
+                <a:t>5</a:t>
               </a:fld>
               <a:endParaRPr kumimoji="0" lang="en-GB" sz="1800" b="0" i="0" u="none" strike="noStrike" kern="1200" cap="none" spc="0" normalizeH="0" baseline="0" noProof="0" dirty="0">
                 <a:ln>
@@ -18959,6 +19168,1296 @@
 </p:sld>
 </file>
 
+<file path=ppt/slides/slide6.xml><?xml version="1.0" encoding="utf-8"?>
+<p:sld xmlns:a="http://schemas.openxmlformats.org/drawingml/2006/main" xmlns:r="http://schemas.openxmlformats.org/officeDocument/2006/relationships" xmlns:p="http://schemas.openxmlformats.org/presentationml/2006/main">
+  <p:cSld>
+    <p:bg>
+      <p:bgPr>
+        <a:solidFill>
+          <a:schemeClr val="tx1"/>
+        </a:solidFill>
+        <a:effectLst/>
+      </p:bgPr>
+    </p:bg>
+    <p:spTree>
+      <p:nvGrpSpPr>
+        <p:cNvPr id="1" name=""/>
+        <p:cNvGrpSpPr/>
+        <p:nvPr/>
+      </p:nvGrpSpPr>
+      <p:grpSpPr>
+        <a:xfrm>
+          <a:off x="0" y="0"/>
+          <a:ext cx="0" cy="0"/>
+          <a:chOff x="0" y="0"/>
+          <a:chExt cx="0" cy="0"/>
+        </a:xfrm>
+      </p:grpSpPr>
+      <p:sp useBgFill="1">
+        <p:nvSpPr>
+          <p:cNvPr id="34" name="Rectangle 33">
+            <a:extLst>
+              <a:ext uri="{FF2B5EF4-FFF2-40B4-BE49-F238E27FC236}">
+                <a16:creationId xmlns:a16="http://schemas.microsoft.com/office/drawing/2014/main" id="{A24BDD9D-20B6-40E3-9E28-6CE30794BDB6}"/>
+              </a:ext>
+              <a:ext uri="{C183D7F6-B498-43B3-948B-1728B52AA6E4}">
+                <adec:decorative xmlns:adec="http://schemas.microsoft.com/office/drawing/2017/decorative" val="1"/>
+              </a:ext>
+            </a:extLst>
+          </p:cNvPr>
+          <p:cNvSpPr>
+            <a:spLocks noGrp="1" noRot="1" noChangeAspect="1" noMove="1" noResize="1" noEditPoints="1" noAdjustHandles="1" noChangeArrowheads="1" noChangeShapeType="1" noTextEdit="1"/>
+          </p:cNvSpPr>
+          <p:nvPr>
+            <p:extLst>
+              <p:ext uri="{386F3935-93C4-4BCD-93E2-E3B085C9AB24}">
+                <p16:designElem xmlns:p16="http://schemas.microsoft.com/office/powerpoint/2015/main" val="1"/>
+              </p:ext>
+            </p:extLst>
+          </p:nvPr>
+        </p:nvSpPr>
+        <p:spPr>
+          <a:xfrm>
+            <a:off x="0" y="0"/>
+            <a:ext cx="12191999" cy="6858000"/>
+          </a:xfrm>
+          <a:prstGeom prst="rect">
+            <a:avLst/>
+          </a:prstGeom>
+          <a:ln>
+            <a:noFill/>
+          </a:ln>
+        </p:spPr>
+        <p:style>
+          <a:lnRef idx="2">
+            <a:schemeClr val="accent1">
+              <a:shade val="50000"/>
+            </a:schemeClr>
+          </a:lnRef>
+          <a:fillRef idx="1">
+            <a:schemeClr val="accent1"/>
+          </a:fillRef>
+          <a:effectRef idx="0">
+            <a:schemeClr val="accent1"/>
+          </a:effectRef>
+          <a:fontRef idx="minor">
+            <a:schemeClr val="lt1"/>
+          </a:fontRef>
+        </p:style>
+        <p:txBody>
+          <a:bodyPr rtlCol="0" anchor="ctr"/>
+          <a:lstStyle/>
+          <a:p>
+            <a:pPr marL="0" marR="0" lvl="0" indent="0" algn="ctr" defTabSz="457200" rtl="0" eaLnBrk="1" fontAlgn="auto" latinLnBrk="0" hangingPunct="1">
+              <a:lnSpc>
+                <a:spcPct val="100000"/>
+              </a:lnSpc>
+              <a:spcBef>
+                <a:spcPts val="0"/>
+              </a:spcBef>
+              <a:spcAft>
+                <a:spcPts val="0"/>
+              </a:spcAft>
+              <a:buClrTx/>
+              <a:buSzTx/>
+              <a:buFontTx/>
+              <a:buNone/>
+              <a:tabLst/>
+              <a:defRPr/>
+            </a:pPr>
+            <a:endParaRPr kumimoji="0" lang="en-US" sz="1800" b="0" i="0" u="none" strike="noStrike" kern="1200" cap="none" spc="0" normalizeH="0" baseline="0" noProof="0">
+              <a:ln>
+                <a:noFill/>
+              </a:ln>
+              <a:solidFill>
+                <a:srgbClr val="FFFFFF"/>
+              </a:solidFill>
+              <a:effectLst/>
+              <a:uLnTx/>
+              <a:uFillTx/>
+              <a:latin typeface="Corbel" panose="020B0503020204020204"/>
+              <a:ea typeface="+mn-ea"/>
+              <a:cs typeface="+mn-cs"/>
+            </a:endParaRPr>
+          </a:p>
+        </p:txBody>
+      </p:sp>
+      <p:sp>
+        <p:nvSpPr>
+          <p:cNvPr id="36" name="Rectangle 35">
+            <a:extLst>
+              <a:ext uri="{FF2B5EF4-FFF2-40B4-BE49-F238E27FC236}">
+                <a16:creationId xmlns:a16="http://schemas.microsoft.com/office/drawing/2014/main" id="{22C07570-D389-43F2-853C-1F7B8790F1CD}"/>
+              </a:ext>
+              <a:ext uri="{C183D7F6-B498-43B3-948B-1728B52AA6E4}">
+                <adec:decorative xmlns:adec="http://schemas.microsoft.com/office/drawing/2017/decorative" val="1"/>
+              </a:ext>
+            </a:extLst>
+          </p:cNvPr>
+          <p:cNvSpPr>
+            <a:spLocks noGrp="1" noRot="1" noChangeAspect="1" noMove="1" noResize="1" noEditPoints="1" noAdjustHandles="1" noChangeArrowheads="1" noChangeShapeType="1" noTextEdit="1"/>
+          </p:cNvSpPr>
+          <p:nvPr>
+            <p:extLst>
+              <p:ext uri="{386F3935-93C4-4BCD-93E2-E3B085C9AB24}">
+                <p16:designElem xmlns:p16="http://schemas.microsoft.com/office/powerpoint/2015/main" val="1"/>
+              </p:ext>
+            </p:extLst>
+          </p:nvPr>
+        </p:nvSpPr>
+        <p:spPr>
+          <a:xfrm>
+            <a:off x="1" y="1300114"/>
+            <a:ext cx="4053525" cy="4257773"/>
+          </a:xfrm>
+          <a:prstGeom prst="rect">
+            <a:avLst/>
+          </a:prstGeom>
+          <a:solidFill>
+            <a:schemeClr val="tx1">
+              <a:alpha val="85000"/>
+            </a:schemeClr>
+          </a:solidFill>
+          <a:ln>
+            <a:noFill/>
+          </a:ln>
+        </p:spPr>
+        <p:style>
+          <a:lnRef idx="2">
+            <a:schemeClr val="accent1">
+              <a:shade val="50000"/>
+            </a:schemeClr>
+          </a:lnRef>
+          <a:fillRef idx="1">
+            <a:schemeClr val="accent1"/>
+          </a:fillRef>
+          <a:effectRef idx="0">
+            <a:schemeClr val="accent1"/>
+          </a:effectRef>
+          <a:fontRef idx="minor">
+            <a:schemeClr val="lt1"/>
+          </a:fontRef>
+        </p:style>
+      </p:sp>
+      <p:sp>
+        <p:nvSpPr>
+          <p:cNvPr id="46" name="TextBox 4">
+            <a:extLst>
+              <a:ext uri="{FF2B5EF4-FFF2-40B4-BE49-F238E27FC236}">
+                <a16:creationId xmlns:a16="http://schemas.microsoft.com/office/drawing/2014/main" id="{BFBAD10B-613D-41FB-B077-779898450D5E}"/>
+              </a:ext>
+            </a:extLst>
+          </p:cNvPr>
+          <p:cNvSpPr txBox="1"/>
+          <p:nvPr/>
+        </p:nvSpPr>
+        <p:spPr>
+          <a:xfrm>
+            <a:off x="1202749" y="168473"/>
+            <a:ext cx="9673702" cy="861774"/>
+          </a:xfrm>
+          <a:prstGeom prst="rect">
+            <a:avLst/>
+          </a:prstGeom>
+          <a:noFill/>
+        </p:spPr>
+        <p:txBody>
+          <a:bodyPr wrap="square" rtlCol="0">
+            <a:spAutoFit/>
+          </a:bodyPr>
+          <a:lstStyle/>
+          <a:p>
+            <a:pPr marL="0" marR="0" lvl="0" indent="0" algn="ctr" defTabSz="914400" rtl="0" eaLnBrk="1" fontAlgn="auto" latinLnBrk="0" hangingPunct="1">
+              <a:lnSpc>
+                <a:spcPct val="100000"/>
+              </a:lnSpc>
+              <a:spcBef>
+                <a:spcPts val="0"/>
+              </a:spcBef>
+              <a:spcAft>
+                <a:spcPts val="0"/>
+              </a:spcAft>
+              <a:buClrTx/>
+              <a:buSzTx/>
+              <a:buFontTx/>
+              <a:buNone/>
+              <a:tabLst/>
+              <a:defRPr/>
+            </a:pPr>
+            <a:r>
+              <a:rPr kumimoji="0" lang="en-US" sz="5000" b="0" i="0" u="none" strike="noStrike" kern="1200" cap="none" spc="0" normalizeH="0" baseline="0" noProof="0" dirty="0">
+                <a:ln>
+                  <a:noFill/>
+                </a:ln>
+                <a:solidFill>
+                  <a:srgbClr val="FFFFFF"/>
+                </a:solidFill>
+                <a:effectLst/>
+                <a:uLnTx/>
+                <a:uFillTx/>
+                <a:latin typeface="Noto Sans" panose="020B0502040504020204" pitchFamily="34"/>
+                <a:ea typeface="Noto Sans" panose="020B0502040504020204" pitchFamily="34"/>
+                <a:cs typeface="Noto Sans" panose="020B0502040504020204" pitchFamily="34"/>
+              </a:rPr>
+              <a:t>Explications techniques</a:t>
+            </a:r>
+          </a:p>
+        </p:txBody>
+      </p:sp>
+      <p:sp>
+        <p:nvSpPr>
+          <p:cNvPr id="26" name="Sous-titre 25">
+            <a:extLst>
+              <a:ext uri="{FF2B5EF4-FFF2-40B4-BE49-F238E27FC236}">
+                <a16:creationId xmlns:a16="http://schemas.microsoft.com/office/drawing/2014/main" id="{691C461F-8270-4792-A900-B7135E2047F9}"/>
+              </a:ext>
+            </a:extLst>
+          </p:cNvPr>
+          <p:cNvSpPr>
+            <a:spLocks noGrp="1"/>
+          </p:cNvSpPr>
+          <p:nvPr>
+            <p:ph type="subTitle" idx="1"/>
+          </p:nvPr>
+        </p:nvSpPr>
+        <p:spPr>
+          <a:xfrm>
+            <a:off x="399282" y="1393088"/>
+            <a:ext cx="11235506" cy="4817151"/>
+          </a:xfrm>
+        </p:spPr>
+        <p:txBody>
+          <a:bodyPr>
+            <a:normAutofit/>
+          </a:bodyPr>
+          <a:lstStyle/>
+          <a:p>
+            <a:pPr marL="342900" indent="-342900" algn="l">
+              <a:lnSpc>
+                <a:spcPct val="150000"/>
+              </a:lnSpc>
+              <a:spcBef>
+                <a:spcPts val="1800"/>
+              </a:spcBef>
+              <a:buFont typeface="Arial" panose="020B0604020202020204" pitchFamily="34" charset="0"/>
+              <a:buChar char="•"/>
+            </a:pPr>
+            <a:r>
+              <a:rPr lang="fr-CH" dirty="0">
+                <a:solidFill>
+                  <a:schemeClr val="bg1"/>
+                </a:solidFill>
+                <a:latin typeface="Open Sans" panose="020B0606030504020204" pitchFamily="34" charset="0"/>
+                <a:ea typeface="Open Sans" panose="020B0606030504020204" pitchFamily="34" charset="0"/>
+                <a:cs typeface="Open Sans" panose="020B0606030504020204" pitchFamily="34" charset="0"/>
+              </a:rPr>
+              <a:t>Structure du projet</a:t>
+            </a:r>
+          </a:p>
+          <a:p>
+            <a:pPr marL="800100" lvl="1" indent="-342900" algn="l">
+              <a:lnSpc>
+                <a:spcPct val="150000"/>
+              </a:lnSpc>
+              <a:spcBef>
+                <a:spcPts val="1800"/>
+              </a:spcBef>
+              <a:buFont typeface="Arial" panose="020B0604020202020204" pitchFamily="34" charset="0"/>
+              <a:buChar char="•"/>
+            </a:pPr>
+            <a:r>
+              <a:rPr lang="fr-CH" dirty="0">
+                <a:solidFill>
+                  <a:schemeClr val="bg1"/>
+                </a:solidFill>
+                <a:latin typeface="Open Sans" panose="020B0606030504020204" pitchFamily="34" charset="0"/>
+                <a:ea typeface="Open Sans" panose="020B0606030504020204" pitchFamily="34" charset="0"/>
+                <a:cs typeface="Open Sans" panose="020B0606030504020204" pitchFamily="34" charset="0"/>
+              </a:rPr>
+              <a:t>Classe abstraite </a:t>
+            </a:r>
+            <a:r>
+              <a:rPr lang="fr-CH" i="1" dirty="0" err="1">
+                <a:solidFill>
+                  <a:schemeClr val="bg1"/>
+                </a:solidFill>
+                <a:latin typeface="Open Sans" panose="020B0606030504020204" pitchFamily="34" charset="0"/>
+                <a:ea typeface="Open Sans" panose="020B0606030504020204" pitchFamily="34" charset="0"/>
+                <a:cs typeface="Open Sans" panose="020B0606030504020204" pitchFamily="34" charset="0"/>
+              </a:rPr>
+              <a:t>Captor</a:t>
+            </a:r>
+            <a:endParaRPr lang="fr-CH" i="1" dirty="0">
+              <a:solidFill>
+                <a:schemeClr val="bg1"/>
+              </a:solidFill>
+              <a:latin typeface="Open Sans" panose="020B0606030504020204" pitchFamily="34" charset="0"/>
+              <a:ea typeface="Open Sans" panose="020B0606030504020204" pitchFamily="34" charset="0"/>
+              <a:cs typeface="Open Sans" panose="020B0606030504020204" pitchFamily="34" charset="0"/>
+            </a:endParaRPr>
+          </a:p>
+          <a:p>
+            <a:pPr marL="800100" lvl="1" indent="-342900" algn="l">
+              <a:lnSpc>
+                <a:spcPct val="150000"/>
+              </a:lnSpc>
+              <a:spcBef>
+                <a:spcPts val="1800"/>
+              </a:spcBef>
+              <a:buFont typeface="Arial" panose="020B0604020202020204" pitchFamily="34" charset="0"/>
+              <a:buChar char="•"/>
+            </a:pPr>
+            <a:r>
+              <a:rPr lang="fr-CH" dirty="0">
+                <a:solidFill>
+                  <a:schemeClr val="bg1"/>
+                </a:solidFill>
+                <a:latin typeface="Open Sans" panose="020B0606030504020204" pitchFamily="34" charset="0"/>
+                <a:ea typeface="Open Sans" panose="020B0606030504020204" pitchFamily="34" charset="0"/>
+                <a:cs typeface="Open Sans" panose="020B0606030504020204" pitchFamily="34" charset="0"/>
+              </a:rPr>
+              <a:t>Classe </a:t>
+            </a:r>
+            <a:r>
+              <a:rPr lang="fr-CH" i="1" dirty="0" err="1">
+                <a:solidFill>
+                  <a:schemeClr val="bg1"/>
+                </a:solidFill>
+                <a:latin typeface="Open Sans" panose="020B0606030504020204" pitchFamily="34" charset="0"/>
+                <a:ea typeface="Open Sans" panose="020B0606030504020204" pitchFamily="34" charset="0"/>
+                <a:cs typeface="Open Sans" panose="020B0606030504020204" pitchFamily="34" charset="0"/>
+              </a:rPr>
+              <a:t>Measure</a:t>
+            </a:r>
+            <a:endParaRPr lang="fr-CH" dirty="0">
+              <a:solidFill>
+                <a:schemeClr val="bg1"/>
+              </a:solidFill>
+              <a:latin typeface="Open Sans" panose="020B0606030504020204" pitchFamily="34" charset="0"/>
+              <a:ea typeface="Open Sans" panose="020B0606030504020204" pitchFamily="34" charset="0"/>
+              <a:cs typeface="Open Sans" panose="020B0606030504020204" pitchFamily="34" charset="0"/>
+            </a:endParaRPr>
+          </a:p>
+          <a:p>
+            <a:pPr marL="800100" lvl="1" indent="-342900" algn="l">
+              <a:lnSpc>
+                <a:spcPct val="150000"/>
+              </a:lnSpc>
+              <a:spcBef>
+                <a:spcPts val="1800"/>
+              </a:spcBef>
+              <a:buFont typeface="Arial" panose="020B0604020202020204" pitchFamily="34" charset="0"/>
+              <a:buChar char="•"/>
+            </a:pPr>
+            <a:r>
+              <a:rPr lang="fr-CH" dirty="0">
+                <a:solidFill>
+                  <a:schemeClr val="bg1"/>
+                </a:solidFill>
+                <a:latin typeface="Open Sans" panose="020B0606030504020204" pitchFamily="34" charset="0"/>
+                <a:ea typeface="Open Sans" panose="020B0606030504020204" pitchFamily="34" charset="0"/>
+                <a:cs typeface="Open Sans" panose="020B0606030504020204" pitchFamily="34" charset="0"/>
+              </a:rPr>
+              <a:t>Classe </a:t>
+            </a:r>
+            <a:r>
+              <a:rPr lang="fr-CH" i="1" dirty="0" err="1">
+                <a:solidFill>
+                  <a:schemeClr val="bg1"/>
+                </a:solidFill>
+                <a:latin typeface="Open Sans" panose="020B0606030504020204" pitchFamily="34" charset="0"/>
+                <a:ea typeface="Open Sans" panose="020B0606030504020204" pitchFamily="34" charset="0"/>
+                <a:cs typeface="Open Sans" panose="020B0606030504020204" pitchFamily="34" charset="0"/>
+              </a:rPr>
+              <a:t>Firefighter</a:t>
+            </a:r>
+            <a:endParaRPr lang="fr-CH" i="1" dirty="0">
+              <a:solidFill>
+                <a:schemeClr val="bg1"/>
+              </a:solidFill>
+              <a:latin typeface="Open Sans" panose="020B0606030504020204" pitchFamily="34" charset="0"/>
+              <a:ea typeface="Open Sans" panose="020B0606030504020204" pitchFamily="34" charset="0"/>
+              <a:cs typeface="Open Sans" panose="020B0606030504020204" pitchFamily="34" charset="0"/>
+            </a:endParaRPr>
+          </a:p>
+          <a:p>
+            <a:pPr marL="1257300" lvl="2" indent="-342900" algn="l">
+              <a:lnSpc>
+                <a:spcPct val="150000"/>
+              </a:lnSpc>
+              <a:spcBef>
+                <a:spcPts val="1800"/>
+              </a:spcBef>
+              <a:buFont typeface="Arial" panose="020B0604020202020204" pitchFamily="34" charset="0"/>
+              <a:buChar char="•"/>
+            </a:pPr>
+            <a:r>
+              <a:rPr lang="fr-CH" dirty="0">
+                <a:solidFill>
+                  <a:schemeClr val="bg1"/>
+                </a:solidFill>
+                <a:latin typeface="Open Sans" panose="020B0606030504020204" pitchFamily="34" charset="0"/>
+                <a:ea typeface="Open Sans" panose="020B0606030504020204" pitchFamily="34" charset="0"/>
+                <a:cs typeface="Open Sans" panose="020B0606030504020204" pitchFamily="34" charset="0"/>
+              </a:rPr>
+              <a:t>Cerveau, </a:t>
+            </a:r>
+            <a:r>
+              <a:rPr lang="fr-CH" dirty="0" err="1">
+                <a:solidFill>
+                  <a:schemeClr val="bg1"/>
+                </a:solidFill>
+                <a:latin typeface="Open Sans" panose="020B0606030504020204" pitchFamily="34" charset="0"/>
+                <a:ea typeface="Open Sans" panose="020B0606030504020204" pitchFamily="34" charset="0"/>
+                <a:cs typeface="Open Sans" panose="020B0606030504020204" pitchFamily="34" charset="0"/>
+              </a:rPr>
+              <a:t>producer</a:t>
+            </a:r>
+            <a:endParaRPr lang="fr-CH" dirty="0">
+              <a:solidFill>
+                <a:schemeClr val="bg1"/>
+              </a:solidFill>
+              <a:latin typeface="Open Sans" panose="020B0606030504020204" pitchFamily="34" charset="0"/>
+              <a:ea typeface="Open Sans" panose="020B0606030504020204" pitchFamily="34" charset="0"/>
+              <a:cs typeface="Open Sans" panose="020B0606030504020204" pitchFamily="34" charset="0"/>
+            </a:endParaRPr>
+          </a:p>
+          <a:p>
+            <a:pPr marL="800100" lvl="1" indent="-342900" algn="l">
+              <a:lnSpc>
+                <a:spcPct val="150000"/>
+              </a:lnSpc>
+              <a:spcBef>
+                <a:spcPts val="1800"/>
+              </a:spcBef>
+              <a:buFont typeface="Arial" panose="020B0604020202020204" pitchFamily="34" charset="0"/>
+              <a:buChar char="•"/>
+            </a:pPr>
+            <a:r>
+              <a:rPr lang="fr-CH" dirty="0">
+                <a:solidFill>
+                  <a:schemeClr val="bg1"/>
+                </a:solidFill>
+                <a:latin typeface="Open Sans" panose="020B0606030504020204" pitchFamily="34" charset="0"/>
+                <a:ea typeface="Open Sans" panose="020B0606030504020204" pitchFamily="34" charset="0"/>
+                <a:cs typeface="Open Sans" panose="020B0606030504020204" pitchFamily="34" charset="0"/>
+              </a:rPr>
+              <a:t>Classe </a:t>
+            </a:r>
+            <a:r>
+              <a:rPr lang="fr-CH" i="1" dirty="0" err="1">
+                <a:solidFill>
+                  <a:schemeClr val="bg1"/>
+                </a:solidFill>
+                <a:latin typeface="Open Sans" panose="020B0606030504020204" pitchFamily="34" charset="0"/>
+                <a:ea typeface="Open Sans" panose="020B0606030504020204" pitchFamily="34" charset="0"/>
+                <a:cs typeface="Open Sans" panose="020B0606030504020204" pitchFamily="34" charset="0"/>
+              </a:rPr>
+              <a:t>Concentrator</a:t>
+            </a:r>
+            <a:endParaRPr lang="fr-CH" i="1" dirty="0">
+              <a:solidFill>
+                <a:schemeClr val="bg1"/>
+              </a:solidFill>
+              <a:latin typeface="Open Sans" panose="020B0606030504020204" pitchFamily="34" charset="0"/>
+              <a:ea typeface="Open Sans" panose="020B0606030504020204" pitchFamily="34" charset="0"/>
+              <a:cs typeface="Open Sans" panose="020B0606030504020204" pitchFamily="34" charset="0"/>
+            </a:endParaRPr>
+          </a:p>
+          <a:p>
+            <a:pPr marL="1257300" lvl="2" indent="-342900" algn="l">
+              <a:lnSpc>
+                <a:spcPct val="150000"/>
+              </a:lnSpc>
+              <a:spcBef>
+                <a:spcPts val="1800"/>
+              </a:spcBef>
+              <a:buFont typeface="Arial" panose="020B0604020202020204" pitchFamily="34" charset="0"/>
+              <a:buChar char="•"/>
+            </a:pPr>
+            <a:r>
+              <a:rPr lang="fr-CH" dirty="0" err="1">
+                <a:solidFill>
+                  <a:schemeClr val="bg1"/>
+                </a:solidFill>
+                <a:latin typeface="Open Sans" panose="020B0606030504020204" pitchFamily="34" charset="0"/>
+                <a:ea typeface="Open Sans" panose="020B0606030504020204" pitchFamily="34" charset="0"/>
+                <a:cs typeface="Open Sans" panose="020B0606030504020204" pitchFamily="34" charset="0"/>
+              </a:rPr>
+              <a:t>Brocker</a:t>
+            </a:r>
+            <a:endParaRPr lang="fr-CH" dirty="0">
+              <a:solidFill>
+                <a:schemeClr val="bg1"/>
+              </a:solidFill>
+              <a:latin typeface="Open Sans" panose="020B0606030504020204" pitchFamily="34" charset="0"/>
+              <a:ea typeface="Open Sans" panose="020B0606030504020204" pitchFamily="34" charset="0"/>
+              <a:cs typeface="Open Sans" panose="020B0606030504020204" pitchFamily="34" charset="0"/>
+            </a:endParaRPr>
+          </a:p>
+        </p:txBody>
+      </p:sp>
+      <p:grpSp>
+        <p:nvGrpSpPr>
+          <p:cNvPr id="8" name="Groupe 7">
+            <a:extLst>
+              <a:ext uri="{FF2B5EF4-FFF2-40B4-BE49-F238E27FC236}">
+                <a16:creationId xmlns:a16="http://schemas.microsoft.com/office/drawing/2014/main" id="{5C16C7DD-D24A-4262-B2D0-426E83C04E5F}"/>
+              </a:ext>
+            </a:extLst>
+          </p:cNvPr>
+          <p:cNvGrpSpPr/>
+          <p:nvPr/>
+        </p:nvGrpSpPr>
+        <p:grpSpPr>
+          <a:xfrm>
+            <a:off x="-484642" y="6229350"/>
+            <a:ext cx="12676642" cy="628650"/>
+            <a:chOff x="-484642" y="6229350"/>
+            <a:chExt cx="12676642" cy="628650"/>
+          </a:xfrm>
+        </p:grpSpPr>
+        <p:grpSp>
+          <p:nvGrpSpPr>
+            <p:cNvPr id="9" name="Group 3">
+              <a:extLst>
+                <a:ext uri="{FF2B5EF4-FFF2-40B4-BE49-F238E27FC236}">
+                  <a16:creationId xmlns:a16="http://schemas.microsoft.com/office/drawing/2014/main" id="{5D651D4F-B8F6-4B90-B9C4-8D4685058C28}"/>
+                </a:ext>
+              </a:extLst>
+            </p:cNvPr>
+            <p:cNvGrpSpPr/>
+            <p:nvPr/>
+          </p:nvGrpSpPr>
+          <p:grpSpPr>
+            <a:xfrm>
+              <a:off x="-484642" y="6229350"/>
+              <a:ext cx="12676642" cy="628650"/>
+              <a:chOff x="2189480" y="2153920"/>
+              <a:chExt cx="7213599" cy="1137920"/>
+            </a:xfrm>
+            <a:solidFill>
+              <a:schemeClr val="bg1"/>
+            </a:solidFill>
+          </p:grpSpPr>
+          <p:sp>
+            <p:nvSpPr>
+              <p:cNvPr id="12" name="Arrow: Chevron 2">
+                <a:extLst>
+                  <a:ext uri="{FF2B5EF4-FFF2-40B4-BE49-F238E27FC236}">
+                    <a16:creationId xmlns:a16="http://schemas.microsoft.com/office/drawing/2014/main" id="{282C419D-BDA6-48EB-BA6B-75002DD5729F}"/>
+                  </a:ext>
+                </a:extLst>
+              </p:cNvPr>
+              <p:cNvSpPr/>
+              <p:nvPr/>
+            </p:nvSpPr>
+            <p:spPr>
+              <a:xfrm>
+                <a:off x="2189480" y="2153920"/>
+                <a:ext cx="7172960" cy="1137920"/>
+              </a:xfrm>
+              <a:prstGeom prst="chevron">
+                <a:avLst/>
+              </a:prstGeom>
+              <a:grpFill/>
+              <a:ln>
+                <a:noFill/>
+              </a:ln>
+            </p:spPr>
+            <p:style>
+              <a:lnRef idx="2">
+                <a:schemeClr val="accent1">
+                  <a:shade val="50000"/>
+                </a:schemeClr>
+              </a:lnRef>
+              <a:fillRef idx="1">
+                <a:schemeClr val="accent1"/>
+              </a:fillRef>
+              <a:effectRef idx="0">
+                <a:schemeClr val="accent1"/>
+              </a:effectRef>
+              <a:fontRef idx="minor">
+                <a:schemeClr val="lt1"/>
+              </a:fontRef>
+            </p:style>
+            <p:txBody>
+              <a:bodyPr rtlCol="0" anchor="ctr"/>
+              <a:lstStyle/>
+              <a:p>
+                <a:pPr marL="0" marR="0" lvl="0" indent="0" algn="ctr" defTabSz="914400" rtl="0" eaLnBrk="1" fontAlgn="auto" latinLnBrk="0" hangingPunct="1">
+                  <a:lnSpc>
+                    <a:spcPct val="100000"/>
+                  </a:lnSpc>
+                  <a:spcBef>
+                    <a:spcPts val="0"/>
+                  </a:spcBef>
+                  <a:spcAft>
+                    <a:spcPts val="0"/>
+                  </a:spcAft>
+                  <a:buClrTx/>
+                  <a:buSzTx/>
+                  <a:buFontTx/>
+                  <a:buNone/>
+                  <a:tabLst/>
+                  <a:defRPr/>
+                </a:pPr>
+                <a:endParaRPr kumimoji="0" lang="en-US" sz="1800" b="0" i="0" u="none" strike="noStrike" kern="1200" cap="none" spc="0" normalizeH="0" baseline="0" noProof="0">
+                  <a:ln>
+                    <a:noFill/>
+                  </a:ln>
+                  <a:solidFill>
+                    <a:srgbClr val="282F39"/>
+                  </a:solidFill>
+                  <a:effectLst/>
+                  <a:uLnTx/>
+                  <a:uFillTx/>
+                  <a:latin typeface="Calibri" panose="020F0502020204030204"/>
+                  <a:ea typeface="+mn-ea"/>
+                  <a:cs typeface="+mn-cs"/>
+                </a:endParaRPr>
+              </a:p>
+            </p:txBody>
+          </p:sp>
+          <p:sp>
+            <p:nvSpPr>
+              <p:cNvPr id="13" name="Rectangle 12">
+                <a:extLst>
+                  <a:ext uri="{FF2B5EF4-FFF2-40B4-BE49-F238E27FC236}">
+                    <a16:creationId xmlns:a16="http://schemas.microsoft.com/office/drawing/2014/main" id="{2AA8092F-DB39-4146-B62D-28C4AD14C771}"/>
+                  </a:ext>
+                </a:extLst>
+              </p:cNvPr>
+              <p:cNvSpPr/>
+              <p:nvPr/>
+            </p:nvSpPr>
+            <p:spPr>
+              <a:xfrm>
+                <a:off x="7779408" y="2153920"/>
+                <a:ext cx="1623671" cy="1137920"/>
+              </a:xfrm>
+              <a:prstGeom prst="rect">
+                <a:avLst/>
+              </a:prstGeom>
+              <a:grpFill/>
+              <a:ln>
+                <a:noFill/>
+              </a:ln>
+            </p:spPr>
+            <p:style>
+              <a:lnRef idx="2">
+                <a:schemeClr val="accent1">
+                  <a:shade val="50000"/>
+                </a:schemeClr>
+              </a:lnRef>
+              <a:fillRef idx="1">
+                <a:schemeClr val="accent1"/>
+              </a:fillRef>
+              <a:effectRef idx="0">
+                <a:schemeClr val="accent1"/>
+              </a:effectRef>
+              <a:fontRef idx="minor">
+                <a:schemeClr val="lt1"/>
+              </a:fontRef>
+            </p:style>
+            <p:txBody>
+              <a:bodyPr rtlCol="0" anchor="ctr"/>
+              <a:lstStyle/>
+              <a:p>
+                <a:pPr marL="0" marR="0" lvl="0" indent="0" algn="ctr" defTabSz="914400" rtl="0" eaLnBrk="1" fontAlgn="auto" latinLnBrk="0" hangingPunct="1">
+                  <a:lnSpc>
+                    <a:spcPct val="100000"/>
+                  </a:lnSpc>
+                  <a:spcBef>
+                    <a:spcPts val="0"/>
+                  </a:spcBef>
+                  <a:spcAft>
+                    <a:spcPts val="0"/>
+                  </a:spcAft>
+                  <a:buClrTx/>
+                  <a:buSzTx/>
+                  <a:buFontTx/>
+                  <a:buNone/>
+                  <a:tabLst/>
+                  <a:defRPr/>
+                </a:pPr>
+                <a:endParaRPr kumimoji="0" lang="en-US" sz="1800" b="0" i="0" u="none" strike="noStrike" kern="1200" cap="none" spc="0" normalizeH="0" baseline="0" noProof="0">
+                  <a:ln>
+                    <a:noFill/>
+                  </a:ln>
+                  <a:solidFill>
+                    <a:srgbClr val="FFFFFF"/>
+                  </a:solidFill>
+                  <a:effectLst/>
+                  <a:uLnTx/>
+                  <a:uFillTx/>
+                  <a:latin typeface="Calibri" panose="020F0502020204030204"/>
+                  <a:ea typeface="+mn-ea"/>
+                  <a:cs typeface="+mn-cs"/>
+                </a:endParaRPr>
+              </a:p>
+            </p:txBody>
+          </p:sp>
+        </p:grpSp>
+        <p:pic>
+          <p:nvPicPr>
+            <p:cNvPr id="10" name="Image 9">
+              <a:extLst>
+                <a:ext uri="{FF2B5EF4-FFF2-40B4-BE49-F238E27FC236}">
+                  <a16:creationId xmlns:a16="http://schemas.microsoft.com/office/drawing/2014/main" id="{E96777B5-F0C6-4D16-AFD9-64C60E37D65C}"/>
+                </a:ext>
+              </a:extLst>
+            </p:cNvPr>
+            <p:cNvPicPr>
+              <a:picLocks noChangeAspect="1"/>
+            </p:cNvPicPr>
+            <p:nvPr/>
+          </p:nvPicPr>
+          <p:blipFill>
+            <a:blip r:embed="rId3">
+              <a:extLst>
+                <a:ext uri="{28A0092B-C50C-407E-A947-70E740481C1C}">
+                  <a14:useLocalDpi xmlns:a14="http://schemas.microsoft.com/office/drawing/2010/main" val="0"/>
+                </a:ext>
+              </a:extLst>
+            </a:blip>
+            <a:stretch>
+              <a:fillRect/>
+            </a:stretch>
+          </p:blipFill>
+          <p:spPr>
+            <a:xfrm>
+              <a:off x="179409" y="6291414"/>
+              <a:ext cx="2792392" cy="523574"/>
+            </a:xfrm>
+            <a:prstGeom prst="rect">
+              <a:avLst/>
+            </a:prstGeom>
+          </p:spPr>
+        </p:pic>
+        <p:sp>
+          <p:nvSpPr>
+            <p:cNvPr id="11" name="Oval 36">
+              <a:extLst>
+                <a:ext uri="{FF2B5EF4-FFF2-40B4-BE49-F238E27FC236}">
+                  <a16:creationId xmlns:a16="http://schemas.microsoft.com/office/drawing/2014/main" id="{5FE24C0F-F03D-4439-A7C9-ED4D9D61ACEE}"/>
+                </a:ext>
+              </a:extLst>
+            </p:cNvPr>
+            <p:cNvSpPr/>
+            <p:nvPr/>
+          </p:nvSpPr>
+          <p:spPr>
+            <a:xfrm>
+              <a:off x="11375737" y="6318116"/>
+              <a:ext cx="451117" cy="451117"/>
+            </a:xfrm>
+            <a:prstGeom prst="ellipse">
+              <a:avLst/>
+            </a:prstGeom>
+            <a:solidFill>
+              <a:schemeClr val="accent3"/>
+            </a:solidFill>
+            <a:ln>
+              <a:noFill/>
+            </a:ln>
+          </p:spPr>
+          <p:style>
+            <a:lnRef idx="2">
+              <a:schemeClr val="accent1">
+                <a:shade val="50000"/>
+              </a:schemeClr>
+            </a:lnRef>
+            <a:fillRef idx="1">
+              <a:schemeClr val="accent1"/>
+            </a:fillRef>
+            <a:effectRef idx="0">
+              <a:schemeClr val="accent1"/>
+            </a:effectRef>
+            <a:fontRef idx="minor">
+              <a:schemeClr val="lt1"/>
+            </a:fontRef>
+          </p:style>
+          <p:txBody>
+            <a:bodyPr wrap="none" rtlCol="0" anchor="ctr">
+              <a:noAutofit/>
+            </a:bodyPr>
+            <a:lstStyle/>
+            <a:p>
+              <a:pPr marL="0" marR="0" lvl="0" indent="0" algn="ctr" defTabSz="914400" rtl="0" eaLnBrk="1" fontAlgn="auto" latinLnBrk="0" hangingPunct="1">
+                <a:lnSpc>
+                  <a:spcPct val="100000"/>
+                </a:lnSpc>
+                <a:spcBef>
+                  <a:spcPts val="0"/>
+                </a:spcBef>
+                <a:spcAft>
+                  <a:spcPts val="0"/>
+                </a:spcAft>
+                <a:buClrTx/>
+                <a:buSzTx/>
+                <a:buFontTx/>
+                <a:buNone/>
+                <a:tabLst/>
+                <a:defRPr/>
+              </a:pPr>
+              <a:fld id="{7E0242AA-0BC4-40C4-BB34-22B5E61FB40A}" type="slidenum">
+                <a:rPr lang="en-GB" dirty="0">
+                  <a:solidFill>
+                    <a:srgbClr val="FFFFFF"/>
+                  </a:solidFill>
+                  <a:latin typeface="Noto Sans" panose="020B0502040504020204" pitchFamily="34"/>
+                  <a:ea typeface="Noto Sans" panose="020B0502040504020204" pitchFamily="34"/>
+                  <a:cs typeface="Noto Sans" panose="020B0502040504020204" pitchFamily="34"/>
+                </a:rPr>
+                <a:t>6</a:t>
+              </a:fld>
+              <a:endParaRPr kumimoji="0" lang="en-GB" sz="1800" b="0" i="0" u="none" strike="noStrike" kern="1200" cap="none" spc="0" normalizeH="0" baseline="0" noProof="0" dirty="0">
+                <a:ln>
+                  <a:noFill/>
+                </a:ln>
+                <a:solidFill>
+                  <a:srgbClr val="FFFFFF"/>
+                </a:solidFill>
+                <a:effectLst/>
+                <a:uLnTx/>
+                <a:uFillTx/>
+                <a:latin typeface="Noto Sans" panose="020B0502040504020204" pitchFamily="34"/>
+                <a:ea typeface="Noto Sans" panose="020B0502040504020204" pitchFamily="34"/>
+                <a:cs typeface="Noto Sans" panose="020B0502040504020204" pitchFamily="34"/>
+              </a:endParaRPr>
+            </a:p>
+          </p:txBody>
+        </p:sp>
+      </p:grpSp>
+      <p:sp>
+        <p:nvSpPr>
+          <p:cNvPr id="18" name="ZoneTexte 17">
+            <a:extLst>
+              <a:ext uri="{FF2B5EF4-FFF2-40B4-BE49-F238E27FC236}">
+                <a16:creationId xmlns:a16="http://schemas.microsoft.com/office/drawing/2014/main" id="{CA85F80D-4F98-441E-9A87-14C24B1D779D}"/>
+              </a:ext>
+            </a:extLst>
+          </p:cNvPr>
+          <p:cNvSpPr txBox="1"/>
+          <p:nvPr/>
+        </p:nvSpPr>
+        <p:spPr>
+          <a:xfrm>
+            <a:off x="4137731" y="4822088"/>
+            <a:ext cx="1958267" cy="369332"/>
+          </a:xfrm>
+          <a:prstGeom prst="rect">
+            <a:avLst/>
+          </a:prstGeom>
+          <a:noFill/>
+        </p:spPr>
+        <p:txBody>
+          <a:bodyPr wrap="square" rtlCol="0">
+            <a:spAutoFit/>
+          </a:bodyPr>
+          <a:lstStyle/>
+          <a:p>
+            <a:endParaRPr lang="fr-CH" dirty="0">
+              <a:solidFill>
+                <a:schemeClr val="bg1"/>
+              </a:solidFill>
+            </a:endParaRPr>
+          </a:p>
+        </p:txBody>
+      </p:sp>
+      <p:pic>
+        <p:nvPicPr>
+          <p:cNvPr id="16" name="Graphic 15">
+            <a:extLst>
+              <a:ext uri="{FF2B5EF4-FFF2-40B4-BE49-F238E27FC236}">
+                <a16:creationId xmlns:a16="http://schemas.microsoft.com/office/drawing/2014/main" id="{1B5CE031-4D27-9A67-BCA0-F93A6A676557}"/>
+              </a:ext>
+            </a:extLst>
+          </p:cNvPr>
+          <p:cNvPicPr>
+            <a:picLocks noChangeAspect="1"/>
+          </p:cNvPicPr>
+          <p:nvPr/>
+        </p:nvPicPr>
+        <p:blipFill>
+          <a:blip r:embed="rId4">
+            <a:extLst>
+              <a:ext uri="{28A0092B-C50C-407E-A947-70E740481C1C}">
+                <a14:useLocalDpi xmlns:a14="http://schemas.microsoft.com/office/drawing/2010/main" val="0"/>
+              </a:ext>
+              <a:ext uri="{96DAC541-7B7A-43D3-8B79-37D633B846F1}">
+                <asvg:svgBlip xmlns:asvg="http://schemas.microsoft.com/office/drawing/2016/SVG/main" r:embed="rId5"/>
+              </a:ext>
+            </a:extLst>
+          </a:blip>
+          <a:stretch>
+            <a:fillRect/>
+          </a:stretch>
+        </p:blipFill>
+        <p:spPr>
+          <a:xfrm>
+            <a:off x="4694562" y="1138706"/>
+            <a:ext cx="6940225" cy="4735529"/>
+          </a:xfrm>
+          <a:prstGeom prst="rect">
+            <a:avLst/>
+          </a:prstGeom>
+        </p:spPr>
+      </p:pic>
+    </p:spTree>
+    <p:extLst>
+      <p:ext uri="{BB962C8B-B14F-4D97-AF65-F5344CB8AC3E}">
+        <p14:creationId xmlns:p14="http://schemas.microsoft.com/office/powerpoint/2010/main" val="1799826325"/>
+      </p:ext>
+    </p:extLst>
+  </p:cSld>
+  <p:clrMapOvr>
+    <a:masterClrMapping/>
+  </p:clrMapOvr>
+  <p:timing>
+    <p:tnLst>
+      <p:par>
+        <p:cTn id="1" dur="indefinite" restart="never" nodeType="tmRoot">
+          <p:childTnLst>
+            <p:seq concurrent="1" nextAc="seek">
+              <p:cTn id="2" dur="indefinite" nodeType="mainSeq">
+                <p:childTnLst>
+                  <p:par>
+                    <p:cTn id="3" fill="hold">
+                      <p:stCondLst>
+                        <p:cond delay="indefinite"/>
+                        <p:cond evt="onBegin" delay="0">
+                          <p:tn val="2"/>
+                        </p:cond>
+                      </p:stCondLst>
+                      <p:childTnLst>
+                        <p:par>
+                          <p:cTn id="4" fill="hold">
+                            <p:stCondLst>
+                              <p:cond delay="0"/>
+                            </p:stCondLst>
+                            <p:childTnLst>
+                              <p:par>
+                                <p:cTn id="5" presetID="1" presetClass="entr" presetSubtype="0" fill="hold" nodeType="withEffect">
+                                  <p:stCondLst>
+                                    <p:cond delay="0"/>
+                                  </p:stCondLst>
+                                  <p:childTnLst>
+                                    <p:set>
+                                      <p:cBhvr>
+                                        <p:cTn id="6" dur="1" fill="hold">
+                                          <p:stCondLst>
+                                            <p:cond delay="0"/>
+                                          </p:stCondLst>
+                                        </p:cTn>
+                                        <p:tgtEl>
+                                          <p:spTgt spid="26">
+                                            <p:txEl>
+                                              <p:pRg st="0" end="0"/>
+                                            </p:txEl>
+                                          </p:spTgt>
+                                        </p:tgtEl>
+                                        <p:attrNameLst>
+                                          <p:attrName>style.visibility</p:attrName>
+                                        </p:attrNameLst>
+                                      </p:cBhvr>
+                                      <p:to>
+                                        <p:strVal val="visible"/>
+                                      </p:to>
+                                    </p:set>
+                                  </p:childTnLst>
+                                </p:cTn>
+                              </p:par>
+                            </p:childTnLst>
+                          </p:cTn>
+                        </p:par>
+                      </p:childTnLst>
+                    </p:cTn>
+                  </p:par>
+                  <p:par>
+                    <p:cTn id="7" fill="hold">
+                      <p:stCondLst>
+                        <p:cond delay="indefinite"/>
+                      </p:stCondLst>
+                      <p:childTnLst>
+                        <p:par>
+                          <p:cTn id="8" fill="hold">
+                            <p:stCondLst>
+                              <p:cond delay="0"/>
+                            </p:stCondLst>
+                            <p:childTnLst>
+                              <p:par>
+                                <p:cTn id="9" presetID="1" presetClass="entr" presetSubtype="0" fill="hold" nodeType="clickEffect">
+                                  <p:stCondLst>
+                                    <p:cond delay="0"/>
+                                  </p:stCondLst>
+                                  <p:childTnLst>
+                                    <p:set>
+                                      <p:cBhvr>
+                                        <p:cTn id="10" dur="1" fill="hold">
+                                          <p:stCondLst>
+                                            <p:cond delay="0"/>
+                                          </p:stCondLst>
+                                        </p:cTn>
+                                        <p:tgtEl>
+                                          <p:spTgt spid="26">
+                                            <p:txEl>
+                                              <p:pRg st="1" end="1"/>
+                                            </p:txEl>
+                                          </p:spTgt>
+                                        </p:tgtEl>
+                                        <p:attrNameLst>
+                                          <p:attrName>style.visibility</p:attrName>
+                                        </p:attrNameLst>
+                                      </p:cBhvr>
+                                      <p:to>
+                                        <p:strVal val="visible"/>
+                                      </p:to>
+                                    </p:set>
+                                  </p:childTnLst>
+                                </p:cTn>
+                              </p:par>
+                            </p:childTnLst>
+                          </p:cTn>
+                        </p:par>
+                      </p:childTnLst>
+                    </p:cTn>
+                  </p:par>
+                  <p:par>
+                    <p:cTn id="11" fill="hold">
+                      <p:stCondLst>
+                        <p:cond delay="indefinite"/>
+                      </p:stCondLst>
+                      <p:childTnLst>
+                        <p:par>
+                          <p:cTn id="12" fill="hold">
+                            <p:stCondLst>
+                              <p:cond delay="0"/>
+                            </p:stCondLst>
+                            <p:childTnLst>
+                              <p:par>
+                                <p:cTn id="13" presetID="1" presetClass="entr" presetSubtype="0" fill="hold" nodeType="clickEffect">
+                                  <p:stCondLst>
+                                    <p:cond delay="0"/>
+                                  </p:stCondLst>
+                                  <p:childTnLst>
+                                    <p:set>
+                                      <p:cBhvr>
+                                        <p:cTn id="14" dur="1" fill="hold">
+                                          <p:stCondLst>
+                                            <p:cond delay="0"/>
+                                          </p:stCondLst>
+                                        </p:cTn>
+                                        <p:tgtEl>
+                                          <p:spTgt spid="26">
+                                            <p:txEl>
+                                              <p:pRg st="2" end="2"/>
+                                            </p:txEl>
+                                          </p:spTgt>
+                                        </p:tgtEl>
+                                        <p:attrNameLst>
+                                          <p:attrName>style.visibility</p:attrName>
+                                        </p:attrNameLst>
+                                      </p:cBhvr>
+                                      <p:to>
+                                        <p:strVal val="visible"/>
+                                      </p:to>
+                                    </p:set>
+                                  </p:childTnLst>
+                                </p:cTn>
+                              </p:par>
+                            </p:childTnLst>
+                          </p:cTn>
+                        </p:par>
+                      </p:childTnLst>
+                    </p:cTn>
+                  </p:par>
+                  <p:par>
+                    <p:cTn id="15" fill="hold">
+                      <p:stCondLst>
+                        <p:cond delay="indefinite"/>
+                      </p:stCondLst>
+                      <p:childTnLst>
+                        <p:par>
+                          <p:cTn id="16" fill="hold">
+                            <p:stCondLst>
+                              <p:cond delay="0"/>
+                            </p:stCondLst>
+                            <p:childTnLst>
+                              <p:par>
+                                <p:cTn id="17" presetID="1" presetClass="entr" presetSubtype="0" fill="hold" nodeType="clickEffect">
+                                  <p:stCondLst>
+                                    <p:cond delay="0"/>
+                                  </p:stCondLst>
+                                  <p:childTnLst>
+                                    <p:set>
+                                      <p:cBhvr>
+                                        <p:cTn id="18" dur="1" fill="hold">
+                                          <p:stCondLst>
+                                            <p:cond delay="0"/>
+                                          </p:stCondLst>
+                                        </p:cTn>
+                                        <p:tgtEl>
+                                          <p:spTgt spid="26">
+                                            <p:txEl>
+                                              <p:pRg st="3" end="3"/>
+                                            </p:txEl>
+                                          </p:spTgt>
+                                        </p:tgtEl>
+                                        <p:attrNameLst>
+                                          <p:attrName>style.visibility</p:attrName>
+                                        </p:attrNameLst>
+                                      </p:cBhvr>
+                                      <p:to>
+                                        <p:strVal val="visible"/>
+                                      </p:to>
+                                    </p:set>
+                                  </p:childTnLst>
+                                </p:cTn>
+                              </p:par>
+                              <p:par>
+                                <p:cTn id="19" presetID="1" presetClass="entr" presetSubtype="0" fill="hold" nodeType="withEffect">
+                                  <p:stCondLst>
+                                    <p:cond delay="0"/>
+                                  </p:stCondLst>
+                                  <p:childTnLst>
+                                    <p:set>
+                                      <p:cBhvr>
+                                        <p:cTn id="20" dur="1" fill="hold">
+                                          <p:stCondLst>
+                                            <p:cond delay="0"/>
+                                          </p:stCondLst>
+                                        </p:cTn>
+                                        <p:tgtEl>
+                                          <p:spTgt spid="26">
+                                            <p:txEl>
+                                              <p:pRg st="4" end="4"/>
+                                            </p:txEl>
+                                          </p:spTgt>
+                                        </p:tgtEl>
+                                        <p:attrNameLst>
+                                          <p:attrName>style.visibility</p:attrName>
+                                        </p:attrNameLst>
+                                      </p:cBhvr>
+                                      <p:to>
+                                        <p:strVal val="visible"/>
+                                      </p:to>
+                                    </p:set>
+                                  </p:childTnLst>
+                                </p:cTn>
+                              </p:par>
+                            </p:childTnLst>
+                          </p:cTn>
+                        </p:par>
+                      </p:childTnLst>
+                    </p:cTn>
+                  </p:par>
+                  <p:par>
+                    <p:cTn id="21" fill="hold">
+                      <p:stCondLst>
+                        <p:cond delay="indefinite"/>
+                      </p:stCondLst>
+                      <p:childTnLst>
+                        <p:par>
+                          <p:cTn id="22" fill="hold">
+                            <p:stCondLst>
+                              <p:cond delay="0"/>
+                            </p:stCondLst>
+                            <p:childTnLst>
+                              <p:par>
+                                <p:cTn id="23" presetID="1" presetClass="entr" presetSubtype="0" fill="hold" nodeType="clickEffect">
+                                  <p:stCondLst>
+                                    <p:cond delay="0"/>
+                                  </p:stCondLst>
+                                  <p:childTnLst>
+                                    <p:set>
+                                      <p:cBhvr>
+                                        <p:cTn id="24" dur="1" fill="hold">
+                                          <p:stCondLst>
+                                            <p:cond delay="0"/>
+                                          </p:stCondLst>
+                                        </p:cTn>
+                                        <p:tgtEl>
+                                          <p:spTgt spid="26">
+                                            <p:txEl>
+                                              <p:pRg st="5" end="5"/>
+                                            </p:txEl>
+                                          </p:spTgt>
+                                        </p:tgtEl>
+                                        <p:attrNameLst>
+                                          <p:attrName>style.visibility</p:attrName>
+                                        </p:attrNameLst>
+                                      </p:cBhvr>
+                                      <p:to>
+                                        <p:strVal val="visible"/>
+                                      </p:to>
+                                    </p:set>
+                                  </p:childTnLst>
+                                </p:cTn>
+                              </p:par>
+                              <p:par>
+                                <p:cTn id="25" presetID="1" presetClass="entr" presetSubtype="0" fill="hold" nodeType="withEffect">
+                                  <p:stCondLst>
+                                    <p:cond delay="0"/>
+                                  </p:stCondLst>
+                                  <p:childTnLst>
+                                    <p:set>
+                                      <p:cBhvr>
+                                        <p:cTn id="26" dur="1" fill="hold">
+                                          <p:stCondLst>
+                                            <p:cond delay="0"/>
+                                          </p:stCondLst>
+                                        </p:cTn>
+                                        <p:tgtEl>
+                                          <p:spTgt spid="26">
+                                            <p:txEl>
+                                              <p:pRg st="6" end="6"/>
+                                            </p:txEl>
+                                          </p:spTgt>
+                                        </p:tgtEl>
+                                        <p:attrNameLst>
+                                          <p:attrName>style.visibility</p:attrName>
+                                        </p:attrNameLst>
+                                      </p:cBhvr>
+                                      <p:to>
+                                        <p:strVal val="visible"/>
+                                      </p:to>
+                                    </p:set>
+                                  </p:childTnLst>
+                                </p:cTn>
+                              </p:par>
+                            </p:childTnLst>
+                          </p:cTn>
+                        </p:par>
+                      </p:childTnLst>
+                    </p:cTn>
+                  </p:par>
+                </p:childTnLst>
+              </p:cTn>
+              <p:prevCondLst>
+                <p:cond evt="onPrev" delay="0">
+                  <p:tgtEl>
+                    <p:sldTgt/>
+                  </p:tgtEl>
+                </p:cond>
+              </p:prevCondLst>
+              <p:nextCondLst>
+                <p:cond evt="onNext" delay="0">
+                  <p:tgtEl>
+                    <p:sldTgt/>
+                  </p:tgtEl>
+                </p:cond>
+              </p:nextCondLst>
+            </p:seq>
+          </p:childTnLst>
+        </p:cTn>
+      </p:par>
+    </p:tnLst>
+  </p:timing>
+</p:sld>
+</file>
+
 <file path=ppt/slides/slide7.xml><?xml version="1.0" encoding="utf-8"?>
 <p:sld xmlns:a="http://schemas.openxmlformats.org/drawingml/2006/main" xmlns:r="http://schemas.openxmlformats.org/officeDocument/2006/relationships" xmlns:p="http://schemas.openxmlformats.org/presentationml/2006/main">
   <p:cSld>
@@ -19219,7 +20718,7 @@
         </p:spPr>
         <p:txBody>
           <a:bodyPr>
-            <a:normAutofit/>
+            <a:normAutofit lnSpcReduction="10000"/>
           </a:bodyPr>
           <a:lstStyle/>
           <a:p>
@@ -19307,8 +20806,142 @@
                 <a:ea typeface="Open Sans" panose="020B0606030504020204" pitchFamily="34" charset="0"/>
                 <a:cs typeface="Open Sans" panose="020B0606030504020204" pitchFamily="34" charset="0"/>
               </a:rPr>
-              <a:t>??</a:t>
-            </a:r>
+              <a:t>Élaboration d’un </a:t>
+            </a:r>
+            <a:r>
+              <a:rPr lang="fr-CH" i="1" dirty="0">
+                <a:solidFill>
+                  <a:schemeClr val="bg1"/>
+                </a:solidFill>
+                <a:latin typeface="Open Sans" panose="020B0606030504020204" pitchFamily="34" charset="0"/>
+                <a:ea typeface="Open Sans" panose="020B0606030504020204" pitchFamily="34" charset="0"/>
+                <a:cs typeface="Open Sans" panose="020B0606030504020204" pitchFamily="34" charset="0"/>
+              </a:rPr>
+              <a:t>rating</a:t>
+            </a:r>
+            <a:r>
+              <a:rPr lang="fr-CH" dirty="0">
+                <a:solidFill>
+                  <a:schemeClr val="bg1"/>
+                </a:solidFill>
+                <a:latin typeface="Open Sans" panose="020B0606030504020204" pitchFamily="34" charset="0"/>
+                <a:ea typeface="Open Sans" panose="020B0606030504020204" pitchFamily="34" charset="0"/>
+                <a:cs typeface="Open Sans" panose="020B0606030504020204" pitchFamily="34" charset="0"/>
+              </a:rPr>
+              <a:t> représentant la probabilité qu’un feu se déclenche</a:t>
+            </a:r>
+          </a:p>
+          <a:p>
+            <a:pPr marL="1257300" lvl="2" indent="-342900" algn="l">
+              <a:lnSpc>
+                <a:spcPct val="150000"/>
+              </a:lnSpc>
+              <a:spcBef>
+                <a:spcPts val="1800"/>
+              </a:spcBef>
+              <a:buFont typeface="Arial" panose="020B0604020202020204" pitchFamily="34" charset="0"/>
+              <a:buChar char="•"/>
+            </a:pPr>
+            <a:r>
+              <a:rPr lang="fr-CH" sz="2200" dirty="0">
+                <a:solidFill>
+                  <a:schemeClr val="bg1"/>
+                </a:solidFill>
+                <a:latin typeface="Open Sans" panose="020B0606030504020204" pitchFamily="34" charset="0"/>
+                <a:ea typeface="Open Sans" panose="020B0606030504020204" pitchFamily="34" charset="0"/>
+                <a:cs typeface="Open Sans" panose="020B0606030504020204" pitchFamily="34" charset="0"/>
+              </a:rPr>
+              <a:t>Vert</a:t>
+            </a:r>
+          </a:p>
+          <a:p>
+            <a:pPr marL="1257300" lvl="2" indent="-342900" algn="l">
+              <a:lnSpc>
+                <a:spcPct val="150000"/>
+              </a:lnSpc>
+              <a:spcBef>
+                <a:spcPts val="1800"/>
+              </a:spcBef>
+              <a:buFont typeface="Arial" panose="020B0604020202020204" pitchFamily="34" charset="0"/>
+              <a:buChar char="•"/>
+            </a:pPr>
+            <a:r>
+              <a:rPr lang="fr-CH" sz="2200" dirty="0">
+                <a:solidFill>
+                  <a:schemeClr val="bg1"/>
+                </a:solidFill>
+                <a:latin typeface="Open Sans" panose="020B0606030504020204" pitchFamily="34" charset="0"/>
+                <a:ea typeface="Open Sans" panose="020B0606030504020204" pitchFamily="34" charset="0"/>
+                <a:cs typeface="Open Sans" panose="020B0606030504020204" pitchFamily="34" charset="0"/>
+              </a:rPr>
+              <a:t>Rouge</a:t>
+            </a:r>
+          </a:p>
+          <a:p>
+            <a:pPr marL="1257300" lvl="2" indent="-342900" algn="l">
+              <a:lnSpc>
+                <a:spcPct val="150000"/>
+              </a:lnSpc>
+              <a:spcBef>
+                <a:spcPts val="1800"/>
+              </a:spcBef>
+              <a:buFont typeface="Arial" panose="020B0604020202020204" pitchFamily="34" charset="0"/>
+              <a:buChar char="•"/>
+            </a:pPr>
+            <a:r>
+              <a:rPr lang="fr-CH" sz="2200" dirty="0">
+                <a:solidFill>
+                  <a:schemeClr val="bg1"/>
+                </a:solidFill>
+                <a:latin typeface="Open Sans" panose="020B0606030504020204" pitchFamily="34" charset="0"/>
+                <a:ea typeface="Open Sans" panose="020B0606030504020204" pitchFamily="34" charset="0"/>
+                <a:cs typeface="Open Sans" panose="020B0606030504020204" pitchFamily="34" charset="0"/>
+              </a:rPr>
+              <a:t>Orange</a:t>
+            </a:r>
+          </a:p>
+          <a:p>
+            <a:pPr marL="1257300" lvl="2" indent="-342900" algn="l">
+              <a:lnSpc>
+                <a:spcPct val="150000"/>
+              </a:lnSpc>
+              <a:spcBef>
+                <a:spcPts val="1800"/>
+              </a:spcBef>
+              <a:buFont typeface="Arial" panose="020B0604020202020204" pitchFamily="34" charset="0"/>
+              <a:buChar char="•"/>
+            </a:pPr>
+            <a:r>
+              <a:rPr lang="fr-CH" sz="2200" dirty="0">
+                <a:solidFill>
+                  <a:schemeClr val="bg1"/>
+                </a:solidFill>
+                <a:latin typeface="Open Sans" panose="020B0606030504020204" pitchFamily="34" charset="0"/>
+                <a:ea typeface="Open Sans" panose="020B0606030504020204" pitchFamily="34" charset="0"/>
+                <a:cs typeface="Open Sans" panose="020B0606030504020204" pitchFamily="34" charset="0"/>
+              </a:rPr>
+              <a:t>Et noir</a:t>
+            </a:r>
+          </a:p>
+          <a:p>
+            <a:pPr marL="800100" lvl="1" indent="-342900" algn="l">
+              <a:lnSpc>
+                <a:spcPct val="150000"/>
+              </a:lnSpc>
+              <a:spcBef>
+                <a:spcPts val="1800"/>
+              </a:spcBef>
+              <a:buFont typeface="Arial" panose="020B0604020202020204" pitchFamily="34" charset="0"/>
+              <a:buChar char="•"/>
+            </a:pPr>
+            <a:endParaRPr lang="fr-CH" dirty="0">
+              <a:solidFill>
+                <a:schemeClr val="bg1"/>
+              </a:solidFill>
+              <a:latin typeface="Open Sans" panose="020B0606030504020204" pitchFamily="34" charset="0"/>
+              <a:ea typeface="Open Sans" panose="020B0606030504020204" pitchFamily="34" charset="0"/>
+              <a:cs typeface="Open Sans" panose="020B0606030504020204" pitchFamily="34" charset="0"/>
+            </a:endParaRPr>
           </a:p>
         </p:txBody>
       </p:sp>
@@ -19681,6 +21314,42 @@
           </a:p>
         </p:txBody>
       </p:sp>
+      <p:pic>
+        <p:nvPicPr>
+          <p:cNvPr id="3" name="Image 2">
+            <a:extLst>
+              <a:ext uri="{FF2B5EF4-FFF2-40B4-BE49-F238E27FC236}">
+                <a16:creationId xmlns:a16="http://schemas.microsoft.com/office/drawing/2014/main" id="{1AE3E2A6-74B0-659B-81FE-0A24F1848C8E}"/>
+              </a:ext>
+            </a:extLst>
+          </p:cNvPr>
+          <p:cNvPicPr>
+            <a:picLocks noChangeAspect="1"/>
+          </p:cNvPicPr>
+          <p:nvPr/>
+        </p:nvPicPr>
+        <p:blipFill>
+          <a:blip r:embed="rId4">
+            <a:extLst>
+              <a:ext uri="{28A0092B-C50C-407E-A947-70E740481C1C}">
+                <a14:useLocalDpi xmlns:a14="http://schemas.microsoft.com/office/drawing/2010/main" val="0"/>
+              </a:ext>
+            </a:extLst>
+          </a:blip>
+          <a:stretch>
+            <a:fillRect/>
+          </a:stretch>
+        </p:blipFill>
+        <p:spPr>
+          <a:xfrm>
+            <a:off x="8024513" y="3620547"/>
+            <a:ext cx="2403082" cy="2403082"/>
+          </a:xfrm>
+          <a:prstGeom prst="rect">
+            <a:avLst/>
+          </a:prstGeom>
+        </p:spPr>
+      </p:pic>
     </p:spTree>
     <p:extLst>
       <p:ext uri="{BB962C8B-B14F-4D97-AF65-F5344CB8AC3E}">
@@ -19793,6 +21462,130 @@
                                           <p:spTgt spid="26">
                                             <p:txEl>
                                               <p:pRg st="2" end="2"/>
+                                            </p:txEl>
+                                          </p:spTgt>
+                                        </p:tgtEl>
+                                        <p:attrNameLst>
+                                          <p:attrName>style.visibility</p:attrName>
+                                        </p:attrNameLst>
+                                      </p:cBhvr>
+                                      <p:to>
+                                        <p:strVal val="visible"/>
+                                      </p:to>
+                                    </p:set>
+                                  </p:childTnLst>
+                                </p:cTn>
+                              </p:par>
+                              <p:par>
+                                <p:cTn id="11" presetID="1" presetClass="entr" presetSubtype="0" fill="hold" nodeType="withEffect">
+                                  <p:stCondLst>
+                                    <p:cond delay="0"/>
+                                  </p:stCondLst>
+                                  <p:childTnLst>
+                                    <p:set>
+                                      <p:cBhvr>
+                                        <p:cTn id="12" dur="1" fill="hold">
+                                          <p:stCondLst>
+                                            <p:cond delay="0"/>
+                                          </p:stCondLst>
+                                        </p:cTn>
+                                        <p:tgtEl>
+                                          <p:spTgt spid="26">
+                                            <p:txEl>
+                                              <p:pRg st="3" end="3"/>
+                                            </p:txEl>
+                                          </p:spTgt>
+                                        </p:tgtEl>
+                                        <p:attrNameLst>
+                                          <p:attrName>style.visibility</p:attrName>
+                                        </p:attrNameLst>
+                                      </p:cBhvr>
+                                      <p:to>
+                                        <p:strVal val="visible"/>
+                                      </p:to>
+                                    </p:set>
+                                  </p:childTnLst>
+                                </p:cTn>
+                              </p:par>
+                              <p:par>
+                                <p:cTn id="13" presetID="1" presetClass="entr" presetSubtype="0" fill="hold" nodeType="withEffect">
+                                  <p:stCondLst>
+                                    <p:cond delay="0"/>
+                                  </p:stCondLst>
+                                  <p:childTnLst>
+                                    <p:set>
+                                      <p:cBhvr>
+                                        <p:cTn id="14" dur="1" fill="hold">
+                                          <p:stCondLst>
+                                            <p:cond delay="0"/>
+                                          </p:stCondLst>
+                                        </p:cTn>
+                                        <p:tgtEl>
+                                          <p:spTgt spid="26">
+                                            <p:txEl>
+                                              <p:pRg st="4" end="4"/>
+                                            </p:txEl>
+                                          </p:spTgt>
+                                        </p:tgtEl>
+                                        <p:attrNameLst>
+                                          <p:attrName>style.visibility</p:attrName>
+                                        </p:attrNameLst>
+                                      </p:cBhvr>
+                                      <p:to>
+                                        <p:strVal val="visible"/>
+                                      </p:to>
+                                    </p:set>
+                                  </p:childTnLst>
+                                </p:cTn>
+                              </p:par>
+                              <p:par>
+                                <p:cTn id="15" presetID="1" presetClass="entr" presetSubtype="0" fill="hold" nodeType="withEffect">
+                                  <p:stCondLst>
+                                    <p:cond delay="0"/>
+                                  </p:stCondLst>
+                                  <p:childTnLst>
+                                    <p:set>
+                                      <p:cBhvr>
+                                        <p:cTn id="16" dur="1" fill="hold">
+                                          <p:stCondLst>
+                                            <p:cond delay="0"/>
+                                          </p:stCondLst>
+                                        </p:cTn>
+                                        <p:tgtEl>
+                                          <p:spTgt spid="26">
+                                            <p:txEl>
+                                              <p:pRg st="5" end="5"/>
+                                            </p:txEl>
+                                          </p:spTgt>
+                                        </p:tgtEl>
+                                        <p:attrNameLst>
+                                          <p:attrName>style.visibility</p:attrName>
+                                        </p:attrNameLst>
+                                      </p:cBhvr>
+                                      <p:to>
+                                        <p:strVal val="visible"/>
+                                      </p:to>
+                                    </p:set>
+                                  </p:childTnLst>
+                                </p:cTn>
+                              </p:par>
+                              <p:par>
+                                <p:cTn id="17" presetID="1" presetClass="entr" presetSubtype="0" fill="hold" nodeType="withEffect">
+                                  <p:stCondLst>
+                                    <p:cond delay="0"/>
+                                  </p:stCondLst>
+                                  <p:childTnLst>
+                                    <p:set>
+                                      <p:cBhvr>
+                                        <p:cTn id="18" dur="1" fill="hold">
+                                          <p:stCondLst>
+                                            <p:cond delay="0"/>
+                                          </p:stCondLst>
+                                        </p:cTn>
+                                        <p:tgtEl>
+                                          <p:spTgt spid="26">
+                                            <p:txEl>
+                                              <p:pRg st="6" end="6"/>
                                             </p:txEl>
                                           </p:spTgt>
                                         </p:tgtEl>
@@ -20123,7 +21916,7 @@
               <a:buFont typeface="Arial" panose="020B0604020202020204" pitchFamily="34" charset="0"/>
               <a:buChar char="•"/>
             </a:pPr>
-            <a:endParaRPr lang="fr-CH" dirty="0">
+            <a:endParaRPr lang="fr-CH" sz="3200" dirty="0">
               <a:solidFill>
                 <a:schemeClr val="bg1"/>
               </a:solidFill>
@@ -20140,7 +21933,7 @@
               <a:buFont typeface="Arial" panose="020B0604020202020204" pitchFamily="34" charset="0"/>
               <a:buChar char="•"/>
             </a:pPr>
-            <a:endParaRPr lang="fr-CH" dirty="0">
+            <a:endParaRPr lang="fr-CH" sz="3200" dirty="0">
               <a:solidFill>
                 <a:schemeClr val="bg1"/>
               </a:solidFill>
@@ -20157,25 +21950,8 @@
               <a:buFont typeface="Arial" panose="020B0604020202020204" pitchFamily="34" charset="0"/>
               <a:buChar char="•"/>
             </a:pPr>
-            <a:endParaRPr lang="fr-CH" dirty="0">
-              <a:solidFill>
-                <a:schemeClr val="bg1"/>
-              </a:solidFill>
-              <a:latin typeface="Open Sans" panose="020B0606030504020204" pitchFamily="34" charset="0"/>
-              <a:ea typeface="Open Sans" panose="020B0606030504020204" pitchFamily="34" charset="0"/>
-              <a:cs typeface="Open Sans" panose="020B0606030504020204" pitchFamily="34" charset="0"/>
-            </a:endParaRPr>
-          </a:p>
-          <a:p>
-            <a:pPr marL="342900" indent="-342900" algn="l">
-              <a:spcBef>
-                <a:spcPts val="1800"/>
-              </a:spcBef>
-              <a:buFont typeface="Arial" panose="020B0604020202020204" pitchFamily="34" charset="0"/>
-              <a:buChar char="•"/>
-            </a:pPr>
-            <a:r>
-              <a:rPr lang="fr-CH" dirty="0">
+            <a:r>
+              <a:rPr lang="fr-CH" sz="3200" dirty="0">
                 <a:solidFill>
                   <a:schemeClr val="bg1"/>
                 </a:solidFill>
@@ -24047,6 +25823,27 @@
             </a:r>
           </a:p>
           <a:p>
+            <a:pPr marL="914400" lvl="1" indent="-457200" algn="l">
+              <a:lnSpc>
+                <a:spcPct val="110000"/>
+              </a:lnSpc>
+              <a:spcBef>
+                <a:spcPts val="1800"/>
+              </a:spcBef>
+              <a:buFont typeface="Arial" panose="020B0604020202020204" pitchFamily="34" charset="0"/>
+              <a:buChar char="•"/>
+            </a:pPr>
+            <a:r>
+              <a:rPr lang="fr-CH" sz="2800" dirty="0">
+                <a:solidFill>
+                  <a:srgbClr val="FFFFFF"/>
+                </a:solidFill>
+                <a:latin typeface="Noto Sans" panose="020B0502040504020204" pitchFamily="34"/>
+              </a:rPr>
+              <a:t>Détection de flamme</a:t>
+            </a:r>
+          </a:p>
+          <a:p>
             <a:pPr marL="457200" indent="-457200" algn="l">
               <a:lnSpc>
                 <a:spcPct val="110000"/>
@@ -24301,7 +26098,7 @@
             <p:nvPr/>
           </p:nvPicPr>
           <p:blipFill>
-            <a:blip r:embed="rId2">
+            <a:blip r:embed="rId3">
               <a:extLst>
                 <a:ext uri="{28A0092B-C50C-407E-A947-70E740481C1C}">
                   <a14:useLocalDpi xmlns:a14="http://schemas.microsoft.com/office/drawing/2010/main" val="0"/>
@@ -24604,6 +26401,67 @@
                                           <p:spTgt spid="55">
                                             <p:txEl>
                                               <p:pRg st="2" end="2"/>
+                                            </p:txEl>
+                                          </p:spTgt>
+                                        </p:tgtEl>
+                                      </p:cBhvr>
+                                    </p:animEffect>
+                                  </p:childTnLst>
+                                </p:cTn>
+                              </p:par>
+                            </p:childTnLst>
+                          </p:cTn>
+                        </p:par>
+                      </p:childTnLst>
+                    </p:cTn>
+                  </p:par>
+                  <p:par>
+                    <p:cTn id="18" fill="hold">
+                      <p:stCondLst>
+                        <p:cond delay="indefinite"/>
+                      </p:stCondLst>
+                      <p:childTnLst>
+                        <p:par>
+                          <p:cTn id="19" fill="hold">
+                            <p:stCondLst>
+                              <p:cond delay="0"/>
+                            </p:stCondLst>
+                            <p:childTnLst>
+                              <p:par>
+                                <p:cTn id="20" presetID="10" presetClass="entr" presetSubtype="0" fill="hold" nodeType="clickEffect">
+                                  <p:stCondLst>
+                                    <p:cond delay="0"/>
+                                  </p:stCondLst>
+                                  <p:childTnLst>
+                                    <p:set>
+                                      <p:cBhvr>
+                                        <p:cTn id="21" dur="1" fill="hold">
+                                          <p:stCondLst>
+                                            <p:cond delay="0"/>
+                                          </p:stCondLst>
+                                        </p:cTn>
+                                        <p:tgtEl>
+                                          <p:spTgt spid="55">
+                                            <p:txEl>
+                                              <p:pRg st="3" end="3"/>
+                                            </p:txEl>
+                                          </p:spTgt>
+                                        </p:tgtEl>
+                                        <p:attrNameLst>
+                                          <p:attrName>style.visibility</p:attrName>
+                                        </p:attrNameLst>
+                                      </p:cBhvr>
+                                      <p:to>
+                                        <p:strVal val="visible"/>
+                                      </p:to>
+                                    </p:set>
+                                    <p:animEffect transition="in" filter="fade">
+                                      <p:cBhvr>
+                                        <p:cTn id="22" dur="500"/>
+                                        <p:tgtEl>
+                                          <p:spTgt spid="55">
+                                            <p:txEl>
+                                              <p:pRg st="3" end="3"/>
                                             </p:txEl>
                                           </p:spTgt>
                                         </p:tgtEl>
